--- a/assets/lectures/lec24/24-hypothesis-testing.pptx
+++ b/assets/lectures/lec24/24-hypothesis-testing.pptx
@@ -6,10 +6,10 @@
     <p:sldMasterId id="2147483682" r:id="rId2"/>
   </p:sldMasterIdLst>
   <p:notesMasterIdLst>
-    <p:notesMasterId r:id="rId76"/>
+    <p:notesMasterId r:id="rId77"/>
   </p:notesMasterIdLst>
   <p:handoutMasterIdLst>
-    <p:handoutMasterId r:id="rId77"/>
+    <p:handoutMasterId r:id="rId78"/>
   </p:handoutMasterIdLst>
   <p:sldIdLst>
     <p:sldId id="256" r:id="rId3"/>
@@ -81,10 +81,11 @@
     <p:sldId id="661" r:id="rId69"/>
     <p:sldId id="662" r:id="rId70"/>
     <p:sldId id="663" r:id="rId71"/>
-    <p:sldId id="665" r:id="rId72"/>
-    <p:sldId id="667" r:id="rId73"/>
-    <p:sldId id="666" r:id="rId74"/>
-    <p:sldId id="671" r:id="rId75"/>
+    <p:sldId id="676" r:id="rId72"/>
+    <p:sldId id="665" r:id="rId73"/>
+    <p:sldId id="667" r:id="rId74"/>
+    <p:sldId id="666" r:id="rId75"/>
+    <p:sldId id="671" r:id="rId76"/>
   </p:sldIdLst>
   <p:sldSz cx="12192000" cy="6858000"/>
   <p:notesSz cx="6858000" cy="9144000"/>
@@ -298,7 +299,7 @@
           <a:p>
             <a:fld id="{B243A391-FCEB-DE42-BDA9-FFA30A5485F8}" type="datetimeFigureOut">
               <a:rPr lang="en-US" smtClean="0"/>
-              <a:t>4/11/18</a:t>
+              <a:t>4/12/18</a:t>
             </a:fld>
             <a:endParaRPr lang="en-US"/>
           </a:p>
@@ -471,7 +472,7 @@
               <a:rPr lang="en-US" smtClean="0">
                 <a:uFillTx/>
               </a:rPr>
-              <a:t>4/11/18</a:t>
+              <a:t>4/12/18</a:t>
             </a:fld>
             <a:endParaRPr lang="en-US">
               <a:uFillTx/>
@@ -1338,7 +1339,7 @@
                 <a:uFillTx/>
               </a:rPr>
               <a:pPr/>
-              <a:t>4/11/18</a:t>
+              <a:t>4/12/18</a:t>
             </a:fld>
             <a:endParaRPr lang="en-US">
               <a:solidFill>
@@ -1640,7 +1641,7 @@
                 <a:uFillTx/>
               </a:rPr>
               <a:pPr/>
-              <a:t>4/11/18</a:t>
+              <a:t>4/12/18</a:t>
             </a:fld>
             <a:endParaRPr lang="en-US">
               <a:uFillTx/>
@@ -1921,7 +1922,7 @@
                 <a:uFillTx/>
               </a:rPr>
               <a:pPr/>
-              <a:t>4/11/18</a:t>
+              <a:t>4/12/18</a:t>
             </a:fld>
             <a:endParaRPr lang="en-US">
               <a:solidFill>
@@ -2379,7 +2380,7 @@
                 <a:uFillTx/>
               </a:rPr>
               <a:pPr/>
-              <a:t>4/11/18</a:t>
+              <a:t>4/12/18</a:t>
             </a:fld>
             <a:endParaRPr lang="en-US">
               <a:solidFill>
@@ -2530,7 +2531,7 @@
                 <a:uFillTx/>
               </a:rPr>
               <a:pPr/>
-              <a:t>4/11/18</a:t>
+              <a:t>4/12/18</a:t>
             </a:fld>
             <a:endParaRPr lang="en-US">
               <a:solidFill>
@@ -2657,7 +2658,7 @@
                 <a:uFillTx/>
               </a:rPr>
               <a:pPr/>
-              <a:t>4/11/18</a:t>
+              <a:t>4/12/18</a:t>
             </a:fld>
             <a:endParaRPr lang="en-US">
               <a:solidFill>
@@ -3016,7 +3017,7 @@
                 <a:uFillTx/>
               </a:rPr>
               <a:pPr/>
-              <a:t>4/11/18</a:t>
+              <a:t>4/12/18</a:t>
             </a:fld>
             <a:endParaRPr lang="en-US">
               <a:solidFill>
@@ -3344,7 +3345,7 @@
                 <a:uFillTx/>
               </a:rPr>
               <a:pPr/>
-              <a:t>4/11/18</a:t>
+              <a:t>4/12/18</a:t>
             </a:fld>
             <a:endParaRPr lang="en-US">
               <a:solidFill>
@@ -3556,7 +3557,7 @@
                 <a:uFillTx/>
               </a:rPr>
               <a:pPr/>
-              <a:t>4/11/18</a:t>
+              <a:t>4/12/18</a:t>
             </a:fld>
             <a:endParaRPr lang="en-US">
               <a:solidFill>
@@ -3778,7 +3779,7 @@
                 <a:uFillTx/>
               </a:rPr>
               <a:pPr/>
-              <a:t>4/11/18</a:t>
+              <a:t>4/12/18</a:t>
             </a:fld>
             <a:endParaRPr lang="en-US">
               <a:solidFill>
@@ -4241,7 +4242,7 @@
                 <a:uFillTx/>
               </a:rPr>
               <a:pPr/>
-              <a:t>4/11/18</a:t>
+              <a:t>4/12/18</a:t>
             </a:fld>
             <a:endParaRPr lang="en-US">
               <a:solidFill>
@@ -6913,7 +6914,7 @@
                 <a:uFillTx/>
               </a:rPr>
               <a:pPr/>
-              <a:t>4/11/18</a:t>
+              <a:t>4/12/18</a:t>
             </a:fld>
             <a:endParaRPr lang="en-US">
               <a:solidFill>
@@ -7246,7 +7247,7 @@
                 <a:uFillTx/>
               </a:rPr>
               <a:pPr/>
-              <a:t>4/11/18</a:t>
+              <a:t>4/12/18</a:t>
             </a:fld>
             <a:endParaRPr lang="en-US">
               <a:solidFill>
@@ -7509,7 +7510,7 @@
                 <a:uFillTx/>
               </a:rPr>
               <a:pPr/>
-              <a:t>4/11/18</a:t>
+              <a:t>4/12/18</a:t>
             </a:fld>
             <a:endParaRPr lang="en-US">
               <a:solidFill>
@@ -7792,7 +7793,7 @@
                 <a:uFillTx/>
               </a:rPr>
               <a:pPr/>
-              <a:t>4/11/18</a:t>
+              <a:t>4/12/18</a:t>
             </a:fld>
             <a:endParaRPr lang="en-US">
               <a:uFillTx/>
@@ -8070,7 +8071,7 @@
                 <a:uFillTx/>
               </a:rPr>
               <a:pPr/>
-              <a:t>4/11/18</a:t>
+              <a:t>4/12/18</a:t>
             </a:fld>
             <a:endParaRPr lang="en-US">
               <a:uFillTx/>
@@ -8360,7 +8361,7 @@
                 <a:uFillTx/>
               </a:rPr>
               <a:pPr/>
-              <a:t>4/11/18</a:t>
+              <a:t>4/12/18</a:t>
             </a:fld>
             <a:endParaRPr lang="en-US">
               <a:solidFill>
@@ -8665,7 +8666,7 @@
                 <a:uFillTx/>
               </a:rPr>
               <a:pPr/>
-              <a:t>4/11/18</a:t>
+              <a:t>4/12/18</a:t>
             </a:fld>
             <a:endParaRPr lang="en-US">
               <a:uFillTx/>
@@ -8923,7 +8924,7 @@
                 <a:uFillTx/>
               </a:rPr>
               <a:pPr defTabSz="914377"/>
-              <a:t>4/11/18</a:t>
+              <a:t>4/12/18</a:t>
             </a:fld>
             <a:endParaRPr lang="en-US">
               <a:solidFill>
@@ -11943,21 +11944,12 @@
           </a:p>
           <a:p>
             <a:r>
+              <a:rPr lang="en-US"/>
+              <a:t>Student </a:t>
+            </a:r>
+            <a:r>
               <a:rPr lang="en-US" dirty="0"/>
-              <a:t>Detecting exoplanets</a:t>
-            </a:r>
-          </a:p>
-          <a:p>
-            <a:pPr lvl="1"/>
-            <a:r>
-              <a:rPr lang="en-US" dirty="0"/>
-              <a:t>Example of hypothesis testing in science</a:t>
-            </a:r>
-          </a:p>
-          <a:p>
-            <a:r>
-              <a:rPr lang="en-US" dirty="0"/>
-              <a:t>Student Evaluation of Teaching</a:t>
+              <a:t>Evaluation of Teaching</a:t>
             </a:r>
           </a:p>
           <a:p>
@@ -12812,8 +12804,8 @@
           <a:chExt cx="0" cy="0"/>
         </a:xfrm>
       </p:grpSpPr>
-      <mc:AlternateContent xmlns:mc="http://schemas.openxmlformats.org/markup-compatibility/2006">
-        <mc:Choice xmlns:a14="http://schemas.microsoft.com/office/drawing/2010/main" Requires="a14">
+      <mc:AlternateContent xmlns:mc="http://schemas.openxmlformats.org/markup-compatibility/2006" xmlns:a14="http://schemas.microsoft.com/office/drawing/2010/main">
+        <mc:Choice Requires="a14">
           <p:sp>
             <p:nvSpPr>
               <p:cNvPr id="2" name="Title 1"/>
@@ -12870,7 +12862,7 @@
             </p:txBody>
           </p:sp>
         </mc:Choice>
-        <mc:Fallback>
+        <mc:Fallback xmlns="">
           <p:sp>
             <p:nvSpPr>
               <p:cNvPr id="2" name="Title 1"/>
@@ -12906,32 +12898,37 @@
       </mc:AlternateContent>
       <p:pic>
         <p:nvPicPr>
-          <p:cNvPr id="6" name="Picture 5">
+          <p:cNvPr id="4" name="Content Placeholder 4">
             <a:extLst>
               <a:ext uri="{FF2B5EF4-FFF2-40B4-BE49-F238E27FC236}">
-                <a16:creationId xmlns:a16="http://schemas.microsoft.com/office/drawing/2014/main" id="{EBCAFEE6-D6E0-6843-BC52-150969FD314D}"/>
+                <a16:creationId xmlns:a16="http://schemas.microsoft.com/office/drawing/2014/main" id="{E7937385-D9A8-674F-BF85-CCB38E7A0F25}"/>
               </a:ext>
             </a:extLst>
           </p:cNvPr>
           <p:cNvPicPr>
-            <a:picLocks noChangeAspect="1"/>
+            <a:picLocks noGrp="1" noChangeAspect="1"/>
           </p:cNvPicPr>
-          <p:nvPr/>
+          <p:nvPr>
+            <p:ph idx="1"/>
+          </p:nvPr>
         </p:nvPicPr>
         <p:blipFill>
-          <a:blip r:embed="rId3"/>
+          <a:blip r:embed="rId3">
+            <a:extLst>
+              <a:ext uri="{28A0092B-C50C-407E-A947-70E740481C1C}">
+                <a14:useLocalDpi xmlns:a14="http://schemas.microsoft.com/office/drawing/2010/main" val="0"/>
+              </a:ext>
+            </a:extLst>
+          </a:blip>
           <a:stretch>
             <a:fillRect/>
           </a:stretch>
         </p:blipFill>
         <p:spPr>
           <a:xfrm>
-            <a:off x="1327150" y="1646238"/>
-            <a:ext cx="9537700" cy="4953000"/>
+            <a:off x="457200" y="1308100"/>
+            <a:ext cx="11201400" cy="5346699"/>
           </a:xfrm>
-          <a:prstGeom prst="rect">
-            <a:avLst/>
-          </a:prstGeom>
         </p:spPr>
       </p:pic>
     </p:spTree>
@@ -22333,61 +22330,134 @@
           <a:chExt cx="0" cy="0"/>
         </a:xfrm>
       </p:grpSpPr>
-      <p:pic>
-        <p:nvPicPr>
-          <p:cNvPr id="4" name="Content Placeholder 3" descr="samplingDistribution.tiff"/>
-          <p:cNvPicPr>
-            <a:picLocks noGrp="1" noChangeAspect="1"/>
-          </p:cNvPicPr>
-          <p:nvPr>
-            <p:ph idx="1"/>
-          </p:nvPr>
-        </p:nvPicPr>
-        <p:blipFill>
-          <a:blip r:embed="rId2">
+      <p:sp>
+        <p:nvSpPr>
+          <p:cNvPr id="4" name="Title 3">
             <a:extLst>
-              <a:ext uri="{28A0092B-C50C-407E-A947-70E740481C1C}">
-                <a14:useLocalDpi xmlns:a14="http://schemas.microsoft.com/office/drawing/2010/main" val="0"/>
+              <a:ext uri="{FF2B5EF4-FFF2-40B4-BE49-F238E27FC236}">
+                <a16:creationId xmlns:a16="http://schemas.microsoft.com/office/drawing/2014/main" id="{584D8B43-ACF3-094E-9DA9-8442D088B534}"/>
               </a:ext>
             </a:extLst>
-          </a:blip>
-          <a:srcRect l="-12371" r="-12371"/>
-          <a:stretch>
-            <a:fillRect/>
-          </a:stretch>
-        </p:blipFill>
+          </p:cNvPr>
+          <p:cNvSpPr>
+            <a:spLocks noGrp="1"/>
+          </p:cNvSpPr>
+          <p:nvPr>
+            <p:ph type="title"/>
+          </p:nvPr>
+        </p:nvSpPr>
+        <p:spPr/>
+        <p:txBody>
+          <a:bodyPr/>
+          <a:lstStyle/>
+          <a:p>
+            <a:r>
+              <a:rPr lang="en-US" dirty="0"/>
+              <a:t>From Boring, </a:t>
+            </a:r>
+            <a:r>
+              <a:rPr lang="en-US" dirty="0" err="1"/>
+              <a:t>Ottoboni</a:t>
+            </a:r>
+            <a:r>
+              <a:rPr lang="en-US" dirty="0"/>
+              <a:t> &amp; Stark 2016</a:t>
+            </a:r>
+          </a:p>
+        </p:txBody>
+      </p:sp>
+      <p:sp>
+        <p:nvSpPr>
+          <p:cNvPr id="6" name="Rectangle 5">
+            <a:extLst>
+              <a:ext uri="{FF2B5EF4-FFF2-40B4-BE49-F238E27FC236}">
+                <a16:creationId xmlns:a16="http://schemas.microsoft.com/office/drawing/2014/main" id="{4194444D-DAD1-0B49-81DF-D6AB9F4AA476}"/>
+              </a:ext>
+            </a:extLst>
+          </p:cNvPr>
+          <p:cNvSpPr/>
+          <p:nvPr/>
+        </p:nvSpPr>
         <p:spPr>
           <a:xfrm>
-            <a:off x="1981200" y="1928386"/>
-            <a:ext cx="8229600" cy="4525963"/>
+            <a:off x="1017317" y="2151584"/>
+            <a:ext cx="9871616" cy="3970318"/>
           </a:xfrm>
+          <a:prstGeom prst="rect">
+            <a:avLst/>
+          </a:prstGeom>
         </p:spPr>
-      </p:pic>
-      <p:sp>
-        <p:nvSpPr>
-          <p:cNvPr id="2" name="Title 1"/>
-          <p:cNvSpPr>
-            <a:spLocks noGrp="1"/>
-          </p:cNvSpPr>
-          <p:nvPr>
-            <p:ph type="title"/>
-          </p:nvPr>
-        </p:nvSpPr>
-        <p:spPr>
-          <a:xfrm>
-            <a:off x="762000" y="563897"/>
-            <a:ext cx="10668000" cy="1143000"/>
-          </a:xfrm>
-        </p:spPr>
-        <p:txBody>
-          <a:bodyPr>
-            <a:normAutofit fontScale="90000"/>
+        <p:txBody>
+          <a:bodyPr wrap="square">
+            <a:spAutoFit/>
           </a:bodyPr>
           <a:lstStyle/>
           <a:p>
             <a:r>
+              <a:rPr lang="en-US" b="1" dirty="0"/>
+              <a:t>METHODS </a:t>
+            </a:r>
+            <a:r>
               <a:rPr lang="en-US" dirty="0"/>
-              <a:t>Fewer than 5 in the 1000 simulations had a difference as large as the one observed</a:t>
+              <a:t>(</a:t>
+            </a:r>
+            <a:r>
+              <a:rPr lang="en-US" dirty="0" err="1"/>
+              <a:t>emph</a:t>
+            </a:r>
+            <a:r>
+              <a:rPr lang="en-US" dirty="0"/>
+              <a:t>. mine)</a:t>
+            </a:r>
+          </a:p>
+          <a:p>
+            <a:endParaRPr lang="en-US" dirty="0"/>
+          </a:p>
+          <a:p>
+            <a:r>
+              <a:rPr lang="en-US" dirty="0"/>
+              <a:t>Previous analyses of these data relied on parametric tests </a:t>
+            </a:r>
+            <a:r>
+              <a:rPr lang="en-US" b="1" dirty="0"/>
+              <a:t>based on null hypotheses that do not match the experimental design</a:t>
+            </a:r>
+            <a:r>
+              <a:rPr lang="en-US" dirty="0"/>
+              <a:t>. For example, the tests assumed that SET of male and female instructors are independent random samples from normally distributed populations with equal variances and possibly different means. </a:t>
+            </a:r>
+            <a:r>
+              <a:rPr lang="en-US" b="1" dirty="0"/>
+              <a:t>As a result, the p-values reported in those studies are for unrealistic null hypotheses and might be misleading</a:t>
+            </a:r>
+            <a:r>
+              <a:rPr lang="en-US" dirty="0"/>
+              <a:t>. </a:t>
+            </a:r>
+          </a:p>
+          <a:p>
+            <a:endParaRPr lang="en-US" dirty="0"/>
+          </a:p>
+          <a:p>
+            <a:r>
+              <a:rPr lang="en-US" dirty="0"/>
+              <a:t>In contrast, </a:t>
+            </a:r>
+            <a:r>
+              <a:rPr lang="en-US" b="1" dirty="0"/>
+              <a:t>we use permutation tests </a:t>
+            </a:r>
+            <a:r>
+              <a:rPr lang="en-US" dirty="0"/>
+              <a:t>based on the as-if random (French natural experiment) or truly random (US experiment) assignment of students to class sections, </a:t>
+            </a:r>
+            <a:r>
+              <a:rPr lang="en-US" b="1" dirty="0"/>
+              <a:t>with no counterfactual assumption that the students, SET scores, grades, or any other variables comprise random samples from any populations, much less populations with normal distributions</a:t>
+            </a:r>
+            <a:r>
+              <a:rPr lang="en-US" dirty="0"/>
+              <a:t>.</a:t>
             </a:r>
           </a:p>
         </p:txBody>
@@ -22395,7 +22465,7 @@
     </p:spTree>
     <p:extLst>
       <p:ext uri="{BB962C8B-B14F-4D97-AF65-F5344CB8AC3E}">
-        <p14:creationId xmlns:p14="http://schemas.microsoft.com/office/powerpoint/2010/main" val="903238434"/>
+        <p14:creationId xmlns:p14="http://schemas.microsoft.com/office/powerpoint/2010/main" val="540762600"/>
       </p:ext>
     </p:extLst>
   </p:cSld>
@@ -22422,6 +22492,36 @@
           <a:chExt cx="0" cy="0"/>
         </a:xfrm>
       </p:grpSpPr>
+      <p:pic>
+        <p:nvPicPr>
+          <p:cNvPr id="4" name="Content Placeholder 3" descr="samplingDistribution.tiff"/>
+          <p:cNvPicPr>
+            <a:picLocks noGrp="1" noChangeAspect="1"/>
+          </p:cNvPicPr>
+          <p:nvPr>
+            <p:ph idx="1"/>
+          </p:nvPr>
+        </p:nvPicPr>
+        <p:blipFill>
+          <a:blip r:embed="rId2">
+            <a:extLst>
+              <a:ext uri="{28A0092B-C50C-407E-A947-70E740481C1C}">
+                <a14:useLocalDpi xmlns:a14="http://schemas.microsoft.com/office/drawing/2010/main" val="0"/>
+              </a:ext>
+            </a:extLst>
+          </a:blip>
+          <a:srcRect l="-12371" r="-12371"/>
+          <a:stretch>
+            <a:fillRect/>
+          </a:stretch>
+        </p:blipFill>
+        <p:spPr>
+          <a:xfrm>
+            <a:off x="1981200" y="1928386"/>
+            <a:ext cx="8229600" cy="4525963"/>
+          </a:xfrm>
+        </p:spPr>
+      </p:pic>
       <p:sp>
         <p:nvSpPr>
           <p:cNvPr id="2" name="Title 1"/>
@@ -22432,48 +22532,21 @@
             <p:ph type="title"/>
           </p:nvPr>
         </p:nvSpPr>
-        <p:spPr/>
-        <p:txBody>
-          <a:bodyPr/>
+        <p:spPr>
+          <a:xfrm>
+            <a:off x="762000" y="563897"/>
+            <a:ext cx="10668000" cy="1143000"/>
+          </a:xfrm>
+        </p:spPr>
+        <p:txBody>
+          <a:bodyPr>
+            <a:normAutofit fontScale="90000"/>
+          </a:bodyPr>
           <a:lstStyle/>
           <a:p>
             <a:r>
               <a:rPr lang="en-US" dirty="0"/>
-              <a:t>T/F Statements</a:t>
-            </a:r>
-          </a:p>
-        </p:txBody>
-      </p:sp>
-      <p:sp>
-        <p:nvSpPr>
-          <p:cNvPr id="4" name="Content Placeholder 3"/>
-          <p:cNvSpPr>
-            <a:spLocks noGrp="1"/>
-          </p:cNvSpPr>
-          <p:nvPr>
-            <p:ph idx="1"/>
-          </p:nvPr>
-        </p:nvSpPr>
-        <p:spPr/>
-        <p:txBody>
-          <a:bodyPr/>
-          <a:lstStyle/>
-          <a:p>
-            <a:r>
-              <a:rPr lang="en-US" dirty="0"/>
-              <a:t>The chance is 1 in 200 that the students are biased.</a:t>
-            </a:r>
-          </a:p>
-          <a:p>
-            <a:r>
-              <a:rPr lang="en-US" dirty="0"/>
-              <a:t>The students were assigned to sections at random so this probability calculation is valid </a:t>
-            </a:r>
-          </a:p>
-          <a:p>
-            <a:r>
-              <a:rPr lang="en-US" dirty="0"/>
-              <a:t>Given the protocol for the experimental design, it is reasonable to conclude that the students are gender biased. </a:t>
+              <a:t>Fewer than 5 in the 1000 simulations had a difference as large as the one observed</a:t>
             </a:r>
           </a:p>
         </p:txBody>
@@ -22481,7 +22554,7 @@
     </p:spTree>
     <p:extLst>
       <p:ext uri="{BB962C8B-B14F-4D97-AF65-F5344CB8AC3E}">
-        <p14:creationId xmlns:p14="http://schemas.microsoft.com/office/powerpoint/2010/main" val="68451747"/>
+        <p14:creationId xmlns:p14="http://schemas.microsoft.com/office/powerpoint/2010/main" val="903238434"/>
       </p:ext>
     </p:extLst>
   </p:cSld>
@@ -22523,6 +22596,92 @@
           <a:bodyPr/>
           <a:lstStyle/>
           <a:p>
+            <a:r>
+              <a:rPr lang="en-US" dirty="0"/>
+              <a:t>T/F Statements</a:t>
+            </a:r>
+          </a:p>
+        </p:txBody>
+      </p:sp>
+      <p:sp>
+        <p:nvSpPr>
+          <p:cNvPr id="4" name="Content Placeholder 3"/>
+          <p:cNvSpPr>
+            <a:spLocks noGrp="1"/>
+          </p:cNvSpPr>
+          <p:nvPr>
+            <p:ph idx="1"/>
+          </p:nvPr>
+        </p:nvSpPr>
+        <p:spPr/>
+        <p:txBody>
+          <a:bodyPr/>
+          <a:lstStyle/>
+          <a:p>
+            <a:r>
+              <a:rPr lang="en-US" dirty="0"/>
+              <a:t>The chance is 1 in 200 that the students are biased.</a:t>
+            </a:r>
+          </a:p>
+          <a:p>
+            <a:r>
+              <a:rPr lang="en-US" dirty="0"/>
+              <a:t>The students were assigned to sections at random so this probability calculation is valid </a:t>
+            </a:r>
+          </a:p>
+          <a:p>
+            <a:r>
+              <a:rPr lang="en-US" dirty="0"/>
+              <a:t>Given the protocol for the experimental design, it is reasonable to conclude that the students are gender biased. </a:t>
+            </a:r>
+          </a:p>
+        </p:txBody>
+      </p:sp>
+    </p:spTree>
+    <p:extLst>
+      <p:ext uri="{BB962C8B-B14F-4D97-AF65-F5344CB8AC3E}">
+        <p14:creationId xmlns:p14="http://schemas.microsoft.com/office/powerpoint/2010/main" val="68451747"/>
+      </p:ext>
+    </p:extLst>
+  </p:cSld>
+  <p:clrMapOvr>
+    <a:masterClrMapping/>
+  </p:clrMapOvr>
+</p:sld>
+</file>
+
+<file path=ppt/slides/slide73.xml><?xml version="1.0" encoding="utf-8"?>
+<p:sld xmlns:a="http://schemas.openxmlformats.org/drawingml/2006/main" xmlns:r="http://schemas.openxmlformats.org/officeDocument/2006/relationships" xmlns:p="http://schemas.openxmlformats.org/presentationml/2006/main">
+  <p:cSld>
+    <p:spTree>
+      <p:nvGrpSpPr>
+        <p:cNvPr id="1" name=""/>
+        <p:cNvGrpSpPr/>
+        <p:nvPr/>
+      </p:nvGrpSpPr>
+      <p:grpSpPr>
+        <a:xfrm>
+          <a:off x="0" y="0"/>
+          <a:ext cx="0" cy="0"/>
+          <a:chOff x="0" y="0"/>
+          <a:chExt cx="0" cy="0"/>
+        </a:xfrm>
+      </p:grpSpPr>
+      <p:sp>
+        <p:nvSpPr>
+          <p:cNvPr id="2" name="Title 1"/>
+          <p:cNvSpPr>
+            <a:spLocks noGrp="1"/>
+          </p:cNvSpPr>
+          <p:nvPr>
+            <p:ph type="title"/>
+          </p:nvPr>
+        </p:nvSpPr>
+        <p:spPr/>
+        <p:txBody>
+          <a:bodyPr/>
+          <a:lstStyle/>
+          <a:p>
             <a:endParaRPr lang="en-US"/>
           </a:p>
         </p:txBody>
@@ -22580,7 +22739,7 @@
 </p:sld>
 </file>
 
-<file path=ppt/slides/slide73.xml><?xml version="1.0" encoding="utf-8"?>
+<file path=ppt/slides/slide74.xml><?xml version="1.0" encoding="utf-8"?>
 <p:sld xmlns:a="http://schemas.openxmlformats.org/drawingml/2006/main" xmlns:r="http://schemas.openxmlformats.org/officeDocument/2006/relationships" xmlns:p="http://schemas.openxmlformats.org/presentationml/2006/main">
   <p:cSld>
     <p:spTree>

--- a/assets/lectures/lec24/24-hypothesis-testing.pptx
+++ b/assets/lectures/lec24/24-hypothesis-testing.pptx
@@ -6,10 +6,10 @@
     <p:sldMasterId id="2147483682" r:id="rId2"/>
   </p:sldMasterIdLst>
   <p:notesMasterIdLst>
-    <p:notesMasterId r:id="rId77"/>
+    <p:notesMasterId r:id="rId76"/>
   </p:notesMasterIdLst>
   <p:handoutMasterIdLst>
-    <p:handoutMasterId r:id="rId78"/>
+    <p:handoutMasterId r:id="rId77"/>
   </p:handoutMasterIdLst>
   <p:sldIdLst>
     <p:sldId id="256" r:id="rId3"/>
@@ -31,61 +31,60 @@
     <p:sldId id="612" r:id="rId19"/>
     <p:sldId id="613" r:id="rId20"/>
     <p:sldId id="634" r:id="rId21"/>
-    <p:sldId id="635" r:id="rId22"/>
-    <p:sldId id="614" r:id="rId23"/>
-    <p:sldId id="636" r:id="rId24"/>
-    <p:sldId id="615" r:id="rId25"/>
-    <p:sldId id="616" r:id="rId26"/>
-    <p:sldId id="637" r:id="rId27"/>
-    <p:sldId id="638" r:id="rId28"/>
-    <p:sldId id="617" r:id="rId29"/>
-    <p:sldId id="618" r:id="rId30"/>
-    <p:sldId id="619" r:id="rId31"/>
-    <p:sldId id="621" r:id="rId32"/>
-    <p:sldId id="622" r:id="rId33"/>
-    <p:sldId id="623" r:id="rId34"/>
-    <p:sldId id="624" r:id="rId35"/>
-    <p:sldId id="625" r:id="rId36"/>
-    <p:sldId id="670" r:id="rId37"/>
-    <p:sldId id="626" r:id="rId38"/>
-    <p:sldId id="627" r:id="rId39"/>
-    <p:sldId id="628" r:id="rId40"/>
-    <p:sldId id="629" r:id="rId41"/>
-    <p:sldId id="630" r:id="rId42"/>
-    <p:sldId id="631" r:id="rId43"/>
-    <p:sldId id="673" r:id="rId44"/>
-    <p:sldId id="268" r:id="rId45"/>
-    <p:sldId id="269" r:id="rId46"/>
-    <p:sldId id="270" r:id="rId47"/>
-    <p:sldId id="669" r:id="rId48"/>
-    <p:sldId id="672" r:id="rId49"/>
-    <p:sldId id="674" r:id="rId50"/>
-    <p:sldId id="668" r:id="rId51"/>
-    <p:sldId id="639" r:id="rId52"/>
-    <p:sldId id="640" r:id="rId53"/>
-    <p:sldId id="641" r:id="rId54"/>
-    <p:sldId id="675" r:id="rId55"/>
-    <p:sldId id="647" r:id="rId56"/>
-    <p:sldId id="648" r:id="rId57"/>
-    <p:sldId id="649" r:id="rId58"/>
-    <p:sldId id="650" r:id="rId59"/>
-    <p:sldId id="651" r:id="rId60"/>
-    <p:sldId id="652" r:id="rId61"/>
-    <p:sldId id="653" r:id="rId62"/>
-    <p:sldId id="654" r:id="rId63"/>
-    <p:sldId id="655" r:id="rId64"/>
-    <p:sldId id="657" r:id="rId65"/>
-    <p:sldId id="658" r:id="rId66"/>
-    <p:sldId id="659" r:id="rId67"/>
-    <p:sldId id="660" r:id="rId68"/>
-    <p:sldId id="661" r:id="rId69"/>
-    <p:sldId id="662" r:id="rId70"/>
-    <p:sldId id="663" r:id="rId71"/>
-    <p:sldId id="676" r:id="rId72"/>
-    <p:sldId id="665" r:id="rId73"/>
-    <p:sldId id="667" r:id="rId74"/>
-    <p:sldId id="666" r:id="rId75"/>
-    <p:sldId id="671" r:id="rId76"/>
+    <p:sldId id="614" r:id="rId22"/>
+    <p:sldId id="636" r:id="rId23"/>
+    <p:sldId id="615" r:id="rId24"/>
+    <p:sldId id="616" r:id="rId25"/>
+    <p:sldId id="637" r:id="rId26"/>
+    <p:sldId id="638" r:id="rId27"/>
+    <p:sldId id="617" r:id="rId28"/>
+    <p:sldId id="618" r:id="rId29"/>
+    <p:sldId id="619" r:id="rId30"/>
+    <p:sldId id="621" r:id="rId31"/>
+    <p:sldId id="622" r:id="rId32"/>
+    <p:sldId id="623" r:id="rId33"/>
+    <p:sldId id="624" r:id="rId34"/>
+    <p:sldId id="625" r:id="rId35"/>
+    <p:sldId id="670" r:id="rId36"/>
+    <p:sldId id="626" r:id="rId37"/>
+    <p:sldId id="627" r:id="rId38"/>
+    <p:sldId id="628" r:id="rId39"/>
+    <p:sldId id="629" r:id="rId40"/>
+    <p:sldId id="630" r:id="rId41"/>
+    <p:sldId id="631" r:id="rId42"/>
+    <p:sldId id="673" r:id="rId43"/>
+    <p:sldId id="268" r:id="rId44"/>
+    <p:sldId id="269" r:id="rId45"/>
+    <p:sldId id="270" r:id="rId46"/>
+    <p:sldId id="669" r:id="rId47"/>
+    <p:sldId id="672" r:id="rId48"/>
+    <p:sldId id="674" r:id="rId49"/>
+    <p:sldId id="668" r:id="rId50"/>
+    <p:sldId id="639" r:id="rId51"/>
+    <p:sldId id="640" r:id="rId52"/>
+    <p:sldId id="641" r:id="rId53"/>
+    <p:sldId id="675" r:id="rId54"/>
+    <p:sldId id="647" r:id="rId55"/>
+    <p:sldId id="648" r:id="rId56"/>
+    <p:sldId id="649" r:id="rId57"/>
+    <p:sldId id="650" r:id="rId58"/>
+    <p:sldId id="651" r:id="rId59"/>
+    <p:sldId id="652" r:id="rId60"/>
+    <p:sldId id="653" r:id="rId61"/>
+    <p:sldId id="654" r:id="rId62"/>
+    <p:sldId id="655" r:id="rId63"/>
+    <p:sldId id="657" r:id="rId64"/>
+    <p:sldId id="658" r:id="rId65"/>
+    <p:sldId id="659" r:id="rId66"/>
+    <p:sldId id="660" r:id="rId67"/>
+    <p:sldId id="661" r:id="rId68"/>
+    <p:sldId id="662" r:id="rId69"/>
+    <p:sldId id="663" r:id="rId70"/>
+    <p:sldId id="676" r:id="rId71"/>
+    <p:sldId id="665" r:id="rId72"/>
+    <p:sldId id="667" r:id="rId73"/>
+    <p:sldId id="666" r:id="rId74"/>
+    <p:sldId id="671" r:id="rId75"/>
   </p:sldIdLst>
   <p:sldSz cx="12192000" cy="6858000"/>
   <p:notesSz cx="6858000" cy="9144000"/>
@@ -773,6 +772,97 @@
 </file>
 
 <file path=ppt/notesSlides/notesSlide1.xml><?xml version="1.0" encoding="utf-8"?>
+<p:notes xmlns:a="http://schemas.openxmlformats.org/drawingml/2006/main" xmlns:r="http://schemas.openxmlformats.org/officeDocument/2006/relationships" xmlns:p="http://schemas.openxmlformats.org/presentationml/2006/main">
+  <p:cSld>
+    <p:spTree>
+      <p:nvGrpSpPr>
+        <p:cNvPr id="1" name=""/>
+        <p:cNvGrpSpPr/>
+        <p:nvPr/>
+      </p:nvGrpSpPr>
+      <p:grpSpPr>
+        <a:xfrm>
+          <a:off x="0" y="0"/>
+          <a:ext cx="0" cy="0"/>
+          <a:chOff x="0" y="0"/>
+          <a:chExt cx="0" cy="0"/>
+        </a:xfrm>
+      </p:grpSpPr>
+      <p:sp>
+        <p:nvSpPr>
+          <p:cNvPr id="2" name="Slide Image Placeholder 1"/>
+          <p:cNvSpPr>
+            <a:spLocks noGrp="1" noRot="1" noChangeAspect="1"/>
+          </p:cNvSpPr>
+          <p:nvPr>
+            <p:ph type="sldImg"/>
+          </p:nvPr>
+        </p:nvSpPr>
+        <p:spPr/>
+      </p:sp>
+      <p:sp>
+        <p:nvSpPr>
+          <p:cNvPr id="3" name="Notes Placeholder 2"/>
+          <p:cNvSpPr>
+            <a:spLocks noGrp="1"/>
+          </p:cNvSpPr>
+          <p:nvPr>
+            <p:ph type="body" idx="1"/>
+          </p:nvPr>
+        </p:nvSpPr>
+        <p:spPr/>
+        <p:txBody>
+          <a:bodyPr/>
+          <a:lstStyle/>
+          <a:p>
+            <a:r>
+              <a:rPr lang="en-US" dirty="0"/>
+              <a:t>Grand Jury doesn’t convict, it only hears evidence to decide whether a trial is warranted.</a:t>
+            </a:r>
+          </a:p>
+        </p:txBody>
+      </p:sp>
+      <p:sp>
+        <p:nvSpPr>
+          <p:cNvPr id="4" name="Slide Number Placeholder 3"/>
+          <p:cNvSpPr>
+            <a:spLocks noGrp="1"/>
+          </p:cNvSpPr>
+          <p:nvPr>
+            <p:ph type="sldNum" sz="quarter" idx="10"/>
+          </p:nvPr>
+        </p:nvSpPr>
+        <p:spPr/>
+        <p:txBody>
+          <a:bodyPr/>
+          <a:lstStyle/>
+          <a:p>
+            <a:fld id="{1986DF27-AD16-B741-919E-EA3A35DE951A}" type="slidenum">
+              <a:rPr lang="en-US" smtClean="0">
+                <a:uFillTx/>
+              </a:rPr>
+              <a:t>8</a:t>
+            </a:fld>
+            <a:endParaRPr lang="en-US">
+              <a:uFillTx/>
+            </a:endParaRPr>
+          </a:p>
+        </p:txBody>
+      </p:sp>
+    </p:spTree>
+    <p:extLst>
+      <p:ext uri="{BB962C8B-B14F-4D97-AF65-F5344CB8AC3E}">
+        <p14:creationId xmlns:p14="http://schemas.microsoft.com/office/powerpoint/2010/main" val="3322297941"/>
+      </p:ext>
+    </p:extLst>
+  </p:cSld>
+  <p:clrMapOvr>
+    <a:masterClrMapping/>
+  </p:clrMapOvr>
+</p:notes>
+</file>
+
+<file path=ppt/notesSlides/notesSlide2.xml><?xml version="1.0" encoding="utf-8"?>
 <p:notes xmlns:a="http://schemas.openxmlformats.org/drawingml/2006/main" xmlns:r="http://schemas.openxmlformats.org/officeDocument/2006/relationships" xmlns:p="http://schemas.openxmlformats.org/presentationml/2006/main" showMasterSp="0" showMasterPhAnim="0">
   <p:cSld>
     <p:spTree>
@@ -878,7 +968,7 @@
 </p:notes>
 </file>
 
-<file path=ppt/notesSlides/notesSlide2.xml><?xml version="1.0" encoding="utf-8"?>
+<file path=ppt/notesSlides/notesSlide3.xml><?xml version="1.0" encoding="utf-8"?>
 <p:notes xmlns:a="http://schemas.openxmlformats.org/drawingml/2006/main" xmlns:r="http://schemas.openxmlformats.org/officeDocument/2006/relationships" xmlns:p="http://schemas.openxmlformats.org/presentationml/2006/main" showMasterSp="0" showMasterPhAnim="0">
   <p:cSld>
     <p:spTree>
@@ -984,7 +1074,7 @@
 </p:notes>
 </file>
 
-<file path=ppt/notesSlides/notesSlide3.xml><?xml version="1.0" encoding="utf-8"?>
+<file path=ppt/notesSlides/notesSlide4.xml><?xml version="1.0" encoding="utf-8"?>
 <p:notes xmlns:a="http://schemas.openxmlformats.org/drawingml/2006/main" xmlns:r="http://schemas.openxmlformats.org/officeDocument/2006/relationships" xmlns:p="http://schemas.openxmlformats.org/presentationml/2006/main" showMasterSp="0" showMasterPhAnim="0">
   <p:cSld>
     <p:spTree>
@@ -1090,7 +1180,7 @@
 </p:notes>
 </file>
 
-<file path=ppt/notesSlides/notesSlide4.xml><?xml version="1.0" encoding="utf-8"?>
+<file path=ppt/notesSlides/notesSlide5.xml><?xml version="1.0" encoding="utf-8"?>
 <p:notes xmlns:a="http://schemas.openxmlformats.org/drawingml/2006/main" xmlns:r="http://schemas.openxmlformats.org/officeDocument/2006/relationships" xmlns:p="http://schemas.openxmlformats.org/presentationml/2006/main">
   <p:cSld>
     <p:spTree>
@@ -1157,7 +1247,7 @@
               <a:rPr lang="en-US" smtClean="0">
                 <a:uFillTx/>
               </a:rPr>
-              <a:t>48</a:t>
+              <a:t>47</a:t>
             </a:fld>
             <a:endParaRPr lang="en-US">
               <a:uFillTx/>
@@ -11084,8 +11174,8 @@
         </p:nvSpPr>
         <p:spPr>
           <a:xfrm>
-            <a:off x="1473200" y="3001963"/>
-            <a:ext cx="9144000" cy="2387600"/>
+            <a:off x="1282280" y="1256045"/>
+            <a:ext cx="9590035" cy="4565598"/>
           </a:xfrm>
         </p:spPr>
         <p:txBody>
@@ -11096,12 +11186,34 @@
           <a:p>
             <a:pPr algn="l"/>
             <a:r>
+              <a:rPr lang="en-US" b="1" dirty="0">
+                <a:solidFill>
+                  <a:srgbClr val="0000FF"/>
+                </a:solidFill>
+              </a:rPr>
+              <a:t>QUESTION</a:t>
+            </a:r>
+            <a:br>
+              <a:rPr lang="en-US" b="1" dirty="0">
+                <a:solidFill>
+                  <a:srgbClr val="0000FF"/>
+                </a:solidFill>
+              </a:rPr>
+            </a:br>
+            <a:br>
               <a:rPr lang="en-US" dirty="0">
                 <a:solidFill>
                   <a:srgbClr val="0000FF"/>
                 </a:solidFill>
               </a:rPr>
-              <a:t>QUESTION: Were there so many excess deaths when Gilbert was present as to be suspicious in the eyes of science? </a:t>
+            </a:br>
+            <a:r>
+              <a:rPr lang="en-US" dirty="0">
+                <a:solidFill>
+                  <a:srgbClr val="0000FF"/>
+                </a:solidFill>
+              </a:rPr>
+              <a:t>Were there so many excess deaths when Gilbert was present as to be suspicious in the eyes of science? </a:t>
             </a:r>
             <a:endParaRPr lang="en-US" dirty="0"/>
           </a:p>
@@ -11645,10 +11757,7 @@
               <a:buClrTx/>
               <a:buSzTx/>
             </a:pPr>
-            <a:r>
-              <a:rPr lang="en-US" sz="3200" dirty="0"/>
-              <a:t>Was Gilbert working?  0 = No, 1 = Yes</a:t>
-            </a:r>
+            <a:endParaRPr lang="en-US" sz="3200" dirty="0"/>
           </a:p>
           <a:p>
             <a:pPr indent="-457200" defTabSz="914400">
@@ -11663,7 +11772,7 @@
             </a:pPr>
             <a:r>
               <a:rPr lang="en-US" sz="3200" dirty="0"/>
-              <a:t>Was there a death on the shift? 0 = No, 1 = Yes </a:t>
+              <a:t>Was Gilbert working?  0 = No, 1 = Yes</a:t>
             </a:r>
           </a:p>
           <a:p>
@@ -11677,32 +11786,53 @@
               <a:buClrTx/>
               <a:buSzTx/>
             </a:pPr>
-            <a:r>
-              <a:rPr lang="en-US" sz="3200" dirty="0"/>
-              <a:t>What is the joint distribution of these two indicators?</a:t>
-            </a:r>
-          </a:p>
-          <a:p>
-            <a:pPr lvl="1" defTabSz="914400">
+            <a:endParaRPr lang="en-US" sz="3200" dirty="0"/>
+          </a:p>
+          <a:p>
+            <a:pPr indent="-457200" defTabSz="914400">
               <a:lnSpc>
                 <a:spcPct val="100000"/>
               </a:lnSpc>
               <a:spcBef>
                 <a:spcPts val="0"/>
               </a:spcBef>
+              <a:buClrTx/>
+              <a:buSzTx/>
             </a:pPr>
             <a:r>
-              <a:rPr lang="en-US" dirty="0"/>
-              <a:t>If independent, then the </a:t>
-            </a:r>
-            <a:r>
-              <a:rPr lang="en-US" dirty="0" err="1"/>
-              <a:t>marginals</a:t>
-            </a:r>
-            <a:r>
-              <a:rPr lang="en-US" dirty="0"/>
-              <a:t> determine the joint probabilities</a:t>
-            </a:r>
+              <a:rPr lang="en-US" sz="3200" dirty="0"/>
+              <a:t>Was there a death on the shift? 0 = No, 1 = Yes </a:t>
+            </a:r>
+          </a:p>
+          <a:p>
+            <a:pPr indent="-457200" defTabSz="914400">
+              <a:lnSpc>
+                <a:spcPct val="100000"/>
+              </a:lnSpc>
+              <a:spcBef>
+                <a:spcPts val="0"/>
+              </a:spcBef>
+              <a:buClrTx/>
+              <a:buSzTx/>
+            </a:pPr>
+            <a:endParaRPr lang="en-US" sz="3200" dirty="0"/>
+          </a:p>
+          <a:p>
+            <a:pPr indent="-457200" defTabSz="914400">
+              <a:lnSpc>
+                <a:spcPct val="100000"/>
+              </a:lnSpc>
+              <a:spcBef>
+                <a:spcPts val="0"/>
+              </a:spcBef>
+              <a:buClrTx/>
+              <a:buSzTx/>
+            </a:pPr>
+            <a:r>
+              <a:rPr lang="en-US" sz="3200" dirty="0"/>
+              <a:t>What is the joint distribution of these two indicators?</a:t>
+            </a:r>
+            <a:endParaRPr lang="en-US" dirty="0"/>
           </a:p>
         </p:txBody>
       </p:sp>
@@ -11944,12 +12074,8 @@
           </a:p>
           <a:p>
             <a:r>
-              <a:rPr lang="en-US"/>
-              <a:t>Student </a:t>
-            </a:r>
-            <a:r>
               <a:rPr lang="en-US" dirty="0"/>
-              <a:t>Evaluation of Teaching</a:t>
+              <a:t>Student Evaluation of Teaching</a:t>
             </a:r>
           </a:p>
           <a:p>
@@ -11996,12 +12122,12 @@
       </p:grpSpPr>
       <p:sp>
         <p:nvSpPr>
-          <p:cNvPr id="3" name="Content Placeholder 2"/>
+          <p:cNvPr id="2" name="Title 1"/>
           <p:cNvSpPr>
             <a:spLocks noGrp="1"/>
           </p:cNvSpPr>
           <p:nvPr>
-            <p:ph idx="1"/>
+            <p:ph type="title"/>
           </p:nvPr>
         </p:nvSpPr>
         <p:spPr/>
@@ -12009,455 +12135,75 @@
           <a:bodyPr/>
           <a:lstStyle/>
           <a:p>
-            <a:pPr marL="0" marR="0" lvl="0" indent="0" defTabSz="914400" eaLnBrk="1" fontAlgn="auto" latinLnBrk="0" hangingPunct="1">
-              <a:lnSpc>
-                <a:spcPct val="100000"/>
-              </a:lnSpc>
-              <a:spcBef>
-                <a:spcPts val="0"/>
-              </a:spcBef>
-              <a:spcAft>
-                <a:spcPts val="0"/>
-              </a:spcAft>
-              <a:buClrTx/>
-              <a:buSzTx/>
-              <a:buFontTx/>
-              <a:buNone/>
-              <a:tabLst/>
-              <a:defRPr/>
-            </a:pPr>
             <a:r>
               <a:rPr lang="en-US" dirty="0"/>
-              <a:t>Gilbert’s work shifts</a:t>
-            </a:r>
-          </a:p>
-          <a:p>
-            <a:pPr marL="0" marR="0" lvl="0" indent="0" defTabSz="914400" eaLnBrk="1" fontAlgn="auto" latinLnBrk="0" hangingPunct="1">
-              <a:lnSpc>
-                <a:spcPct val="100000"/>
-              </a:lnSpc>
-              <a:spcBef>
-                <a:spcPts val="0"/>
-              </a:spcBef>
-              <a:spcAft>
-                <a:spcPts val="0"/>
-              </a:spcAft>
-              <a:buClrTx/>
-              <a:buSzTx/>
-              <a:buFontTx/>
-              <a:buNone/>
-              <a:tabLst/>
-              <a:defRPr/>
-            </a:pPr>
-            <a:endParaRPr lang="en-US" dirty="0"/>
-          </a:p>
-          <a:p>
-            <a:pPr marL="0" marR="0" lvl="0" indent="0" defTabSz="914400" eaLnBrk="1" fontAlgn="auto" latinLnBrk="0" hangingPunct="1">
-              <a:lnSpc>
-                <a:spcPct val="100000"/>
-              </a:lnSpc>
-              <a:spcBef>
-                <a:spcPts val="0"/>
-              </a:spcBef>
-              <a:spcAft>
-                <a:spcPts val="0"/>
-              </a:spcAft>
-              <a:buClrTx/>
-              <a:buSzTx/>
-              <a:buFontTx/>
-              <a:buNone/>
-              <a:tabLst/>
-              <a:defRPr/>
-            </a:pPr>
-            <a:endParaRPr lang="en-US" dirty="0"/>
-          </a:p>
-          <a:p>
-            <a:pPr marL="0" marR="0" lvl="0" indent="0" defTabSz="914400" eaLnBrk="1" fontAlgn="auto" latinLnBrk="0" hangingPunct="1">
-              <a:lnSpc>
-                <a:spcPct val="100000"/>
-              </a:lnSpc>
-              <a:spcBef>
-                <a:spcPts val="0"/>
-              </a:spcBef>
-              <a:spcAft>
-                <a:spcPts val="0"/>
-              </a:spcAft>
-              <a:buClrTx/>
-              <a:buSzTx/>
-              <a:buFontTx/>
-              <a:buNone/>
-              <a:tabLst/>
-              <a:defRPr/>
-            </a:pPr>
-            <a:endParaRPr lang="en-US" dirty="0"/>
-          </a:p>
-          <a:p>
-            <a:pPr marL="0" marR="0" lvl="0" indent="0" defTabSz="914400" eaLnBrk="1" fontAlgn="auto" latinLnBrk="0" hangingPunct="1">
-              <a:lnSpc>
-                <a:spcPct val="100000"/>
-              </a:lnSpc>
-              <a:spcBef>
-                <a:spcPts val="0"/>
-              </a:spcBef>
-              <a:spcAft>
-                <a:spcPts val="0"/>
-              </a:spcAft>
-              <a:buClrTx/>
-              <a:buSzTx/>
-              <a:buFontTx/>
-              <a:buNone/>
-              <a:tabLst/>
-              <a:defRPr/>
-            </a:pPr>
-            <a:endParaRPr lang="en-US" dirty="0"/>
-          </a:p>
-          <a:p>
-            <a:pPr marL="0" marR="0" lvl="0" indent="0" defTabSz="914400" eaLnBrk="1" fontAlgn="auto" latinLnBrk="0" hangingPunct="1">
-              <a:lnSpc>
-                <a:spcPct val="100000"/>
-              </a:lnSpc>
-              <a:spcBef>
-                <a:spcPts val="0"/>
-              </a:spcBef>
-              <a:spcAft>
-                <a:spcPts val="0"/>
-              </a:spcAft>
-              <a:buClrTx/>
-              <a:buSzTx/>
-              <a:buFontTx/>
-              <a:buNone/>
-              <a:tabLst/>
-              <a:defRPr/>
-            </a:pPr>
-            <a:r>
-              <a:rPr lang="en-US" dirty="0"/>
-              <a:t>Deaths on a shift</a:t>
-            </a:r>
-          </a:p>
-        </p:txBody>
-      </p:sp>
-      <p:sp>
-        <p:nvSpPr>
-          <p:cNvPr id="2" name="Title 1"/>
-          <p:cNvSpPr>
-            <a:spLocks noGrp="1"/>
-          </p:cNvSpPr>
-          <p:nvPr>
-            <p:ph type="title"/>
-          </p:nvPr>
-        </p:nvSpPr>
-        <p:spPr/>
-        <p:txBody>
-          <a:bodyPr/>
+              <a:t>A Statistical Test</a:t>
+            </a:r>
+          </a:p>
+        </p:txBody>
+      </p:sp>
+      <p:pic>
+        <p:nvPicPr>
+          <p:cNvPr id="4" name="Content Placeholder 3" descr="GilbertTable.pdf"/>
+          <p:cNvPicPr>
+            <a:picLocks noGrp="1" noChangeAspect="1"/>
+          </p:cNvPicPr>
+          <p:nvPr>
+            <p:ph idx="1"/>
+          </p:nvPr>
+        </p:nvPicPr>
+        <p:blipFill>
+          <a:blip r:embed="rId2"/>
+          <a:srcRect t="-66172" b="-66172"/>
+          <a:stretch>
+            <a:fillRect/>
+          </a:stretch>
+        </p:blipFill>
+        <p:spPr>
+          <a:xfrm>
+            <a:off x="1981200" y="274639"/>
+            <a:ext cx="8229600" cy="4525963"/>
+          </a:xfrm>
+        </p:spPr>
+      </p:pic>
+      <p:sp>
+        <p:nvSpPr>
+          <p:cNvPr id="5" name="TextBox 4"/>
+          <p:cNvSpPr txBox="1"/>
+          <p:nvPr/>
+        </p:nvSpPr>
+        <p:spPr>
+          <a:xfrm>
+            <a:off x="850900" y="3971502"/>
+            <a:ext cx="9359900" cy="2062103"/>
+          </a:xfrm>
+          <a:prstGeom prst="rect">
+            <a:avLst/>
+          </a:prstGeom>
+          <a:noFill/>
+        </p:spPr>
+        <p:txBody>
+          <a:bodyPr wrap="square" rtlCol="0">
+            <a:spAutoFit/>
+          </a:bodyPr>
           <a:lstStyle/>
           <a:p>
             <a:r>
-              <a:rPr lang="en-US" dirty="0"/>
-              <a:t>Marginal Proportions</a:t>
-            </a:r>
-          </a:p>
-        </p:txBody>
-      </p:sp>
-      <p:graphicFrame>
-        <p:nvGraphicFramePr>
-          <p:cNvPr id="6" name="Table 5"/>
-          <p:cNvGraphicFramePr>
-            <a:graphicFrameLocks noGrp="1"/>
-          </p:cNvGraphicFramePr>
-          <p:nvPr>
-            <p:extLst>
-              <p:ext uri="{D42A27DB-BD31-4B8C-83A1-F6EECF244321}">
-                <p14:modId xmlns:p14="http://schemas.microsoft.com/office/powerpoint/2010/main" val="257979333"/>
-              </p:ext>
-            </p:extLst>
-          </p:nvPr>
-        </p:nvGraphicFramePr>
-        <p:xfrm>
-          <a:off x="1889125" y="2510742"/>
-          <a:ext cx="8127999" cy="741680"/>
-        </p:xfrm>
-        <a:graphic>
-          <a:graphicData uri="http://schemas.openxmlformats.org/drawingml/2006/table">
-            <a:tbl>
-              <a:tblPr firstRow="1" bandRow="1">
-                <a:tableStyleId>{5C22544A-7EE6-4342-B048-85BDC9FD1C3A}</a:tableStyleId>
-              </a:tblPr>
-              <a:tblGrid>
-                <a:gridCol w="2709333">
-                  <a:extLst>
-                    <a:ext uri="{9D8B030D-6E8A-4147-A177-3AD203B41FA5}">
-                      <a16:colId xmlns:a16="http://schemas.microsoft.com/office/drawing/2014/main" val="20000"/>
-                    </a:ext>
-                  </a:extLst>
-                </a:gridCol>
-                <a:gridCol w="2709333">
-                  <a:extLst>
-                    <a:ext uri="{9D8B030D-6E8A-4147-A177-3AD203B41FA5}">
-                      <a16:colId xmlns:a16="http://schemas.microsoft.com/office/drawing/2014/main" val="20001"/>
-                    </a:ext>
-                  </a:extLst>
-                </a:gridCol>
-                <a:gridCol w="2709333">
-                  <a:extLst>
-                    <a:ext uri="{9D8B030D-6E8A-4147-A177-3AD203B41FA5}">
-                      <a16:colId xmlns:a16="http://schemas.microsoft.com/office/drawing/2014/main" val="20002"/>
-                    </a:ext>
-                  </a:extLst>
-                </a:gridCol>
-              </a:tblGrid>
-              <a:tr h="370840">
-                <a:tc>
-                  <a:txBody>
-                    <a:bodyPr/>
-                    <a:lstStyle/>
-                    <a:p>
-                      <a:endParaRPr lang="en-US" dirty="0"/>
-                    </a:p>
-                  </a:txBody>
-                  <a:tcPr/>
-                </a:tc>
-                <a:tc>
-                  <a:txBody>
-                    <a:bodyPr/>
-                    <a:lstStyle/>
-                    <a:p>
-                      <a:r>
-                        <a:rPr lang="en-US" dirty="0"/>
-                        <a:t>0 (didn’t work)</a:t>
-                      </a:r>
-                    </a:p>
-                  </a:txBody>
-                  <a:tcPr/>
-                </a:tc>
-                <a:tc>
-                  <a:txBody>
-                    <a:bodyPr/>
-                    <a:lstStyle/>
-                    <a:p>
-                      <a:r>
-                        <a:rPr lang="en-US" dirty="0"/>
-                        <a:t>1 (worked)</a:t>
-                      </a:r>
-                    </a:p>
-                  </a:txBody>
-                  <a:tcPr/>
-                </a:tc>
-                <a:extLst>
-                  <a:ext uri="{0D108BD9-81ED-4DB2-BD59-A6C34878D82A}">
-                    <a16:rowId xmlns:a16="http://schemas.microsoft.com/office/drawing/2014/main" val="10000"/>
-                  </a:ext>
-                </a:extLst>
-              </a:tr>
-              <a:tr h="370840">
-                <a:tc>
-                  <a:txBody>
-                    <a:bodyPr/>
-                    <a:lstStyle/>
-                    <a:p>
-                      <a:r>
-                        <a:rPr lang="en-US" dirty="0"/>
-                        <a:t>Proportion</a:t>
-                      </a:r>
-                    </a:p>
-                  </a:txBody>
-                  <a:tcPr/>
-                </a:tc>
-                <a:tc>
-                  <a:txBody>
-                    <a:bodyPr/>
-                    <a:lstStyle/>
-                    <a:p>
-                      <a:r>
-                        <a:rPr lang="en-US" dirty="0"/>
-                        <a:t>1384/1641</a:t>
-                      </a:r>
-                    </a:p>
-                  </a:txBody>
-                  <a:tcPr/>
-                </a:tc>
-                <a:tc>
-                  <a:txBody>
-                    <a:bodyPr/>
-                    <a:lstStyle/>
-                    <a:p>
-                      <a:r>
-                        <a:rPr lang="en-US" dirty="0"/>
-                        <a:t>257/1641</a:t>
-                      </a:r>
-                    </a:p>
-                  </a:txBody>
-                  <a:tcPr/>
-                </a:tc>
-                <a:extLst>
-                  <a:ext uri="{0D108BD9-81ED-4DB2-BD59-A6C34878D82A}">
-                    <a16:rowId xmlns:a16="http://schemas.microsoft.com/office/drawing/2014/main" val="10001"/>
-                  </a:ext>
-                </a:extLst>
-              </a:tr>
-            </a:tbl>
-          </a:graphicData>
-        </a:graphic>
-      </p:graphicFrame>
-      <p:graphicFrame>
-        <p:nvGraphicFramePr>
-          <p:cNvPr id="7" name="Table 6"/>
-          <p:cNvGraphicFramePr>
-            <a:graphicFrameLocks noGrp="1"/>
-          </p:cNvGraphicFramePr>
-          <p:nvPr>
-            <p:extLst>
-              <p:ext uri="{D42A27DB-BD31-4B8C-83A1-F6EECF244321}">
-                <p14:modId xmlns:p14="http://schemas.microsoft.com/office/powerpoint/2010/main" val="1027073830"/>
-              </p:ext>
-            </p:extLst>
-          </p:nvPr>
-        </p:nvGraphicFramePr>
-        <p:xfrm>
-          <a:off x="1889124" y="4625609"/>
-          <a:ext cx="8127999" cy="736600"/>
-        </p:xfrm>
-        <a:graphic>
-          <a:graphicData uri="http://schemas.openxmlformats.org/drawingml/2006/table">
-            <a:tbl>
-              <a:tblPr firstRow="1" bandRow="1">
-                <a:tableStyleId>{5C22544A-7EE6-4342-B048-85BDC9FD1C3A}</a:tableStyleId>
-              </a:tblPr>
-              <a:tblGrid>
-                <a:gridCol w="2709333">
-                  <a:extLst>
-                    <a:ext uri="{9D8B030D-6E8A-4147-A177-3AD203B41FA5}">
-                      <a16:colId xmlns:a16="http://schemas.microsoft.com/office/drawing/2014/main" val="20000"/>
-                    </a:ext>
-                  </a:extLst>
-                </a:gridCol>
-                <a:gridCol w="2709333">
-                  <a:extLst>
-                    <a:ext uri="{9D8B030D-6E8A-4147-A177-3AD203B41FA5}">
-                      <a16:colId xmlns:a16="http://schemas.microsoft.com/office/drawing/2014/main" val="20001"/>
-                    </a:ext>
-                  </a:extLst>
-                </a:gridCol>
-                <a:gridCol w="2709333">
-                  <a:extLst>
-                    <a:ext uri="{9D8B030D-6E8A-4147-A177-3AD203B41FA5}">
-                      <a16:colId xmlns:a16="http://schemas.microsoft.com/office/drawing/2014/main" val="20002"/>
-                    </a:ext>
-                  </a:extLst>
-                </a:gridCol>
-              </a:tblGrid>
-              <a:tr h="0">
-                <a:tc>
-                  <a:txBody>
-                    <a:bodyPr/>
-                    <a:lstStyle/>
-                    <a:p>
-                      <a:endParaRPr lang="en-US" dirty="0"/>
-                    </a:p>
-                  </a:txBody>
-                  <a:tcPr/>
-                </a:tc>
-                <a:tc>
-                  <a:txBody>
-                    <a:bodyPr/>
-                    <a:lstStyle/>
-                    <a:p>
-                      <a:r>
-                        <a:rPr lang="en-US" dirty="0"/>
-                        <a:t>0 (no</a:t>
-                      </a:r>
-                      <a:r>
-                        <a:rPr lang="en-US" baseline="0" dirty="0"/>
-                        <a:t> deaths</a:t>
-                      </a:r>
-                      <a:r>
-                        <a:rPr lang="en-US" dirty="0"/>
-                        <a:t>)</a:t>
-                      </a:r>
-                    </a:p>
-                  </a:txBody>
-                  <a:tcPr/>
-                </a:tc>
-                <a:tc>
-                  <a:txBody>
-                    <a:bodyPr/>
-                    <a:lstStyle/>
-                    <a:p>
-                      <a:r>
-                        <a:rPr lang="en-US" dirty="0"/>
-                        <a:t>1 (at</a:t>
-                      </a:r>
-                      <a:r>
-                        <a:rPr lang="en-US" baseline="0" dirty="0"/>
-                        <a:t> least one death</a:t>
-                      </a:r>
-                      <a:r>
-                        <a:rPr lang="en-US" dirty="0"/>
-                        <a:t>)</a:t>
-                      </a:r>
-                    </a:p>
-                  </a:txBody>
-                  <a:tcPr/>
-                </a:tc>
-                <a:extLst>
-                  <a:ext uri="{0D108BD9-81ED-4DB2-BD59-A6C34878D82A}">
-                    <a16:rowId xmlns:a16="http://schemas.microsoft.com/office/drawing/2014/main" val="10000"/>
-                  </a:ext>
-                </a:extLst>
-              </a:tr>
-              <a:tr h="370840">
-                <a:tc>
-                  <a:txBody>
-                    <a:bodyPr/>
-                    <a:lstStyle/>
-                    <a:p>
-                      <a:r>
-                        <a:rPr lang="en-US" dirty="0"/>
-                        <a:t>Proportion</a:t>
-                      </a:r>
-                    </a:p>
-                  </a:txBody>
-                  <a:tcPr/>
-                </a:tc>
-                <a:tc>
-                  <a:txBody>
-                    <a:bodyPr/>
-                    <a:lstStyle/>
-                    <a:p>
-                      <a:r>
-                        <a:rPr lang="en-US" dirty="0"/>
-                        <a:t>1567/1641</a:t>
-                      </a:r>
-                    </a:p>
-                  </a:txBody>
-                  <a:tcPr/>
-                </a:tc>
-                <a:tc>
-                  <a:txBody>
-                    <a:bodyPr/>
-                    <a:lstStyle/>
-                    <a:p>
-                      <a:r>
-                        <a:rPr lang="en-US" dirty="0"/>
-                        <a:t>74/1641</a:t>
-                      </a:r>
-                    </a:p>
-                  </a:txBody>
-                  <a:tcPr/>
-                </a:tc>
-                <a:extLst>
-                  <a:ext uri="{0D108BD9-81ED-4DB2-BD59-A6C34878D82A}">
-                    <a16:rowId xmlns:a16="http://schemas.microsoft.com/office/drawing/2014/main" val="10001"/>
-                  </a:ext>
-                </a:extLst>
-              </a:tr>
-            </a:tbl>
-          </a:graphicData>
-        </a:graphic>
-      </p:graphicFrame>
+              <a:rPr lang="en-US" sz="3200" dirty="0"/>
+              <a:t>If Gilbert’s presence is independent of whether or not there was a death on the shift, How likely is it that we would get the count in the table</a:t>
+            </a:r>
+            <a:r>
+              <a:rPr lang="en-US" sz="3200"/>
+              <a:t>? </a:t>
+            </a:r>
+            <a:endParaRPr lang="en-US" sz="3200" dirty="0"/>
+          </a:p>
+        </p:txBody>
+      </p:sp>
     </p:spTree>
     <p:extLst>
       <p:ext uri="{BB962C8B-B14F-4D97-AF65-F5344CB8AC3E}">
-        <p14:creationId xmlns:p14="http://schemas.microsoft.com/office/powerpoint/2010/main" val="1773041705"/>
+        <p14:creationId xmlns:p14="http://schemas.microsoft.com/office/powerpoint/2010/main" val="125346519"/>
       </p:ext>
     </p:extLst>
   </p:cSld>
@@ -12501,7 +12247,7 @@
           <a:p>
             <a:r>
               <a:rPr lang="en-US" dirty="0"/>
-              <a:t>A Statistical Test</a:t>
+              <a:t>Data Generation Model</a:t>
             </a:r>
           </a:p>
         </p:txBody>
@@ -12538,8 +12284,8 @@
         </p:nvSpPr>
         <p:spPr>
           <a:xfrm>
-            <a:off x="850900" y="3971502"/>
-            <a:ext cx="9359900" cy="2062103"/>
+            <a:off x="850900" y="3793702"/>
+            <a:ext cx="9359900" cy="2554545"/>
           </a:xfrm>
           <a:prstGeom prst="rect">
             <a:avLst/>
@@ -12554,20 +12300,30 @@
           <a:p>
             <a:r>
               <a:rPr lang="en-US" sz="3200" dirty="0"/>
-              <a:t>If Gilbert’s presence is independent of whether or not there was a death on the shift, How likely is it that we would get the count in the table</a:t>
-            </a:r>
-            <a:r>
-              <a:rPr lang="en-US" sz="3200"/>
-              <a:t>? </a:t>
-            </a:r>
+              <a:t>Population with 1641 records.</a:t>
+            </a:r>
+          </a:p>
+          <a:p>
+            <a:r>
+              <a:rPr lang="en-US" sz="3200" dirty="0"/>
+              <a:t>Of these, 74 have the value 1 and 1567 are 0. </a:t>
+            </a:r>
+          </a:p>
+          <a:p>
             <a:endParaRPr lang="en-US" sz="3200" dirty="0"/>
+          </a:p>
+          <a:p>
+            <a:r>
+              <a:rPr lang="en-US" sz="3200" dirty="0"/>
+              <a:t>Sample 257 times, to create Gilbert’s shifts. The sum is the number of deaths on Gilbert’s shift.</a:t>
+            </a:r>
           </a:p>
         </p:txBody>
       </p:sp>
     </p:spTree>
     <p:extLst>
       <p:ext uri="{BB962C8B-B14F-4D97-AF65-F5344CB8AC3E}">
-        <p14:creationId xmlns:p14="http://schemas.microsoft.com/office/powerpoint/2010/main" val="125346519"/>
+        <p14:creationId xmlns:p14="http://schemas.microsoft.com/office/powerpoint/2010/main" val="565309448"/>
       </p:ext>
     </p:extLst>
   </p:cSld>
@@ -12611,126 +12367,6 @@
           <a:p>
             <a:r>
               <a:rPr lang="en-US" dirty="0"/>
-              <a:t>Data Generation Model</a:t>
-            </a:r>
-          </a:p>
-        </p:txBody>
-      </p:sp>
-      <p:pic>
-        <p:nvPicPr>
-          <p:cNvPr id="4" name="Content Placeholder 3" descr="GilbertTable.pdf"/>
-          <p:cNvPicPr>
-            <a:picLocks noGrp="1" noChangeAspect="1"/>
-          </p:cNvPicPr>
-          <p:nvPr>
-            <p:ph idx="1"/>
-          </p:nvPr>
-        </p:nvPicPr>
-        <p:blipFill>
-          <a:blip r:embed="rId2"/>
-          <a:srcRect t="-66172" b="-66172"/>
-          <a:stretch>
-            <a:fillRect/>
-          </a:stretch>
-        </p:blipFill>
-        <p:spPr>
-          <a:xfrm>
-            <a:off x="1981200" y="274639"/>
-            <a:ext cx="8229600" cy="4525963"/>
-          </a:xfrm>
-        </p:spPr>
-      </p:pic>
-      <p:sp>
-        <p:nvSpPr>
-          <p:cNvPr id="5" name="TextBox 4"/>
-          <p:cNvSpPr txBox="1"/>
-          <p:nvPr/>
-        </p:nvSpPr>
-        <p:spPr>
-          <a:xfrm>
-            <a:off x="850900" y="3793702"/>
-            <a:ext cx="9359900" cy="2554545"/>
-          </a:xfrm>
-          <a:prstGeom prst="rect">
-            <a:avLst/>
-          </a:prstGeom>
-          <a:noFill/>
-        </p:spPr>
-        <p:txBody>
-          <a:bodyPr wrap="square" rtlCol="0">
-            <a:spAutoFit/>
-          </a:bodyPr>
-          <a:lstStyle/>
-          <a:p>
-            <a:r>
-              <a:rPr lang="en-US" sz="3200" dirty="0"/>
-              <a:t>Population with 1641 records.</a:t>
-            </a:r>
-          </a:p>
-          <a:p>
-            <a:r>
-              <a:rPr lang="en-US" sz="3200" dirty="0"/>
-              <a:t>Of these, 74 have the value 1 and 1567 are 0. </a:t>
-            </a:r>
-          </a:p>
-          <a:p>
-            <a:endParaRPr lang="en-US" sz="3200" dirty="0"/>
-          </a:p>
-          <a:p>
-            <a:r>
-              <a:rPr lang="en-US" sz="3200" dirty="0"/>
-              <a:t>Sample 257 times, to create Gilbert’s shifts. The sum is the number of deaths on Gilbert’s shift.</a:t>
-            </a:r>
-          </a:p>
-        </p:txBody>
-      </p:sp>
-    </p:spTree>
-    <p:extLst>
-      <p:ext uri="{BB962C8B-B14F-4D97-AF65-F5344CB8AC3E}">
-        <p14:creationId xmlns:p14="http://schemas.microsoft.com/office/powerpoint/2010/main" val="565309448"/>
-      </p:ext>
-    </p:extLst>
-  </p:cSld>
-  <p:clrMapOvr>
-    <a:masterClrMapping/>
-  </p:clrMapOvr>
-</p:sld>
-</file>
-
-<file path=ppt/slides/slide23.xml><?xml version="1.0" encoding="utf-8"?>
-<p:sld xmlns:a="http://schemas.openxmlformats.org/drawingml/2006/main" xmlns:r="http://schemas.openxmlformats.org/officeDocument/2006/relationships" xmlns:p="http://schemas.openxmlformats.org/presentationml/2006/main">
-  <p:cSld>
-    <p:spTree>
-      <p:nvGrpSpPr>
-        <p:cNvPr id="1" name=""/>
-        <p:cNvGrpSpPr/>
-        <p:nvPr/>
-      </p:nvGrpSpPr>
-      <p:grpSpPr>
-        <a:xfrm>
-          <a:off x="0" y="0"/>
-          <a:ext cx="0" cy="0"/>
-          <a:chOff x="0" y="0"/>
-          <a:chExt cx="0" cy="0"/>
-        </a:xfrm>
-      </p:grpSpPr>
-      <p:sp>
-        <p:nvSpPr>
-          <p:cNvPr id="2" name="Title 1"/>
-          <p:cNvSpPr>
-            <a:spLocks noGrp="1"/>
-          </p:cNvSpPr>
-          <p:nvPr>
-            <p:ph type="title"/>
-          </p:nvPr>
-        </p:nvSpPr>
-        <p:spPr/>
-        <p:txBody>
-          <a:bodyPr/>
-          <a:lstStyle/>
-          <a:p>
-            <a:r>
-              <a:rPr lang="en-US" dirty="0"/>
               <a:t>A Statistical Test</a:t>
             </a:r>
           </a:p>
@@ -12787,7 +12423,7 @@
 </p:sld>
 </file>
 
-<file path=ppt/slides/slide24.xml><?xml version="1.0" encoding="utf-8"?>
+<file path=ppt/slides/slide23.xml><?xml version="1.0" encoding="utf-8"?>
 <p:sld xmlns:a="http://schemas.openxmlformats.org/drawingml/2006/main" xmlns:r="http://schemas.openxmlformats.org/officeDocument/2006/relationships" xmlns:p="http://schemas.openxmlformats.org/presentationml/2006/main">
   <p:cSld>
     <p:spTree>
@@ -12944,6 +12580,92 @@
 </p:sld>
 </file>
 
+<file path=ppt/slides/slide24.xml><?xml version="1.0" encoding="utf-8"?>
+<p:sld xmlns:a="http://schemas.openxmlformats.org/drawingml/2006/main" xmlns:r="http://schemas.openxmlformats.org/officeDocument/2006/relationships" xmlns:p="http://schemas.openxmlformats.org/presentationml/2006/main">
+  <p:cSld>
+    <p:spTree>
+      <p:nvGrpSpPr>
+        <p:cNvPr id="1" name=""/>
+        <p:cNvGrpSpPr/>
+        <p:nvPr/>
+      </p:nvGrpSpPr>
+      <p:grpSpPr>
+        <a:xfrm>
+          <a:off x="0" y="0"/>
+          <a:ext cx="0" cy="0"/>
+          <a:chOff x="0" y="0"/>
+          <a:chExt cx="0" cy="0"/>
+        </a:xfrm>
+      </p:grpSpPr>
+      <p:sp>
+        <p:nvSpPr>
+          <p:cNvPr id="2" name="Title 1"/>
+          <p:cNvSpPr>
+            <a:spLocks noGrp="1"/>
+          </p:cNvSpPr>
+          <p:nvPr>
+            <p:ph type="title"/>
+          </p:nvPr>
+        </p:nvSpPr>
+        <p:spPr/>
+        <p:txBody>
+          <a:bodyPr/>
+          <a:lstStyle/>
+          <a:p>
+            <a:r>
+              <a:rPr lang="en-US" dirty="0"/>
+              <a:t>Hypothesis Test</a:t>
+            </a:r>
+          </a:p>
+        </p:txBody>
+      </p:sp>
+      <p:sp>
+        <p:nvSpPr>
+          <p:cNvPr id="3" name="Content Placeholder 2"/>
+          <p:cNvSpPr>
+            <a:spLocks noGrp="1"/>
+          </p:cNvSpPr>
+          <p:nvPr>
+            <p:ph idx="1"/>
+          </p:nvPr>
+        </p:nvSpPr>
+        <p:spPr/>
+        <p:txBody>
+          <a:bodyPr/>
+          <a:lstStyle/>
+          <a:p>
+            <a:r>
+              <a:rPr lang="en-US" dirty="0"/>
+              <a:t>Assume Gilbert’s presence and death on a shift are independent</a:t>
+            </a:r>
+          </a:p>
+          <a:p>
+            <a:r>
+              <a:rPr lang="en-US" dirty="0"/>
+              <a:t>Under this model for generating the data, what is the chance we would see an outcome as extreme as the one that we saw?</a:t>
+            </a:r>
+          </a:p>
+          <a:p>
+            <a:r>
+              <a:rPr lang="en-US" dirty="0"/>
+              <a:t>The chance is so rare that we reject the model of independence. </a:t>
+            </a:r>
+          </a:p>
+        </p:txBody>
+      </p:sp>
+    </p:spTree>
+    <p:extLst>
+      <p:ext uri="{BB962C8B-B14F-4D97-AF65-F5344CB8AC3E}">
+        <p14:creationId xmlns:p14="http://schemas.microsoft.com/office/powerpoint/2010/main" val="2001343583"/>
+      </p:ext>
+    </p:extLst>
+  </p:cSld>
+  <p:clrMapOvr>
+    <a:masterClrMapping/>
+  </p:clrMapOvr>
+</p:sld>
+</file>
+
 <file path=ppt/slides/slide25.xml><?xml version="1.0" encoding="utf-8"?>
 <p:sld xmlns:a="http://schemas.openxmlformats.org/drawingml/2006/main" xmlns:r="http://schemas.openxmlformats.org/officeDocument/2006/relationships" xmlns:p="http://schemas.openxmlformats.org/presentationml/2006/main">
   <p:cSld>
@@ -12978,14 +12700,14 @@
           <a:p>
             <a:r>
               <a:rPr lang="en-US" dirty="0"/>
-              <a:t>Hypothesis Test</a:t>
-            </a:r>
-          </a:p>
-        </p:txBody>
-      </p:sp>
-      <p:sp>
-        <p:nvSpPr>
-          <p:cNvPr id="3" name="Content Placeholder 2"/>
+              <a:t>T/F Statements</a:t>
+            </a:r>
+          </a:p>
+        </p:txBody>
+      </p:sp>
+      <p:sp>
+        <p:nvSpPr>
+          <p:cNvPr id="4" name="Content Placeholder 3"/>
           <p:cNvSpPr>
             <a:spLocks noGrp="1"/>
           </p:cNvSpPr>
@@ -13000,19 +12722,64 @@
           <a:p>
             <a:r>
               <a:rPr lang="en-US" dirty="0"/>
-              <a:t>Assume Gilbert’s presence and death on a shift are independent</a:t>
+              <a:t>The chance is less than 1 in a billion that Gilbert is innocent.</a:t>
             </a:r>
           </a:p>
           <a:p>
             <a:r>
               <a:rPr lang="en-US" dirty="0"/>
-              <a:t>Under this model for generating the data, what is the chance we would see an outcome as extreme as the one that we saw?</a:t>
+              <a:t>Gilbert was not assigned to her shifts at random so this probability calculation is flawed </a:t>
             </a:r>
           </a:p>
           <a:p>
             <a:r>
               <a:rPr lang="en-US" dirty="0"/>
-              <a:t>The chance is so rare that we reject the model of independence. </a:t>
+              <a:t>The probability is so small that we’re sure Gilbert’s shifts are not independent of whether or not there was a death, but that doesn’t prove she’s guilty. There could be other explanations.</a:t>
+            </a:r>
+          </a:p>
+          <a:p>
+            <a:endParaRPr lang="en-US" dirty="0"/>
+          </a:p>
+        </p:txBody>
+      </p:sp>
+      <p:sp>
+        <p:nvSpPr>
+          <p:cNvPr id="3" name="Rectangle 2">
+            <a:extLst>
+              <a:ext uri="{FF2B5EF4-FFF2-40B4-BE49-F238E27FC236}">
+                <a16:creationId xmlns:a16="http://schemas.microsoft.com/office/drawing/2014/main" id="{5AB97418-21E6-FB44-A55A-B3E730540847}"/>
+              </a:ext>
+            </a:extLst>
+          </p:cNvPr>
+          <p:cNvSpPr/>
+          <p:nvPr/>
+        </p:nvSpPr>
+        <p:spPr>
+          <a:xfrm>
+            <a:off x="6941691" y="320675"/>
+            <a:ext cx="5250309" cy="523220"/>
+          </a:xfrm>
+          <a:prstGeom prst="rect">
+            <a:avLst/>
+          </a:prstGeom>
+        </p:spPr>
+        <p:txBody>
+          <a:bodyPr wrap="square">
+            <a:spAutoFit/>
+          </a:bodyPr>
+          <a:lstStyle/>
+          <a:p>
+            <a:r>
+              <a:rPr lang="en-US" sz="2800" b="1" dirty="0"/>
+              <a:t>http://</a:t>
+            </a:r>
+            <a:r>
+              <a:rPr lang="en-US" sz="2800" b="1" dirty="0" err="1"/>
+              <a:t>bit.ly</a:t>
+            </a:r>
+            <a:r>
+              <a:rPr lang="en-US" sz="2800" b="1" dirty="0"/>
+              <a:t>/ds100-sp18-???</a:t>
             </a:r>
           </a:p>
         </p:txBody>
@@ -13020,7 +12787,7 @@
     </p:spTree>
     <p:extLst>
       <p:ext uri="{BB962C8B-B14F-4D97-AF65-F5344CB8AC3E}">
-        <p14:creationId xmlns:p14="http://schemas.microsoft.com/office/powerpoint/2010/main" val="2001343583"/>
+        <p14:creationId xmlns:p14="http://schemas.microsoft.com/office/powerpoint/2010/main" val="1293240535"/>
       </p:ext>
     </p:extLst>
   </p:cSld>
@@ -13064,14 +12831,14 @@
           <a:p>
             <a:r>
               <a:rPr lang="en-US" dirty="0"/>
-              <a:t>T/F Statements</a:t>
-            </a:r>
-          </a:p>
-        </p:txBody>
-      </p:sp>
-      <p:sp>
-        <p:nvSpPr>
-          <p:cNvPr id="4" name="Content Placeholder 3"/>
+              <a:t>Grand Jury</a:t>
+            </a:r>
+          </a:p>
+        </p:txBody>
+      </p:sp>
+      <p:sp>
+        <p:nvSpPr>
+          <p:cNvPr id="3" name="Content Placeholder 2"/>
           <p:cNvSpPr>
             <a:spLocks noGrp="1"/>
           </p:cNvSpPr>
@@ -13081,69 +12848,32 @@
         </p:nvSpPr>
         <p:spPr/>
         <p:txBody>
-          <a:bodyPr/>
-          <a:lstStyle/>
-          <a:p>
-            <a:r>
-              <a:rPr lang="en-US" dirty="0"/>
-              <a:t>The chance is less than 1 in a billion that Gilbert is innocent.</a:t>
-            </a:r>
-          </a:p>
-          <a:p>
-            <a:r>
-              <a:rPr lang="en-US" dirty="0"/>
-              <a:t>Gilbert was not assigned to her shifts at random so this probability calculation is flawed </a:t>
-            </a:r>
-          </a:p>
-          <a:p>
-            <a:r>
-              <a:rPr lang="en-US" dirty="0"/>
-              <a:t>The probability is so small that we’re sure Gilbert’s shifts are not independent of whether or not there was a death, but that doesn’t prove she’s guilty. There could be other explanations.</a:t>
-            </a:r>
-          </a:p>
-          <a:p>
-            <a:endParaRPr lang="en-US" dirty="0"/>
-          </a:p>
-        </p:txBody>
-      </p:sp>
-      <p:sp>
-        <p:nvSpPr>
-          <p:cNvPr id="3" name="Rectangle 2">
-            <a:extLst>
-              <a:ext uri="{FF2B5EF4-FFF2-40B4-BE49-F238E27FC236}">
-                <a16:creationId xmlns:a16="http://schemas.microsoft.com/office/drawing/2014/main" id="{5AB97418-21E6-FB44-A55A-B3E730540847}"/>
-              </a:ext>
-            </a:extLst>
-          </p:cNvPr>
-          <p:cNvSpPr/>
-          <p:nvPr/>
-        </p:nvSpPr>
-        <p:spPr>
-          <a:xfrm>
-            <a:off x="6941691" y="320675"/>
-            <a:ext cx="5250309" cy="523220"/>
-          </a:xfrm>
-          <a:prstGeom prst="rect">
-            <a:avLst/>
-          </a:prstGeom>
-        </p:spPr>
-        <p:txBody>
-          <a:bodyPr wrap="square">
-            <a:spAutoFit/>
+          <a:bodyPr>
+            <a:normAutofit/>
           </a:bodyPr>
           <a:lstStyle/>
           <a:p>
             <a:r>
-              <a:rPr lang="en-US" sz="2800" b="1" dirty="0"/>
-              <a:t>http://</a:t>
-            </a:r>
-            <a:r>
-              <a:rPr lang="en-US" sz="2800" b="1" dirty="0" err="1"/>
-              <a:t>bit.ly</a:t>
-            </a:r>
-            <a:r>
-              <a:rPr lang="en-US" sz="2800" b="1" dirty="0"/>
-              <a:t>/ds100-sp18-???</a:t>
+              <a:rPr lang="en-US" dirty="0"/>
+              <a:t>The grand jury found the statistical evidence persuasive</a:t>
+            </a:r>
+          </a:p>
+          <a:p>
+            <a:r>
+              <a:rPr lang="en-US" dirty="0"/>
+              <a:t>Gilbert was indicted</a:t>
+            </a:r>
+          </a:p>
+          <a:p>
+            <a:r>
+              <a:rPr lang="en-US" dirty="0"/>
+              <a:t>The VA hospital is legal property of the federal government so it was a federal indictment. </a:t>
+            </a:r>
+          </a:p>
+          <a:p>
+            <a:r>
+              <a:rPr lang="en-US" dirty="0"/>
+              <a:t>Trial would be in federal district court, and the death penalty would be a possible sentence, if found guilty.</a:t>
             </a:r>
           </a:p>
         </p:txBody>
@@ -13151,7 +12881,7 @@
     </p:spTree>
     <p:extLst>
       <p:ext uri="{BB962C8B-B14F-4D97-AF65-F5344CB8AC3E}">
-        <p14:creationId xmlns:p14="http://schemas.microsoft.com/office/powerpoint/2010/main" val="1293240535"/>
+        <p14:creationId xmlns:p14="http://schemas.microsoft.com/office/powerpoint/2010/main" val="1879092975"/>
       </p:ext>
     </p:extLst>
   </p:cSld>
@@ -13190,28 +12920,6 @@
         </p:nvSpPr>
         <p:spPr/>
         <p:txBody>
-          <a:bodyPr/>
-          <a:lstStyle/>
-          <a:p>
-            <a:r>
-              <a:rPr lang="en-US" dirty="0"/>
-              <a:t>Grand Jury</a:t>
-            </a:r>
-          </a:p>
-        </p:txBody>
-      </p:sp>
-      <p:sp>
-        <p:nvSpPr>
-          <p:cNvPr id="3" name="Content Placeholder 2"/>
-          <p:cNvSpPr>
-            <a:spLocks noGrp="1"/>
-          </p:cNvSpPr>
-          <p:nvPr>
-            <p:ph idx="1"/>
-          </p:nvPr>
-        </p:nvSpPr>
-        <p:spPr/>
-        <p:txBody>
           <a:bodyPr>
             <a:normAutofit/>
           </a:bodyPr>
@@ -13219,25 +12927,59 @@
           <a:p>
             <a:r>
               <a:rPr lang="en-US" dirty="0"/>
-              <a:t>The grand jury found the statistical evidence persuasive</a:t>
-            </a:r>
-          </a:p>
+              <a:t>The Trial</a:t>
+            </a:r>
+          </a:p>
+        </p:txBody>
+      </p:sp>
+      <p:sp>
+        <p:nvSpPr>
+          <p:cNvPr id="3" name="Content Placeholder 2"/>
+          <p:cNvSpPr>
+            <a:spLocks noGrp="1"/>
+          </p:cNvSpPr>
+          <p:nvPr>
+            <p:ph idx="1"/>
+          </p:nvPr>
+        </p:nvSpPr>
+        <p:spPr/>
+        <p:txBody>
+          <a:bodyPr>
+            <a:normAutofit/>
+          </a:bodyPr>
+          <a:lstStyle/>
           <a:p>
             <a:r>
               <a:rPr lang="en-US" dirty="0"/>
-              <a:t>Gilbert was indicted</a:t>
-            </a:r>
-          </a:p>
-          <a:p>
+              <a:t>The </a:t>
+            </a:r>
+            <a:r>
+              <a:rPr lang="en-US" b="1" dirty="0"/>
+              <a:t>petit jury</a:t>
+            </a:r>
             <a:r>
               <a:rPr lang="en-US" dirty="0"/>
-              <a:t>The VA hospital is legal property of the federal government so it was a federal indictment. </a:t>
-            </a:r>
-          </a:p>
-          <a:p>
+              <a:t> (or </a:t>
+            </a:r>
+            <a:r>
+              <a:rPr lang="en-US" b="1" dirty="0"/>
+              <a:t>trial jury</a:t>
+            </a:r>
             <a:r>
               <a:rPr lang="en-US" dirty="0"/>
-              <a:t>Trial would be in federal district court, and the death penalty would be a possible sentence, if found guilty.</a:t>
+              <a:t>) hears the evidence in a trial as presented by both the plaintiff and the defendant.</a:t>
+            </a:r>
+          </a:p>
+          <a:p>
+            <a:r>
+              <a:rPr lang="en-US" dirty="0"/>
+              <a:t>After hearing the evidence, the group retires for deliberation, to consider a verdict. </a:t>
+            </a:r>
+          </a:p>
+          <a:p>
+            <a:r>
+              <a:rPr lang="en-US" dirty="0"/>
+              <a:t>The majority required for a guilty verdict was a simple majority (7 put of 12).  A unanimous verdict for the sentence was needed for the death penalty .</a:t>
             </a:r>
           </a:p>
         </p:txBody>
@@ -13245,7 +12987,7 @@
     </p:spTree>
     <p:extLst>
       <p:ext uri="{BB962C8B-B14F-4D97-AF65-F5344CB8AC3E}">
-        <p14:creationId xmlns:p14="http://schemas.microsoft.com/office/powerpoint/2010/main" val="1879092975"/>
+        <p14:creationId xmlns:p14="http://schemas.microsoft.com/office/powerpoint/2010/main" val="1021118043"/>
       </p:ext>
     </p:extLst>
   </p:cSld>
@@ -13291,7 +13033,7 @@
           <a:p>
             <a:r>
               <a:rPr lang="en-US" dirty="0"/>
-              <a:t>The Trial</a:t>
+              <a:t>Expert Witness</a:t>
             </a:r>
           </a:p>
         </p:txBody>
@@ -13309,49 +13051,72 @@
         <p:spPr/>
         <p:txBody>
           <a:bodyPr>
-            <a:normAutofit/>
+            <a:normAutofit fontScale="92500"/>
           </a:bodyPr>
           <a:lstStyle/>
           <a:p>
+            <a:pPr marL="471487" indent="-457200">
+              <a:buFont typeface="Wingdings" charset="2"/>
+              <a:buChar char="Ø"/>
+            </a:pPr>
             <a:r>
               <a:rPr lang="en-US" dirty="0"/>
-              <a:t>The </a:t>
-            </a:r>
-            <a:r>
-              <a:rPr lang="en-US" b="1" dirty="0"/>
-              <a:t>petit jury</a:t>
-            </a:r>
+              <a:t>The court system allows expert testimony when the evidence involves specialized technical or scientific issues that go beyond what jurors would ordinarily be familiar with.</a:t>
+            </a:r>
+          </a:p>
+          <a:p>
+            <a:pPr marL="471487" indent="-457200">
+              <a:buFont typeface="Wingdings" charset="2"/>
+              <a:buChar char="Ø"/>
+            </a:pPr>
             <a:r>
               <a:rPr lang="en-US" dirty="0"/>
-              <a:t> (or </a:t>
-            </a:r>
-            <a:r>
-              <a:rPr lang="en-US" b="1" dirty="0"/>
-              <a:t>trial jury</a:t>
-            </a:r>
+              <a:t>The experts help the jury understand the evidence better. </a:t>
+            </a:r>
+          </a:p>
+          <a:p>
+            <a:pPr marL="471487" indent="-457200">
+              <a:buFont typeface="Wingdings" charset="2"/>
+              <a:buChar char="Ø"/>
+            </a:pPr>
             <a:r>
               <a:rPr lang="en-US" dirty="0"/>
-              <a:t>) hears the evidence in a trial as presented by both the plaintiff and the defendant.</a:t>
-            </a:r>
-          </a:p>
-          <a:p>
+              <a:t>Supreme Court has set guidelines to make sure unscientific testimony is not admitted.</a:t>
+            </a:r>
+          </a:p>
+          <a:p>
+            <a:pPr marL="471487" indent="-457200">
+              <a:buFont typeface="Wingdings" charset="2"/>
+              <a:buChar char="Ø"/>
+            </a:pPr>
             <a:r>
               <a:rPr lang="en-US" dirty="0"/>
-              <a:t>After hearing the evidence, the group retires for deliberation, to consider a verdict. </a:t>
-            </a:r>
-          </a:p>
-          <a:p>
-            <a:r>
-              <a:rPr lang="en-US" dirty="0"/>
-              <a:t>The majority required for a guilty verdict was a simple majority (7 put of 12).  A unanimous verdict for the sentence was needed for the death penalty .</a:t>
-            </a:r>
+              <a:t>If there is expert testimony on one side, attorneys for the other side sometimes hire another expert who will disagree and “cancel out” the other expert.</a:t>
+            </a:r>
+          </a:p>
+          <a:p>
+            <a:pPr marL="471487" indent="-457200">
+              <a:buFont typeface="Wingdings" charset="2"/>
+              <a:buChar char="Ø"/>
+            </a:pPr>
+            <a:endParaRPr lang="en-US" dirty="0"/>
+          </a:p>
+          <a:p>
+            <a:pPr>
+              <a:buNone/>
+            </a:pPr>
+            <a:endParaRPr lang="en-US" dirty="0">
+              <a:solidFill>
+                <a:srgbClr val="0000FF"/>
+              </a:solidFill>
+            </a:endParaRPr>
           </a:p>
         </p:txBody>
       </p:sp>
     </p:spTree>
     <p:extLst>
       <p:ext uri="{BB962C8B-B14F-4D97-AF65-F5344CB8AC3E}">
-        <p14:creationId xmlns:p14="http://schemas.microsoft.com/office/powerpoint/2010/main" val="1021118043"/>
+        <p14:creationId xmlns:p14="http://schemas.microsoft.com/office/powerpoint/2010/main" val="1389125524"/>
       </p:ext>
     </p:extLst>
   </p:cSld>
@@ -13385,102 +13150,37 @@
             <a:spLocks noGrp="1"/>
           </p:cNvSpPr>
           <p:nvPr>
-            <p:ph type="title"/>
-          </p:nvPr>
-        </p:nvSpPr>
-        <p:spPr/>
+            <p:ph type="ctrTitle"/>
+          </p:nvPr>
+        </p:nvSpPr>
+        <p:spPr>
+          <a:xfrm>
+            <a:off x="1524000" y="1668463"/>
+            <a:ext cx="9144000" cy="2387600"/>
+          </a:xfrm>
+        </p:spPr>
         <p:txBody>
           <a:bodyPr>
-            <a:normAutofit/>
+            <a:normAutofit fontScale="90000"/>
           </a:bodyPr>
           <a:lstStyle/>
           <a:p>
-            <a:r>
-              <a:rPr lang="en-US" dirty="0"/>
-              <a:t>Expert Witness</a:t>
-            </a:r>
-          </a:p>
-        </p:txBody>
-      </p:sp>
-      <p:sp>
-        <p:nvSpPr>
-          <p:cNvPr id="3" name="Content Placeholder 2"/>
-          <p:cNvSpPr>
-            <a:spLocks noGrp="1"/>
-          </p:cNvSpPr>
-          <p:nvPr>
-            <p:ph idx="1"/>
-          </p:nvPr>
-        </p:nvSpPr>
-        <p:spPr/>
-        <p:txBody>
-          <a:bodyPr>
-            <a:normAutofit fontScale="92500"/>
-          </a:bodyPr>
-          <a:lstStyle/>
-          <a:p>
-            <a:pPr marL="471487" indent="-457200">
-              <a:buFont typeface="Wingdings" charset="2"/>
-              <a:buChar char="Ø"/>
-            </a:pPr>
-            <a:r>
-              <a:rPr lang="en-US" dirty="0"/>
-              <a:t>The court system allows expert testimony when the evidence involves specialized technical or scientific issues that go beyond what jurors would ordinarily be familiar with.</a:t>
-            </a:r>
-          </a:p>
-          <a:p>
-            <a:pPr marL="471487" indent="-457200">
-              <a:buFont typeface="Wingdings" charset="2"/>
-              <a:buChar char="Ø"/>
-            </a:pPr>
-            <a:r>
-              <a:rPr lang="en-US" dirty="0"/>
-              <a:t>The experts help the jury understand the evidence better. </a:t>
-            </a:r>
-          </a:p>
-          <a:p>
-            <a:pPr marL="471487" indent="-457200">
-              <a:buFont typeface="Wingdings" charset="2"/>
-              <a:buChar char="Ø"/>
-            </a:pPr>
-            <a:r>
-              <a:rPr lang="en-US" dirty="0"/>
-              <a:t>Supreme Court has set guidelines to make sure unscientific testimony is not admitted.</a:t>
-            </a:r>
-          </a:p>
-          <a:p>
-            <a:pPr marL="471487" indent="-457200">
-              <a:buFont typeface="Wingdings" charset="2"/>
-              <a:buChar char="Ø"/>
-            </a:pPr>
-            <a:r>
-              <a:rPr lang="en-US" dirty="0"/>
-              <a:t>If there is expert testimony on one side, attorneys for the other side sometimes hire another expert who will disagree and “cancel out” the other expert.</a:t>
-            </a:r>
-          </a:p>
-          <a:p>
-            <a:pPr marL="471487" indent="-457200">
-              <a:buFont typeface="Wingdings" charset="2"/>
-              <a:buChar char="Ø"/>
-            </a:pPr>
-            <a:endParaRPr lang="en-US" dirty="0"/>
-          </a:p>
-          <a:p>
-            <a:pPr>
-              <a:buNone/>
-            </a:pPr>
-            <a:endParaRPr lang="en-US" dirty="0">
-              <a:solidFill>
-                <a:srgbClr val="0000FF"/>
-              </a:solidFill>
-            </a:endParaRPr>
+            <a:pPr algn="l"/>
+            <a:r>
+              <a:rPr lang="en-US" dirty="0">
+                <a:solidFill>
+                  <a:srgbClr val="0000FF"/>
+                </a:solidFill>
+              </a:rPr>
+              <a:t>QUESTION: Should the trial jury be allowed to hear the statistical evidence?</a:t>
+            </a:r>
           </a:p>
         </p:txBody>
       </p:sp>
     </p:spTree>
     <p:extLst>
       <p:ext uri="{BB962C8B-B14F-4D97-AF65-F5344CB8AC3E}">
-        <p14:creationId xmlns:p14="http://schemas.microsoft.com/office/powerpoint/2010/main" val="1389125524"/>
+        <p14:creationId xmlns:p14="http://schemas.microsoft.com/office/powerpoint/2010/main" val="1890165270"/>
       </p:ext>
     </p:extLst>
   </p:cSld>
@@ -13621,37 +13321,71 @@
             <a:spLocks noGrp="1"/>
           </p:cNvSpPr>
           <p:nvPr>
-            <p:ph type="ctrTitle"/>
-          </p:nvPr>
-        </p:nvSpPr>
-        <p:spPr>
-          <a:xfrm>
-            <a:off x="1524000" y="1668463"/>
-            <a:ext cx="9144000" cy="2387600"/>
-          </a:xfrm>
-        </p:spPr>
-        <p:txBody>
-          <a:bodyPr>
-            <a:normAutofit fontScale="90000"/>
-          </a:bodyPr>
+            <p:ph type="title"/>
+          </p:nvPr>
+        </p:nvSpPr>
+        <p:spPr/>
+        <p:txBody>
+          <a:bodyPr/>
           <a:lstStyle/>
           <a:p>
-            <a:pPr algn="l"/>
-            <a:r>
-              <a:rPr lang="en-US" dirty="0">
-                <a:solidFill>
-                  <a:srgbClr val="0000FF"/>
-                </a:solidFill>
-              </a:rPr>
-              <a:t>QUESTION: Should the trial jury be allowed to hear the statistical evidence?</a:t>
-            </a:r>
+            <a:r>
+              <a:rPr lang="en-US" dirty="0"/>
+              <a:t>Report to the Judge</a:t>
+            </a:r>
+          </a:p>
+        </p:txBody>
+      </p:sp>
+      <p:sp>
+        <p:nvSpPr>
+          <p:cNvPr id="3" name="Content Placeholder 2"/>
+          <p:cNvSpPr>
+            <a:spLocks noGrp="1"/>
+          </p:cNvSpPr>
+          <p:nvPr>
+            <p:ph idx="1"/>
+          </p:nvPr>
+        </p:nvSpPr>
+        <p:spPr/>
+        <p:txBody>
+          <a:bodyPr/>
+          <a:lstStyle/>
+          <a:p>
+            <a:r>
+              <a:rPr lang="en-US" sz="3200" dirty="0"/>
+              <a:t>Was the statistical analysis done correctly?</a:t>
+            </a:r>
+          </a:p>
+          <a:p>
+            <a:r>
+              <a:rPr lang="en-US" sz="3200" dirty="0"/>
+              <a:t>What does the probability calculation NOT tell you?</a:t>
+            </a:r>
+          </a:p>
+          <a:p>
+            <a:pPr lvl="2"/>
+            <a:r>
+              <a:rPr lang="en-US" sz="2800" dirty="0"/>
+              <a:t> Association vs Causation: Conclusions drawn from an Observational Study vs a Designed Experiment</a:t>
+            </a:r>
+          </a:p>
+          <a:p>
+            <a:pPr lvl="2"/>
+            <a:r>
+              <a:rPr lang="en-US" sz="2800" dirty="0"/>
+              <a:t> Prosecutor’s Fallacy: Probability computed under assumptions of innocence</a:t>
+            </a:r>
+          </a:p>
+          <a:p>
+            <a:pPr lvl="2"/>
+            <a:endParaRPr lang="en-US" dirty="0"/>
           </a:p>
         </p:txBody>
       </p:sp>
     </p:spTree>
     <p:extLst>
       <p:ext uri="{BB962C8B-B14F-4D97-AF65-F5344CB8AC3E}">
-        <p14:creationId xmlns:p14="http://schemas.microsoft.com/office/powerpoint/2010/main" val="1890165270"/>
+        <p14:creationId xmlns:p14="http://schemas.microsoft.com/office/powerpoint/2010/main" val="282102819"/>
       </p:ext>
     </p:extLst>
   </p:cSld>
@@ -13690,66 +13424,67 @@
         </p:nvSpPr>
         <p:spPr/>
         <p:txBody>
+          <a:bodyPr>
+            <a:normAutofit/>
+          </a:bodyPr>
+          <a:lstStyle/>
+          <a:p>
+            <a:r>
+              <a:rPr lang="en-US" dirty="0"/>
+              <a:t>Was the statistical analysis done correctly?</a:t>
+            </a:r>
+          </a:p>
+        </p:txBody>
+      </p:sp>
+      <p:sp>
+        <p:nvSpPr>
+          <p:cNvPr id="3" name="Content Placeholder 2"/>
+          <p:cNvSpPr>
+            <a:spLocks noGrp="1"/>
+          </p:cNvSpPr>
+          <p:nvPr>
+            <p:ph idx="1"/>
+          </p:nvPr>
+        </p:nvSpPr>
+        <p:spPr>
+          <a:xfrm>
+            <a:off x="838200" y="1927225"/>
+            <a:ext cx="10515600" cy="4351339"/>
+          </a:xfrm>
+        </p:spPr>
+        <p:txBody>
           <a:bodyPr/>
           <a:lstStyle/>
           <a:p>
             <a:r>
               <a:rPr lang="en-US" dirty="0"/>
-              <a:t>Report to the Judge</a:t>
-            </a:r>
-          </a:p>
-        </p:txBody>
-      </p:sp>
-      <p:sp>
-        <p:nvSpPr>
-          <p:cNvPr id="3" name="Content Placeholder 2"/>
-          <p:cNvSpPr>
-            <a:spLocks noGrp="1"/>
-          </p:cNvSpPr>
-          <p:nvPr>
-            <p:ph idx="1"/>
-          </p:nvPr>
-        </p:nvSpPr>
-        <p:spPr/>
-        <p:txBody>
-          <a:bodyPr/>
-          <a:lstStyle/>
-          <a:p>
-            <a:r>
-              <a:rPr lang="en-US" sz="3200" dirty="0"/>
-              <a:t>Was the statistical analysis done correctly?</a:t>
-            </a:r>
-          </a:p>
-          <a:p>
-            <a:r>
-              <a:rPr lang="en-US" sz="3200" dirty="0"/>
-              <a:t>What does the probability calculation NOT tell you?</a:t>
-            </a:r>
-          </a:p>
-          <a:p>
-            <a:pPr lvl="2"/>
-            <a:r>
-              <a:rPr lang="en-US" sz="2800" dirty="0"/>
-              <a:t> Association vs Causation: Conclusions drawn from an Observational Study vs a Designed Experiment</a:t>
-            </a:r>
-          </a:p>
-          <a:p>
-            <a:pPr lvl="2"/>
-            <a:r>
-              <a:rPr lang="en-US" sz="2800" dirty="0"/>
-              <a:t> Prosecutor’s Fallacy: Probability computed under assumptions of innocence</a:t>
-            </a:r>
-          </a:p>
-          <a:p>
-            <a:pPr lvl="2"/>
-            <a:endParaRPr lang="en-US" dirty="0"/>
+              <a:t>The Defense Statistician (Cobb) agreed with the analysis performed by the Prosecution Statistician for the grand jury.</a:t>
+            </a:r>
+          </a:p>
+          <a:p>
+            <a:r>
+              <a:rPr lang="en-US" dirty="0"/>
+              <a:t>The excess deaths was an extremely unlikely outcome due to chance variation.</a:t>
+            </a:r>
+          </a:p>
+          <a:p>
+            <a:r>
+              <a:rPr lang="en-US" dirty="0"/>
+              <a:t>The pattern of deaths justified the indictment.</a:t>
+            </a:r>
+          </a:p>
+          <a:p>
+            <a:r>
+              <a:rPr lang="en-US" dirty="0"/>
+              <a:t>No need to bring statistical evidence to trial.</a:t>
+            </a:r>
           </a:p>
         </p:txBody>
       </p:sp>
     </p:spTree>
     <p:extLst>
       <p:ext uri="{BB962C8B-B14F-4D97-AF65-F5344CB8AC3E}">
-        <p14:creationId xmlns:p14="http://schemas.microsoft.com/office/powerpoint/2010/main" val="282102819"/>
+        <p14:creationId xmlns:p14="http://schemas.microsoft.com/office/powerpoint/2010/main" val="1805670004"/>
       </p:ext>
     </p:extLst>
   </p:cSld>
@@ -13788,6 +13523,36 @@
         </p:nvSpPr>
         <p:spPr/>
         <p:txBody>
+          <a:bodyPr/>
+          <a:lstStyle/>
+          <a:p>
+            <a:r>
+              <a:rPr lang="en-US" dirty="0"/>
+              <a:t>Association </a:t>
+            </a:r>
+            <a:r>
+              <a:rPr lang="en-US" dirty="0" err="1"/>
+              <a:t>vs</a:t>
+            </a:r>
+            <a:r>
+              <a:rPr lang="en-US" dirty="0"/>
+              <a:t> Causation</a:t>
+            </a:r>
+          </a:p>
+        </p:txBody>
+      </p:sp>
+      <p:sp>
+        <p:nvSpPr>
+          <p:cNvPr id="3" name="Content Placeholder 2"/>
+          <p:cNvSpPr>
+            <a:spLocks noGrp="1"/>
+          </p:cNvSpPr>
+          <p:nvPr>
+            <p:ph idx="1"/>
+          </p:nvPr>
+        </p:nvSpPr>
+        <p:spPr/>
+        <p:txBody>
           <a:bodyPr>
             <a:normAutofit/>
           </a:bodyPr>
@@ -13795,54 +13560,33 @@
           <a:p>
             <a:r>
               <a:rPr lang="en-US" dirty="0"/>
-              <a:t>Was the statistical analysis done correctly?</a:t>
-            </a:r>
-          </a:p>
-        </p:txBody>
-      </p:sp>
-      <p:sp>
-        <p:nvSpPr>
-          <p:cNvPr id="3" name="Content Placeholder 2"/>
-          <p:cNvSpPr>
-            <a:spLocks noGrp="1"/>
-          </p:cNvSpPr>
-          <p:nvPr>
-            <p:ph idx="1"/>
-          </p:nvPr>
-        </p:nvSpPr>
-        <p:spPr>
-          <a:xfrm>
-            <a:off x="838200" y="1927225"/>
-            <a:ext cx="10515600" cy="4351339"/>
-          </a:xfrm>
-        </p:spPr>
-        <p:txBody>
-          <a:bodyPr/>
-          <a:lstStyle/>
+              <a:t>In a well-designed experiment, e.g. the clinical trials, where the subjects have been assigned at random to difference treated and control groups, the two groups resemble each other in most all ways, except for the receipt of the treatment.</a:t>
+            </a:r>
+          </a:p>
           <a:p>
             <a:r>
               <a:rPr lang="en-US" dirty="0"/>
-              <a:t>The Defense Statistician (Cobb) agreed with the analysis performed by the Prosecution Statistician for the grand jury.</a:t>
+              <a:t>The tiny probability rules out chance variation, and the conclusion is that the difference is “real”.</a:t>
             </a:r>
           </a:p>
           <a:p>
             <a:r>
               <a:rPr lang="en-US" dirty="0"/>
-              <a:t>The excess deaths was an extremely unlikely outcome due to chance variation.</a:t>
-            </a:r>
-          </a:p>
-          <a:p>
-            <a:r>
-              <a:rPr lang="en-US" dirty="0"/>
-              <a:t>The pattern of deaths justified the indictment.</a:t>
-            </a:r>
+              <a:t> In this case, we can conclude that the explanation for the observed difference is the treatment.  </a:t>
+            </a:r>
+          </a:p>
+          <a:p>
+            <a:endParaRPr lang="en-US" dirty="0"/>
+          </a:p>
+          <a:p>
+            <a:endParaRPr lang="en-US" dirty="0"/>
           </a:p>
         </p:txBody>
       </p:sp>
     </p:spTree>
     <p:extLst>
       <p:ext uri="{BB962C8B-B14F-4D97-AF65-F5344CB8AC3E}">
-        <p14:creationId xmlns:p14="http://schemas.microsoft.com/office/powerpoint/2010/main" val="1805670004"/>
+        <p14:creationId xmlns:p14="http://schemas.microsoft.com/office/powerpoint/2010/main" val="1804341471"/>
       </p:ext>
     </p:extLst>
   </p:cSld>
@@ -13918,109 +13662,15 @@
           <a:p>
             <a:r>
               <a:rPr lang="en-US" dirty="0"/>
-              <a:t>In a well-designed experiment, e.g. the clinical trials, where the subjects have been assigned at random to difference treated and control groups, the two groups resemble each other in most all ways, except for the receipt of the treatment.</a:t>
-            </a:r>
-          </a:p>
-          <a:p>
+              <a:t>The Gilbert case was </a:t>
+            </a:r>
+            <a:r>
+              <a:rPr lang="en-US" b="1" dirty="0"/>
+              <a:t>NOT</a:t>
+            </a:r>
             <a:r>
               <a:rPr lang="en-US" dirty="0"/>
-              <a:t>The tiny probability rules out chance variation, and the conclusion is that the difference is “real”.</a:t>
-            </a:r>
-          </a:p>
-          <a:p>
-            <a:r>
-              <a:rPr lang="en-US" dirty="0"/>
-              <a:t> In this case, we can conclude that the explanation for the observed difference is the treatment.  </a:t>
-            </a:r>
-          </a:p>
-          <a:p>
-            <a:endParaRPr lang="en-US" dirty="0"/>
-          </a:p>
-          <a:p>
-            <a:endParaRPr lang="en-US" dirty="0"/>
-          </a:p>
-        </p:txBody>
-      </p:sp>
-    </p:spTree>
-    <p:extLst>
-      <p:ext uri="{BB962C8B-B14F-4D97-AF65-F5344CB8AC3E}">
-        <p14:creationId xmlns:p14="http://schemas.microsoft.com/office/powerpoint/2010/main" val="1804341471"/>
-      </p:ext>
-    </p:extLst>
-  </p:cSld>
-  <p:clrMapOvr>
-    <a:masterClrMapping/>
-  </p:clrMapOvr>
-</p:sld>
-</file>
-
-<file path=ppt/slides/slide34.xml><?xml version="1.0" encoding="utf-8"?>
-<p:sld xmlns:a="http://schemas.openxmlformats.org/drawingml/2006/main" xmlns:r="http://schemas.openxmlformats.org/officeDocument/2006/relationships" xmlns:p="http://schemas.openxmlformats.org/presentationml/2006/main">
-  <p:cSld>
-    <p:spTree>
-      <p:nvGrpSpPr>
-        <p:cNvPr id="1" name=""/>
-        <p:cNvGrpSpPr/>
-        <p:nvPr/>
-      </p:nvGrpSpPr>
-      <p:grpSpPr>
-        <a:xfrm>
-          <a:off x="0" y="0"/>
-          <a:ext cx="0" cy="0"/>
-          <a:chOff x="0" y="0"/>
-          <a:chExt cx="0" cy="0"/>
-        </a:xfrm>
-      </p:grpSpPr>
-      <p:sp>
-        <p:nvSpPr>
-          <p:cNvPr id="2" name="Title 1"/>
-          <p:cNvSpPr>
-            <a:spLocks noGrp="1"/>
-          </p:cNvSpPr>
-          <p:nvPr>
-            <p:ph type="title"/>
-          </p:nvPr>
-        </p:nvSpPr>
-        <p:spPr/>
-        <p:txBody>
-          <a:bodyPr/>
-          <a:lstStyle/>
-          <a:p>
-            <a:r>
-              <a:rPr lang="en-US" dirty="0"/>
-              <a:t>Association </a:t>
-            </a:r>
-            <a:r>
-              <a:rPr lang="en-US" dirty="0" err="1"/>
-              <a:t>vs</a:t>
-            </a:r>
-            <a:r>
-              <a:rPr lang="en-US" dirty="0"/>
-              <a:t> Causation</a:t>
-            </a:r>
-          </a:p>
-        </p:txBody>
-      </p:sp>
-      <p:sp>
-        <p:nvSpPr>
-          <p:cNvPr id="3" name="Content Placeholder 2"/>
-          <p:cNvSpPr>
-            <a:spLocks noGrp="1"/>
-          </p:cNvSpPr>
-          <p:nvPr>
-            <p:ph idx="1"/>
-          </p:nvPr>
-        </p:nvSpPr>
-        <p:spPr/>
-        <p:txBody>
-          <a:bodyPr>
-            <a:normAutofit/>
-          </a:bodyPr>
-          <a:lstStyle/>
-          <a:p>
-            <a:r>
-              <a:rPr lang="en-US" dirty="0"/>
-              <a:t>The Gilbert case was NOT a randomized controlled experiment. (Gilbert’s presence on the ward would have had to be assigned using a chance device).</a:t>
+              <a:t> a randomized controlled experiment. (Gilbert’s presence on the ward would have had to be assigned using a chance device).</a:t>
             </a:r>
           </a:p>
           <a:p>
@@ -14062,7 +13712,7 @@
 </p:sld>
 </file>
 
-<file path=ppt/slides/slide35.xml><?xml version="1.0" encoding="utf-8"?>
+<file path=ppt/slides/slide34.xml><?xml version="1.0" encoding="utf-8"?>
 <p:sld xmlns:a="http://schemas.openxmlformats.org/drawingml/2006/main" xmlns:r="http://schemas.openxmlformats.org/officeDocument/2006/relationships" xmlns:p="http://schemas.openxmlformats.org/presentationml/2006/main">
   <p:cSld>
     <p:spTree>
@@ -14158,7 +13808,7 @@
 </p:sld>
 </file>
 
-<file path=ppt/slides/slide36.xml><?xml version="1.0" encoding="utf-8"?>
+<file path=ppt/slides/slide35.xml><?xml version="1.0" encoding="utf-8"?>
 <p:sld xmlns:a="http://schemas.openxmlformats.org/drawingml/2006/main" xmlns:r="http://schemas.openxmlformats.org/officeDocument/2006/relationships" xmlns:p="http://schemas.openxmlformats.org/presentationml/2006/main">
   <p:cSld>
     <p:spTree>
@@ -14268,7 +13918,7 @@
 </p:sld>
 </file>
 
-<file path=ppt/slides/slide37.xml><?xml version="1.0" encoding="utf-8"?>
+<file path=ppt/slides/slide36.xml><?xml version="1.0" encoding="utf-8"?>
 <p:sld xmlns:a="http://schemas.openxmlformats.org/drawingml/2006/main" xmlns:r="http://schemas.openxmlformats.org/officeDocument/2006/relationships" xmlns:p="http://schemas.openxmlformats.org/presentationml/2006/main">
   <p:cSld>
     <p:spTree>
@@ -14467,6 +14117,126 @@
 </p:sld>
 </file>
 
+<file path=ppt/slides/slide37.xml><?xml version="1.0" encoding="utf-8"?>
+<p:sld xmlns:a="http://schemas.openxmlformats.org/drawingml/2006/main" xmlns:r="http://schemas.openxmlformats.org/officeDocument/2006/relationships" xmlns:p="http://schemas.openxmlformats.org/presentationml/2006/main">
+  <p:cSld>
+    <p:spTree>
+      <p:nvGrpSpPr>
+        <p:cNvPr id="1" name=""/>
+        <p:cNvGrpSpPr/>
+        <p:nvPr/>
+      </p:nvGrpSpPr>
+      <p:grpSpPr>
+        <a:xfrm>
+          <a:off x="0" y="0"/>
+          <a:ext cx="0" cy="0"/>
+          <a:chOff x="0" y="0"/>
+          <a:chExt cx="0" cy="0"/>
+        </a:xfrm>
+      </p:grpSpPr>
+      <p:sp>
+        <p:nvSpPr>
+          <p:cNvPr id="2" name="Title 1"/>
+          <p:cNvSpPr>
+            <a:spLocks noGrp="1"/>
+          </p:cNvSpPr>
+          <p:nvPr>
+            <p:ph type="title"/>
+          </p:nvPr>
+        </p:nvSpPr>
+        <p:spPr/>
+        <p:txBody>
+          <a:bodyPr/>
+          <a:lstStyle/>
+          <a:p>
+            <a:r>
+              <a:rPr lang="en-US" dirty="0"/>
+              <a:t>Conclusion</a:t>
+            </a:r>
+          </a:p>
+        </p:txBody>
+      </p:sp>
+      <p:sp>
+        <p:nvSpPr>
+          <p:cNvPr id="3" name="Content Placeholder 2"/>
+          <p:cNvSpPr>
+            <a:spLocks noGrp="1"/>
+          </p:cNvSpPr>
+          <p:nvPr>
+            <p:ph idx="1"/>
+          </p:nvPr>
+        </p:nvSpPr>
+        <p:spPr/>
+        <p:txBody>
+          <a:bodyPr>
+            <a:normAutofit lnSpcReduction="10000"/>
+          </a:bodyPr>
+          <a:lstStyle/>
+          <a:p>
+            <a:pPr marL="471487" indent="-457200">
+              <a:buFont typeface="Wingdings" charset="2"/>
+              <a:buChar char="Ø"/>
+            </a:pPr>
+            <a:r>
+              <a:rPr lang="en-US" dirty="0"/>
+              <a:t>It is very easy to be tempted by the false logic (that the probability is the chance of innocence).</a:t>
+            </a:r>
+          </a:p>
+          <a:p>
+            <a:pPr marL="471487" indent="-457200">
+              <a:buFont typeface="Wingdings" charset="2"/>
+              <a:buChar char="Ø"/>
+            </a:pPr>
+            <a:r>
+              <a:rPr lang="en-US" dirty="0"/>
+              <a:t>Judge ruled that statistical evidence should not be allowed at trial.</a:t>
+            </a:r>
+          </a:p>
+          <a:p>
+            <a:pPr marL="471487" indent="-457200">
+              <a:buFont typeface="Wingdings" charset="2"/>
+              <a:buChar char="Ø"/>
+            </a:pPr>
+            <a:r>
+              <a:rPr lang="en-US" dirty="0"/>
+              <a:t>Jury found Gilbert guilty on 3 counts of first-degree murder and 2 counts of attempted murder.</a:t>
+            </a:r>
+          </a:p>
+          <a:p>
+            <a:pPr marL="471487" indent="-457200">
+              <a:buFont typeface="Wingdings" charset="2"/>
+              <a:buChar char="Ø"/>
+            </a:pPr>
+            <a:r>
+              <a:rPr lang="en-US" dirty="0"/>
+              <a:t>Jury voted 8-4 for a death penalty. </a:t>
+            </a:r>
+          </a:p>
+          <a:p>
+            <a:pPr marL="471487" indent="-457200">
+              <a:buFont typeface="Wingdings" charset="2"/>
+              <a:buChar char="Ø"/>
+            </a:pPr>
+            <a:r>
+              <a:rPr lang="en-US" dirty="0"/>
+              <a:t>Gilbert was given life in prison without possibility of parole.</a:t>
+            </a:r>
+          </a:p>
+        </p:txBody>
+      </p:sp>
+    </p:spTree>
+    <p:extLst>
+      <p:ext uri="{BB962C8B-B14F-4D97-AF65-F5344CB8AC3E}">
+        <p14:creationId xmlns:p14="http://schemas.microsoft.com/office/powerpoint/2010/main" val="1522781827"/>
+      </p:ext>
+    </p:extLst>
+  </p:cSld>
+  <p:clrMapOvr>
+    <a:masterClrMapping/>
+  </p:clrMapOvr>
+</p:sld>
+</file>
+
 <file path=ppt/slides/slide38.xml><?xml version="1.0" encoding="utf-8"?>
 <p:sld xmlns:a="http://schemas.openxmlformats.org/drawingml/2006/main" xmlns:r="http://schemas.openxmlformats.org/officeDocument/2006/relationships" xmlns:p="http://schemas.openxmlformats.org/presentationml/2006/main">
   <p:cSld>
@@ -14501,7 +14271,7 @@
           <a:p>
             <a:r>
               <a:rPr lang="en-US" dirty="0"/>
-              <a:t>Conclusion</a:t>
+              <a:t>Hypothesis Testing</a:t>
             </a:r>
           </a:p>
         </p:txBody>
@@ -14523,61 +14293,62 @@
           </a:bodyPr>
           <a:lstStyle/>
           <a:p>
-            <a:pPr marL="471487" indent="-457200">
-              <a:buFont typeface="Wingdings" charset="2"/>
-              <a:buChar char="Ø"/>
-            </a:pPr>
+            <a:r>
+              <a:rPr lang="en-US" b="1" dirty="0"/>
+              <a:t>Null Model</a:t>
+            </a:r>
             <a:r>
               <a:rPr lang="en-US" dirty="0"/>
-              <a:t>It is very easy to be tempted by the false logic (that the probability is the chance of innocence).</a:t>
-            </a:r>
-          </a:p>
-          <a:p>
-            <a:pPr marL="471487" indent="-457200">
-              <a:buFont typeface="Wingdings" charset="2"/>
-              <a:buChar char="Ø"/>
-            </a:pPr>
+              <a:t>: Probability model for explaining the chance process for generating the data (the Devil’s advocate process)</a:t>
+            </a:r>
+          </a:p>
+          <a:p>
+            <a:r>
+              <a:rPr lang="en-US" b="1" dirty="0"/>
+              <a:t>Test Statistic</a:t>
+            </a:r>
             <a:r>
               <a:rPr lang="en-US" dirty="0"/>
-              <a:t>Judge ruled that statistical evidence should not be allowed at trial.</a:t>
-            </a:r>
-          </a:p>
-          <a:p>
-            <a:pPr marL="471487" indent="-457200">
-              <a:buFont typeface="Wingdings" charset="2"/>
-              <a:buChar char="Ø"/>
-            </a:pPr>
+              <a:t>: summary of data, under the null model it has a sampling distribution</a:t>
+            </a:r>
+          </a:p>
+          <a:p>
+            <a:r>
+              <a:rPr lang="en-US" b="1" dirty="0"/>
+              <a:t>Null Hypothesis</a:t>
+            </a:r>
             <a:r>
               <a:rPr lang="en-US" dirty="0"/>
-              <a:t>Jury found Gilbert guilty on 3 counts of first-degree murder and 2 counts of attempted murder.</a:t>
-            </a:r>
-          </a:p>
-          <a:p>
-            <a:pPr marL="471487" indent="-457200">
-              <a:buFont typeface="Wingdings" charset="2"/>
-              <a:buChar char="Ø"/>
-            </a:pPr>
+              <a:t>: Any deviation from what is expected is due to chance variability described by the null model.</a:t>
+            </a:r>
+          </a:p>
+          <a:p>
+            <a:r>
+              <a:rPr lang="en-US" b="1" dirty="0"/>
+              <a:t>Alternative Hypothesis:</a:t>
+            </a:r>
             <a:r>
               <a:rPr lang="en-US" dirty="0"/>
-              <a:t>Jury voted 8-4 for a death penalty. </a:t>
-            </a:r>
-          </a:p>
-          <a:p>
-            <a:pPr marL="471487" indent="-457200">
-              <a:buFont typeface="Wingdings" charset="2"/>
-              <a:buChar char="Ø"/>
-            </a:pPr>
+              <a:t> An alternative to the null hypothesis</a:t>
+            </a:r>
+            <a:r>
+              <a:rPr lang="en-US" b="1" dirty="0"/>
+              <a:t>.  </a:t>
+            </a:r>
             <a:r>
               <a:rPr lang="en-US" dirty="0"/>
-              <a:t>Gilbert was given life in prison without possibility of parole.</a:t>
-            </a:r>
+              <a:t>This may be a simple as “The difference is real”.</a:t>
+            </a:r>
+          </a:p>
+          <a:p>
+            <a:endParaRPr lang="en-US" dirty="0"/>
           </a:p>
         </p:txBody>
       </p:sp>
     </p:spTree>
     <p:extLst>
       <p:ext uri="{BB962C8B-B14F-4D97-AF65-F5344CB8AC3E}">
-        <p14:creationId xmlns:p14="http://schemas.microsoft.com/office/powerpoint/2010/main" val="1522781827"/>
+        <p14:creationId xmlns:p14="http://schemas.microsoft.com/office/powerpoint/2010/main" val="1831545090"/>
       </p:ext>
     </p:extLst>
   </p:cSld>
@@ -14639,55 +14410,45 @@
         <p:spPr/>
         <p:txBody>
           <a:bodyPr>
-            <a:normAutofit lnSpcReduction="10000"/>
+            <a:normAutofit/>
           </a:bodyPr>
           <a:lstStyle/>
           <a:p>
             <a:r>
+              <a:rPr lang="en-US" b="1" dirty="0" err="1"/>
+              <a:t>p</a:t>
+            </a:r>
+            <a:r>
               <a:rPr lang="en-US" b="1" dirty="0"/>
-              <a:t>Null Model</a:t>
+              <a:t>-value</a:t>
             </a:r>
             <a:r>
               <a:rPr lang="en-US" dirty="0"/>
-              <a:t>: Probability model for explaining the chance process for generating the data (the Devil’s advocate process)</a:t>
-            </a:r>
-          </a:p>
-          <a:p>
-            <a:r>
-              <a:rPr lang="en-US" b="1" dirty="0"/>
-              <a:t>Test Statistic</a:t>
-            </a:r>
+              <a:t>: Chance of an outcome as rare or even more rare than the one observed, </a:t>
+            </a:r>
+            <a:r>
+              <a:rPr lang="en-US" i="1" dirty="0"/>
+              <a:t>under the assumptions of the null model.</a:t>
+            </a:r>
+          </a:p>
+          <a:p>
             <a:r>
               <a:rPr lang="en-US" dirty="0"/>
-              <a:t>: summary of data, under the null model it has a sampling distribution</a:t>
-            </a:r>
-          </a:p>
-          <a:p>
-            <a:r>
-              <a:rPr lang="en-US" b="1" dirty="0"/>
-              <a:t>Null Hypothesis</a:t>
+              <a:t>If the </a:t>
+            </a:r>
+            <a:r>
+              <a:rPr lang="en-US" dirty="0" err="1"/>
+              <a:t>p</a:t>
             </a:r>
             <a:r>
               <a:rPr lang="en-US" dirty="0"/>
-              <a:t>: Any deviation from what is expected is due to chance variability described by the null model.</a:t>
-            </a:r>
-          </a:p>
-          <a:p>
-            <a:r>
-              <a:rPr lang="en-US" b="1" dirty="0"/>
-              <a:t>Alternative Hypothesis:</a:t>
-            </a:r>
+              <a:t>-value is very small, we reject the explanation of chance variability and say that we are convinced that “there is something going on”</a:t>
+            </a:r>
+          </a:p>
+          <a:p>
             <a:r>
               <a:rPr lang="en-US" dirty="0"/>
-              <a:t> An alternative to the null hypothesis</a:t>
-            </a:r>
-            <a:r>
-              <a:rPr lang="en-US" b="1" dirty="0"/>
-              <a:t>.  </a:t>
-            </a:r>
-            <a:r>
-              <a:rPr lang="en-US" dirty="0"/>
-              <a:t>This may be a simple as “The difference is real”.</a:t>
+              <a:t>Depending on the circumstances of the data collection, we may be able to make a stronger statement about the cause.</a:t>
             </a:r>
           </a:p>
           <a:p>
@@ -14698,7 +14459,7 @@
     </p:spTree>
     <p:extLst>
       <p:ext uri="{BB962C8B-B14F-4D97-AF65-F5344CB8AC3E}">
-        <p14:creationId xmlns:p14="http://schemas.microsoft.com/office/powerpoint/2010/main" val="1831545090"/>
+        <p14:creationId xmlns:p14="http://schemas.microsoft.com/office/powerpoint/2010/main" val="747731532"/>
       </p:ext>
     </p:extLst>
   </p:cSld>
@@ -14889,51 +14650,116 @@
           <a:lstStyle/>
           <a:p>
             <a:r>
-              <a:rPr lang="en-US" b="1" dirty="0" err="1"/>
-              <a:t>p</a:t>
+              <a:rPr lang="en-US" dirty="0"/>
+              <a:t>We have </a:t>
             </a:r>
             <a:r>
               <a:rPr lang="en-US" b="1" dirty="0"/>
-              <a:t>-value</a:t>
+              <a:t>not</a:t>
             </a:r>
             <a:r>
               <a:rPr lang="en-US" dirty="0"/>
-              <a:t>: Chance of an outcome as rare or even more rare than the one observed, </a:t>
-            </a:r>
-            <a:r>
-              <a:rPr lang="en-US" i="1" dirty="0"/>
-              <a:t>under the assumptions of the null model.</a:t>
+              <a:t> proven that the null model is false.</a:t>
             </a:r>
           </a:p>
           <a:p>
             <a:r>
               <a:rPr lang="en-US" dirty="0"/>
-              <a:t>If the </a:t>
+              <a:t>Our observed test statistic is </a:t>
+            </a:r>
+            <a:r>
+              <a:rPr lang="en-US" b="1" dirty="0"/>
+              <a:t>inconsistent</a:t>
+            </a:r>
+            <a:r>
+              <a:rPr lang="en-US" dirty="0"/>
+              <a:t> with what the null predicts, then the data are inconsistent with the null. So we </a:t>
+            </a:r>
+            <a:r>
+              <a:rPr lang="en-US" b="1" dirty="0"/>
+              <a:t>reject the null hypothesis</a:t>
+            </a:r>
+            <a:r>
+              <a:rPr lang="en-US" dirty="0"/>
+              <a:t>.</a:t>
+            </a:r>
+          </a:p>
+          <a:p>
+            <a:r>
+              <a:rPr lang="en-US" dirty="0"/>
+              <a:t>If our observed test statistic is </a:t>
+            </a:r>
+            <a:r>
+              <a:rPr lang="en-US" b="1" dirty="0"/>
+              <a:t>consistent</a:t>
+            </a:r>
+            <a:r>
+              <a:rPr lang="en-US" dirty="0"/>
+              <a:t> with what the null predicts, we </a:t>
+            </a:r>
+            <a:r>
+              <a:rPr lang="en-US" b="1" dirty="0"/>
+              <a:t>can’t reject the null hypothesis</a:t>
+            </a:r>
+            <a:r>
+              <a:rPr lang="en-US" dirty="0"/>
+              <a:t>.</a:t>
+            </a:r>
+          </a:p>
+          <a:p>
+            <a:endParaRPr lang="en-US" dirty="0"/>
+          </a:p>
+          <a:p>
+            <a:endParaRPr lang="en-US" dirty="0"/>
+          </a:p>
+        </p:txBody>
+      </p:sp>
+      <p:sp>
+        <p:nvSpPr>
+          <p:cNvPr id="4" name="TextBox 3">
+            <a:extLst>
+              <a:ext uri="{FF2B5EF4-FFF2-40B4-BE49-F238E27FC236}">
+                <a16:creationId xmlns:a16="http://schemas.microsoft.com/office/drawing/2014/main" id="{613A28AF-B175-6D46-8CAF-3B2DDD7113AA}"/>
+              </a:ext>
+            </a:extLst>
+          </p:cNvPr>
+          <p:cNvSpPr txBox="1"/>
+          <p:nvPr/>
+        </p:nvSpPr>
+        <p:spPr>
+          <a:xfrm>
+            <a:off x="7128587" y="6356351"/>
+            <a:ext cx="4969630" cy="369332"/>
+          </a:xfrm>
+          <a:prstGeom prst="rect">
+            <a:avLst/>
+          </a:prstGeom>
+        </p:spPr>
+        <p:txBody>
+          <a:bodyPr wrap="none" rtlCol="0">
+            <a:spAutoFit/>
+          </a:bodyPr>
+          <a:lstStyle/>
+          <a:p>
+            <a:r>
+              <a:rPr lang="en-US" dirty="0"/>
+              <a:t>This and next few slides: A. </a:t>
             </a:r>
             <a:r>
               <a:rPr lang="en-US" dirty="0" err="1"/>
-              <a:t>p</a:t>
+              <a:t>Adikhari</a:t>
             </a:r>
             <a:r>
               <a:rPr lang="en-US" dirty="0"/>
-              <a:t>-value is very small, we reject the explanation of chance variability and say that we are convinced that “there is something going on”</a:t>
-            </a:r>
-          </a:p>
-          <a:p>
-            <a:r>
-              <a:rPr lang="en-US" dirty="0"/>
-              <a:t>Depending on the circumstances of the data collection, we may be able to make a stronger statement about the cause.</a:t>
-            </a:r>
-          </a:p>
-          <a:p>
-            <a:endParaRPr lang="en-US" dirty="0"/>
+              <a:t>, Data 8</a:t>
+            </a:r>
           </a:p>
         </p:txBody>
       </p:sp>
     </p:spTree>
     <p:extLst>
       <p:ext uri="{BB962C8B-B14F-4D97-AF65-F5344CB8AC3E}">
-        <p14:creationId xmlns:p14="http://schemas.microsoft.com/office/powerpoint/2010/main" val="747731532"/>
+        <p14:creationId xmlns:p14="http://schemas.microsoft.com/office/powerpoint/2010/main" val="49556080"/>
       </p:ext>
     </p:extLst>
   </p:cSld>
@@ -14962,146 +14788,56 @@
       </p:grpSpPr>
       <p:sp>
         <p:nvSpPr>
-          <p:cNvPr id="2" name="Title 1"/>
-          <p:cNvSpPr>
-            <a:spLocks noGrp="1"/>
-          </p:cNvSpPr>
-          <p:nvPr>
-            <p:ph type="title"/>
-          </p:nvPr>
-        </p:nvSpPr>
-        <p:spPr/>
-        <p:txBody>
-          <a:bodyPr/>
-          <a:lstStyle/>
-          <a:p>
-            <a:r>
-              <a:rPr lang="en-US" dirty="0"/>
-              <a:t>Hypothesis Testing</a:t>
-            </a:r>
-          </a:p>
-        </p:txBody>
-      </p:sp>
-      <p:sp>
-        <p:nvSpPr>
-          <p:cNvPr id="3" name="Content Placeholder 2"/>
-          <p:cNvSpPr>
-            <a:spLocks noGrp="1"/>
-          </p:cNvSpPr>
-          <p:nvPr>
-            <p:ph idx="1"/>
-          </p:nvPr>
-        </p:nvSpPr>
-        <p:spPr/>
-        <p:txBody>
-          <a:bodyPr>
-            <a:normAutofit/>
-          </a:bodyPr>
-          <a:lstStyle/>
-          <a:p>
-            <a:r>
-              <a:rPr lang="en-US" dirty="0"/>
-              <a:t>We have </a:t>
-            </a:r>
-            <a:r>
-              <a:rPr lang="en-US" b="1" dirty="0"/>
-              <a:t>not</a:t>
-            </a:r>
-            <a:r>
-              <a:rPr lang="en-US" dirty="0"/>
-              <a:t> proven that the null model is false.</a:t>
-            </a:r>
-          </a:p>
-          <a:p>
-            <a:r>
-              <a:rPr lang="en-US" dirty="0"/>
-              <a:t>Our observed test statistic is </a:t>
-            </a:r>
-            <a:r>
-              <a:rPr lang="en-US" b="1" dirty="0"/>
-              <a:t>inconsistent</a:t>
-            </a:r>
-            <a:r>
-              <a:rPr lang="en-US" dirty="0"/>
-              <a:t> with what the null predicts, then the data are inconsistent with the null. So we </a:t>
-            </a:r>
-            <a:r>
-              <a:rPr lang="en-US" b="1" dirty="0"/>
-              <a:t>reject the null hypothesis</a:t>
-            </a:r>
-            <a:r>
-              <a:rPr lang="en-US" dirty="0"/>
-              <a:t>.</a:t>
-            </a:r>
-          </a:p>
-          <a:p>
-            <a:r>
-              <a:rPr lang="en-US" dirty="0"/>
-              <a:t>If our observed test statistic is </a:t>
-            </a:r>
-            <a:r>
-              <a:rPr lang="en-US" b="1" dirty="0"/>
-              <a:t>consistent</a:t>
-            </a:r>
-            <a:r>
-              <a:rPr lang="en-US" dirty="0"/>
-              <a:t> with what the null predicts, we </a:t>
-            </a:r>
-            <a:r>
-              <a:rPr lang="en-US" b="1" dirty="0"/>
-              <a:t>can’t reject the null hypothesis</a:t>
-            </a:r>
-            <a:r>
-              <a:rPr lang="en-US" dirty="0"/>
-              <a:t>.</a:t>
-            </a:r>
-          </a:p>
-          <a:p>
-            <a:endParaRPr lang="en-US" dirty="0"/>
-          </a:p>
-          <a:p>
-            <a:endParaRPr lang="en-US" dirty="0"/>
-          </a:p>
-        </p:txBody>
-      </p:sp>
-      <p:sp>
-        <p:nvSpPr>
-          <p:cNvPr id="4" name="TextBox 3">
+          <p:cNvPr id="4" name="Title 3">
             <a:extLst>
               <a:ext uri="{FF2B5EF4-FFF2-40B4-BE49-F238E27FC236}">
-                <a16:creationId xmlns:a16="http://schemas.microsoft.com/office/drawing/2014/main" id="{613A28AF-B175-6D46-8CAF-3B2DDD7113AA}"/>
+                <a16:creationId xmlns:a16="http://schemas.microsoft.com/office/drawing/2014/main" id="{48D21BB9-1EAF-2948-B096-6CB48C4B0BE6}"/>
               </a:ext>
             </a:extLst>
           </p:cNvPr>
-          <p:cNvSpPr txBox="1"/>
-          <p:nvPr/>
-        </p:nvSpPr>
-        <p:spPr>
-          <a:xfrm>
-            <a:off x="7128587" y="6356351"/>
-            <a:ext cx="4969630" cy="369332"/>
-          </a:xfrm>
-          <a:prstGeom prst="rect">
-            <a:avLst/>
-          </a:prstGeom>
-        </p:spPr>
-        <p:txBody>
-          <a:bodyPr wrap="none" rtlCol="0">
-            <a:spAutoFit/>
-          </a:bodyPr>
+          <p:cNvSpPr>
+            <a:spLocks noGrp="1"/>
+          </p:cNvSpPr>
+          <p:nvPr>
+            <p:ph type="title"/>
+          </p:nvPr>
+        </p:nvSpPr>
+        <p:spPr/>
+        <p:txBody>
+          <a:bodyPr/>
           <a:lstStyle/>
           <a:p>
             <a:r>
               <a:rPr lang="en-US" dirty="0"/>
-              <a:t>This and next few slides: A. </a:t>
-            </a:r>
-            <a:r>
-              <a:rPr lang="en-US" dirty="0" err="1"/>
-              <a:t>Adikhari</a:t>
-            </a:r>
+              <a:t>“Inconsistent”</a:t>
+            </a:r>
+          </a:p>
+        </p:txBody>
+      </p:sp>
+      <p:sp>
+        <p:nvSpPr>
+          <p:cNvPr id="5" name="Text Placeholder 4">
+            <a:extLst>
+              <a:ext uri="{FF2B5EF4-FFF2-40B4-BE49-F238E27FC236}">
+                <a16:creationId xmlns:a16="http://schemas.microsoft.com/office/drawing/2014/main" id="{99F9F2E0-99F3-9D4E-959B-EA9ED5B7C963}"/>
+              </a:ext>
+            </a:extLst>
+          </p:cNvPr>
+          <p:cNvSpPr>
+            <a:spLocks noGrp="1"/>
+          </p:cNvSpPr>
+          <p:nvPr>
+            <p:ph type="body" idx="1"/>
+          </p:nvPr>
+        </p:nvSpPr>
+        <p:spPr/>
+        <p:txBody>
+          <a:bodyPr/>
+          <a:lstStyle/>
+          <a:p>
             <a:r>
               <a:rPr lang="en-US" dirty="0"/>
-              <a:t>, Data 8</a:t>
+              <a:t>What does “inconsistent” mean??</a:t>
             </a:r>
           </a:p>
         </p:txBody>
@@ -15109,7 +14845,7 @@
     </p:spTree>
     <p:extLst>
       <p:ext uri="{BB962C8B-B14F-4D97-AF65-F5344CB8AC3E}">
-        <p14:creationId xmlns:p14="http://schemas.microsoft.com/office/powerpoint/2010/main" val="49556080"/>
+        <p14:creationId xmlns:p14="http://schemas.microsoft.com/office/powerpoint/2010/main" val="3108209429"/>
       </p:ext>
     </p:extLst>
   </p:cSld>
@@ -15120,6 +14856,421 @@
 </file>
 
 <file path=ppt/slides/slide42.xml><?xml version="1.0" encoding="utf-8"?>
+<p:sld xmlns:a="http://schemas.openxmlformats.org/drawingml/2006/main" xmlns:r="http://schemas.openxmlformats.org/officeDocument/2006/relationships" xmlns:p="http://schemas.openxmlformats.org/presentationml/2006/main">
+  <p:cSld>
+    <p:spTree>
+      <p:nvGrpSpPr>
+        <p:cNvPr id="1" name="Shape 112"/>
+        <p:cNvGrpSpPr/>
+        <p:nvPr/>
+      </p:nvGrpSpPr>
+      <p:grpSpPr>
+        <a:xfrm>
+          <a:off x="0" y="0"/>
+          <a:ext cx="0" cy="0"/>
+          <a:chOff x="0" y="0"/>
+          <a:chExt cx="0" cy="0"/>
+        </a:xfrm>
+      </p:grpSpPr>
+      <p:sp>
+        <p:nvSpPr>
+          <p:cNvPr id="113" name="Shape 113"/>
+          <p:cNvSpPr txBox="1">
+            <a:spLocks noGrp="1"/>
+          </p:cNvSpPr>
+          <p:nvPr>
+            <p:ph type="title"/>
+          </p:nvPr>
+        </p:nvSpPr>
+        <p:spPr>
+          <a:xfrm>
+            <a:off x="1965000" y="248572"/>
+            <a:ext cx="8229600" cy="906000"/>
+          </a:xfrm>
+          <a:prstGeom prst="rect">
+            <a:avLst/>
+          </a:prstGeom>
+        </p:spPr>
+        <p:txBody>
+          <a:bodyPr vert="horz" lIns="91425" tIns="91425" rIns="91425" bIns="91425" rtlCol="0" anchor="b" anchorCtr="0">
+            <a:noAutofit/>
+          </a:bodyPr>
+          <a:lstStyle/>
+          <a:p>
+            <a:r>
+              <a:rPr lang="en"/>
+              <a:t>“Inconsistent”: the conventions</a:t>
+            </a:r>
+          </a:p>
+        </p:txBody>
+      </p:sp>
+      <p:sp>
+        <p:nvSpPr>
+          <p:cNvPr id="114" name="Shape 114"/>
+          <p:cNvSpPr txBox="1">
+            <a:spLocks noGrp="1"/>
+          </p:cNvSpPr>
+          <p:nvPr>
+            <p:ph type="body" idx="1"/>
+          </p:nvPr>
+        </p:nvSpPr>
+        <p:spPr>
+          <a:xfrm>
+            <a:off x="1981200" y="1308250"/>
+            <a:ext cx="8229600" cy="4804200"/>
+          </a:xfrm>
+          <a:prstGeom prst="rect">
+            <a:avLst/>
+          </a:prstGeom>
+        </p:spPr>
+        <p:txBody>
+          <a:bodyPr vert="horz" lIns="91425" tIns="91425" rIns="91425" bIns="91425" rtlCol="0" anchor="t" anchorCtr="0">
+            <a:noAutofit/>
+          </a:bodyPr>
+          <a:lstStyle/>
+          <a:p>
+            <a:pPr marL="457200" indent="-228600">
+              <a:buClr>
+                <a:srgbClr val="D89F39"/>
+              </a:buClr>
+            </a:pPr>
+            <a:r>
+              <a:rPr lang="en" b="1">
+                <a:solidFill>
+                  <a:srgbClr val="003262"/>
+                </a:solidFill>
+              </a:rPr>
+              <a:t>“Inconsistent”: </a:t>
+            </a:r>
+            <a:r>
+              <a:rPr lang="en">
+                <a:solidFill>
+                  <a:srgbClr val="000000"/>
+                </a:solidFill>
+              </a:rPr>
+              <a:t>The test statistic is in the tail of the null distribution.</a:t>
+            </a:r>
+          </a:p>
+          <a:p>
+            <a:endParaRPr sz="700">
+              <a:solidFill>
+                <a:srgbClr val="000000"/>
+              </a:solidFill>
+            </a:endParaRPr>
+          </a:p>
+          <a:p>
+            <a:pPr marL="457200" indent="-228600">
+              <a:buClr>
+                <a:srgbClr val="D89F39"/>
+              </a:buClr>
+            </a:pPr>
+            <a:r>
+              <a:rPr lang="en" b="1">
+                <a:solidFill>
+                  <a:srgbClr val="003262"/>
+                </a:solidFill>
+              </a:rPr>
+              <a:t>“In the tail,” first convention:</a:t>
+            </a:r>
+          </a:p>
+          <a:p>
+            <a:pPr marL="914400" lvl="1" indent="-228600">
+              <a:buClr>
+                <a:srgbClr val="D89F39"/>
+              </a:buClr>
+            </a:pPr>
+            <a:r>
+              <a:rPr lang="en" sz="3000">
+                <a:solidFill>
+                  <a:srgbClr val="000000"/>
+                </a:solidFill>
+              </a:rPr>
+              <a:t>The area in the tail is less than 5%.</a:t>
+            </a:r>
+          </a:p>
+          <a:p>
+            <a:pPr marL="914400" lvl="1" indent="-419100">
+              <a:buClr>
+                <a:srgbClr val="D89F39"/>
+              </a:buClr>
+              <a:buSzPct val="100000"/>
+            </a:pPr>
+            <a:r>
+              <a:rPr lang="en" sz="3000">
+                <a:solidFill>
+                  <a:srgbClr val="000000"/>
+                </a:solidFill>
+              </a:rPr>
+              <a:t>The result is “statistically significant.”</a:t>
+            </a:r>
+          </a:p>
+          <a:p>
+            <a:endParaRPr sz="800">
+              <a:solidFill>
+                <a:srgbClr val="003262"/>
+              </a:solidFill>
+            </a:endParaRPr>
+          </a:p>
+          <a:p>
+            <a:pPr marL="457200" indent="-228600">
+              <a:buClr>
+                <a:srgbClr val="D89F39"/>
+              </a:buClr>
+            </a:pPr>
+            <a:r>
+              <a:rPr lang="en" b="1">
+                <a:solidFill>
+                  <a:srgbClr val="003262"/>
+                </a:solidFill>
+              </a:rPr>
+              <a:t>“In the tail,” second convention:</a:t>
+            </a:r>
+          </a:p>
+          <a:p>
+            <a:pPr marL="914400" lvl="1" indent="-228600">
+              <a:buClr>
+                <a:srgbClr val="D89F39"/>
+              </a:buClr>
+            </a:pPr>
+            <a:r>
+              <a:rPr lang="en" sz="3000"/>
+              <a:t>The area in the tail is less than 1%.</a:t>
+            </a:r>
+          </a:p>
+          <a:p>
+            <a:pPr marL="914400" lvl="1" indent="-419100">
+              <a:buClr>
+                <a:srgbClr val="D89F39"/>
+              </a:buClr>
+              <a:buSzPct val="100000"/>
+            </a:pPr>
+            <a:r>
+              <a:rPr lang="en" sz="3000"/>
+              <a:t>The result is “highly statistically significant.”</a:t>
+            </a:r>
+          </a:p>
+        </p:txBody>
+      </p:sp>
+    </p:spTree>
+    <p:extLst>
+      <p:ext uri="{BB962C8B-B14F-4D97-AF65-F5344CB8AC3E}">
+        <p14:creationId xmlns:p14="http://schemas.microsoft.com/office/powerpoint/2010/main" val="2915246477"/>
+      </p:ext>
+    </p:extLst>
+  </p:cSld>
+  <p:clrMapOvr>
+    <a:masterClrMapping/>
+  </p:clrMapOvr>
+</p:sld>
+</file>
+
+<file path=ppt/slides/slide43.xml><?xml version="1.0" encoding="utf-8"?>
+<p:sld xmlns:a="http://schemas.openxmlformats.org/drawingml/2006/main" xmlns:r="http://schemas.openxmlformats.org/officeDocument/2006/relationships" xmlns:p="http://schemas.openxmlformats.org/presentationml/2006/main">
+  <p:cSld>
+    <p:spTree>
+      <p:nvGrpSpPr>
+        <p:cNvPr id="1" name="Shape 118"/>
+        <p:cNvGrpSpPr/>
+        <p:nvPr/>
+      </p:nvGrpSpPr>
+      <p:grpSpPr>
+        <a:xfrm>
+          <a:off x="0" y="0"/>
+          <a:ext cx="0" cy="0"/>
+          <a:chOff x="0" y="0"/>
+          <a:chExt cx="0" cy="0"/>
+        </a:xfrm>
+      </p:grpSpPr>
+      <p:sp>
+        <p:nvSpPr>
+          <p:cNvPr id="119" name="Shape 119"/>
+          <p:cNvSpPr txBox="1">
+            <a:spLocks noGrp="1"/>
+          </p:cNvSpPr>
+          <p:nvPr>
+            <p:ph type="title"/>
+          </p:nvPr>
+        </p:nvSpPr>
+        <p:spPr>
+          <a:xfrm>
+            <a:off x="1965000" y="248572"/>
+            <a:ext cx="8229600" cy="906000"/>
+          </a:xfrm>
+          <a:prstGeom prst="rect">
+            <a:avLst/>
+          </a:prstGeom>
+        </p:spPr>
+        <p:txBody>
+          <a:bodyPr vert="horz" lIns="91425" tIns="91425" rIns="91425" bIns="91425" rtlCol="0" anchor="b" anchorCtr="0">
+            <a:noAutofit/>
+          </a:bodyPr>
+          <a:lstStyle/>
+          <a:p>
+            <a:r>
+              <a:rPr lang="en"/>
+              <a:t>Sir Ronald Fisher, 1925</a:t>
+            </a:r>
+          </a:p>
+        </p:txBody>
+      </p:sp>
+      <p:sp>
+        <p:nvSpPr>
+          <p:cNvPr id="120" name="Shape 120"/>
+          <p:cNvSpPr txBox="1">
+            <a:spLocks noGrp="1"/>
+          </p:cNvSpPr>
+          <p:nvPr>
+            <p:ph type="body" idx="1"/>
+          </p:nvPr>
+        </p:nvSpPr>
+        <p:spPr>
+          <a:xfrm>
+            <a:off x="1244988" y="2492176"/>
+            <a:ext cx="9669624" cy="2377500"/>
+          </a:xfrm>
+          <a:prstGeom prst="rect">
+            <a:avLst/>
+          </a:prstGeom>
+        </p:spPr>
+        <p:txBody>
+          <a:bodyPr vert="horz" lIns="91425" tIns="91425" rIns="91425" bIns="91425" rtlCol="0" anchor="t" anchorCtr="0">
+            <a:noAutofit/>
+          </a:bodyPr>
+          <a:lstStyle/>
+          <a:p>
+            <a:r>
+              <a:rPr lang="en" sz="3600" dirty="0">
+                <a:solidFill>
+                  <a:srgbClr val="003262"/>
+                </a:solidFill>
+              </a:rPr>
+              <a:t>“It is convenient to take this point [5%] as a limit in judging whether a deviation is to be considered significant or not.”</a:t>
+            </a:r>
+          </a:p>
+          <a:p>
+            <a:r>
+              <a:rPr lang="en" sz="3600" dirty="0"/>
+              <a:t>–– </a:t>
+            </a:r>
+            <a:r>
+              <a:rPr lang="en" sz="3600" i="1" dirty="0"/>
+              <a:t>Statistical Methods for Research Workers</a:t>
+            </a:r>
+          </a:p>
+        </p:txBody>
+      </p:sp>
+    </p:spTree>
+    <p:extLst>
+      <p:ext uri="{BB962C8B-B14F-4D97-AF65-F5344CB8AC3E}">
+        <p14:creationId xmlns:p14="http://schemas.microsoft.com/office/powerpoint/2010/main" val="2216260313"/>
+      </p:ext>
+    </p:extLst>
+  </p:cSld>
+  <p:clrMapOvr>
+    <a:masterClrMapping/>
+  </p:clrMapOvr>
+</p:sld>
+</file>
+
+<file path=ppt/slides/slide44.xml><?xml version="1.0" encoding="utf-8"?>
+<p:sld xmlns:a="http://schemas.openxmlformats.org/drawingml/2006/main" xmlns:r="http://schemas.openxmlformats.org/officeDocument/2006/relationships" xmlns:p="http://schemas.openxmlformats.org/presentationml/2006/main">
+  <p:cSld>
+    <p:spTree>
+      <p:nvGrpSpPr>
+        <p:cNvPr id="1" name="Shape 124"/>
+        <p:cNvGrpSpPr/>
+        <p:nvPr/>
+      </p:nvGrpSpPr>
+      <p:grpSpPr>
+        <a:xfrm>
+          <a:off x="0" y="0"/>
+          <a:ext cx="0" cy="0"/>
+          <a:chOff x="0" y="0"/>
+          <a:chExt cx="0" cy="0"/>
+        </a:xfrm>
+      </p:grpSpPr>
+      <p:sp>
+        <p:nvSpPr>
+          <p:cNvPr id="125" name="Shape 125"/>
+          <p:cNvSpPr txBox="1">
+            <a:spLocks noGrp="1"/>
+          </p:cNvSpPr>
+          <p:nvPr>
+            <p:ph type="title"/>
+          </p:nvPr>
+        </p:nvSpPr>
+        <p:spPr>
+          <a:xfrm>
+            <a:off x="1965000" y="248572"/>
+            <a:ext cx="8229600" cy="906000"/>
+          </a:xfrm>
+          <a:prstGeom prst="rect">
+            <a:avLst/>
+          </a:prstGeom>
+        </p:spPr>
+        <p:txBody>
+          <a:bodyPr vert="horz" lIns="91425" tIns="91425" rIns="91425" bIns="91425" rtlCol="0" anchor="b" anchorCtr="0">
+            <a:noAutofit/>
+          </a:bodyPr>
+          <a:lstStyle/>
+          <a:p>
+            <a:r>
+              <a:rPr lang="en"/>
+              <a:t>Sir Ronald Fisher, 1926</a:t>
+            </a:r>
+          </a:p>
+        </p:txBody>
+      </p:sp>
+      <p:sp>
+        <p:nvSpPr>
+          <p:cNvPr id="126" name="Shape 126"/>
+          <p:cNvSpPr txBox="1">
+            <a:spLocks noGrp="1"/>
+          </p:cNvSpPr>
+          <p:nvPr>
+            <p:ph type="body" idx="1"/>
+          </p:nvPr>
+        </p:nvSpPr>
+        <p:spPr>
+          <a:xfrm>
+            <a:off x="1328963" y="1891922"/>
+            <a:ext cx="9501673" cy="3148800"/>
+          </a:xfrm>
+          <a:prstGeom prst="rect">
+            <a:avLst/>
+          </a:prstGeom>
+        </p:spPr>
+        <p:txBody>
+          <a:bodyPr vert="horz" lIns="91425" tIns="91425" rIns="91425" bIns="91425" rtlCol="0" anchor="t" anchorCtr="0">
+            <a:noAutofit/>
+          </a:bodyPr>
+          <a:lstStyle/>
+          <a:p>
+            <a:r>
+              <a:rPr lang="en" sz="3600" dirty="0">
+                <a:solidFill>
+                  <a:srgbClr val="003262"/>
+                </a:solidFill>
+              </a:rPr>
+              <a:t>“If one in twenty does not seem high enough odds, we may, if we prefer it, draw the line at one in fifty (the 2 percent point), or one in a hundred (the 1 percent point). Personally, the author prefers to set a low standard of significance at the 5 percent point …”</a:t>
+            </a:r>
+          </a:p>
+        </p:txBody>
+      </p:sp>
+    </p:spTree>
+    <p:extLst>
+      <p:ext uri="{BB962C8B-B14F-4D97-AF65-F5344CB8AC3E}">
+        <p14:creationId xmlns:p14="http://schemas.microsoft.com/office/powerpoint/2010/main" val="1690630087"/>
+      </p:ext>
+    </p:extLst>
+  </p:cSld>
+  <p:clrMapOvr>
+    <a:masterClrMapping/>
+  </p:clrMapOvr>
+</p:sld>
+</file>
+
+<file path=ppt/slides/slide45.xml><?xml version="1.0" encoding="utf-8"?>
 <p:sld xmlns:a="http://schemas.openxmlformats.org/drawingml/2006/main" xmlns:r="http://schemas.openxmlformats.org/officeDocument/2006/relationships" xmlns:p="http://schemas.openxmlformats.org/presentationml/2006/main">
   <p:cSld>
     <p:spTree>
@@ -15138,10 +15289,10 @@
       </p:grpSpPr>
       <p:sp>
         <p:nvSpPr>
-          <p:cNvPr id="4" name="Title 3">
+          <p:cNvPr id="2" name="Title 1">
             <a:extLst>
               <a:ext uri="{FF2B5EF4-FFF2-40B4-BE49-F238E27FC236}">
-                <a16:creationId xmlns:a16="http://schemas.microsoft.com/office/drawing/2014/main" id="{48D21BB9-1EAF-2948-B096-6CB48C4B0BE6}"/>
+                <a16:creationId xmlns:a16="http://schemas.microsoft.com/office/drawing/2014/main" id="{39028F32-B754-7B49-A6C5-3EC6C1A3E94F}"/>
               </a:ext>
             </a:extLst>
           </p:cNvPr>
@@ -15159,17 +15310,17 @@
           <a:p>
             <a:r>
               <a:rPr lang="en-US" dirty="0"/>
-              <a:t>“Inconsistent”</a:t>
-            </a:r>
-          </a:p>
-        </p:txBody>
-      </p:sp>
-      <p:sp>
-        <p:nvSpPr>
-          <p:cNvPr id="5" name="Text Placeholder 4">
+              <a:t>K. Gilbert case - references</a:t>
+            </a:r>
+          </a:p>
+        </p:txBody>
+      </p:sp>
+      <p:sp>
+        <p:nvSpPr>
+          <p:cNvPr id="3" name="Content Placeholder 2">
             <a:extLst>
               <a:ext uri="{FF2B5EF4-FFF2-40B4-BE49-F238E27FC236}">
-                <a16:creationId xmlns:a16="http://schemas.microsoft.com/office/drawing/2014/main" id="{99F9F2E0-99F3-9D4E-959B-EA9ED5B7C963}"/>
+                <a16:creationId xmlns:a16="http://schemas.microsoft.com/office/drawing/2014/main" id="{78DD041A-AB83-084F-BE48-4E12C27037AC}"/>
               </a:ext>
             </a:extLst>
           </p:cNvPr>
@@ -15177,7 +15328,7 @@
             <a:spLocks noGrp="1"/>
           </p:cNvSpPr>
           <p:nvPr>
-            <p:ph type="body" idx="1"/>
+            <p:ph idx="1"/>
           </p:nvPr>
         </p:nvSpPr>
         <p:spPr/>
@@ -15187,7 +15338,37 @@
           <a:p>
             <a:r>
               <a:rPr lang="en-US" dirty="0"/>
-              <a:t>What does “inconsistent” mean??</a:t>
+              <a:t>Statistics in the courtroom: United States v. Kristen Gilbert, by G. Cobb and S. </a:t>
+            </a:r>
+            <a:r>
+              <a:rPr lang="en-US" dirty="0" err="1"/>
+              <a:t>Gehlbach</a:t>
+            </a:r>
+            <a:r>
+              <a:rPr lang="en-US" dirty="0"/>
+              <a:t>. STATS: The magazine for students of statistics, 41:3-8.</a:t>
+            </a:r>
+          </a:p>
+          <a:p>
+            <a:pPr lvl="1"/>
+            <a:r>
+              <a:rPr lang="en-US" sz="2000" dirty="0">
+                <a:hlinkClick r:id="rId2"/>
+              </a:rPr>
+              <a:t>https://math.buffalostate.edu/~wilsondc/MED588/KristenGilbert.pdf</a:t>
+            </a:r>
+            <a:endParaRPr lang="en-US" sz="2000" dirty="0"/>
+          </a:p>
+          <a:p>
+            <a:r>
+              <a:rPr lang="en-US" dirty="0">
+                <a:hlinkClick r:id="rId3"/>
+              </a:rPr>
+              <a:t>https://en.wikipedia.org/wiki/Kristen_Gilbert</a:t>
+            </a:r>
+            <a:r>
+              <a:rPr lang="en-US" dirty="0"/>
+              <a:t> </a:t>
             </a:r>
           </a:p>
         </p:txBody>
@@ -15195,422 +15376,7 @@
     </p:spTree>
     <p:extLst>
       <p:ext uri="{BB962C8B-B14F-4D97-AF65-F5344CB8AC3E}">
-        <p14:creationId xmlns:p14="http://schemas.microsoft.com/office/powerpoint/2010/main" val="3108209429"/>
-      </p:ext>
-    </p:extLst>
-  </p:cSld>
-  <p:clrMapOvr>
-    <a:masterClrMapping/>
-  </p:clrMapOvr>
-</p:sld>
-</file>
-
-<file path=ppt/slides/slide43.xml><?xml version="1.0" encoding="utf-8"?>
-<p:sld xmlns:a="http://schemas.openxmlformats.org/drawingml/2006/main" xmlns:r="http://schemas.openxmlformats.org/officeDocument/2006/relationships" xmlns:p="http://schemas.openxmlformats.org/presentationml/2006/main">
-  <p:cSld>
-    <p:spTree>
-      <p:nvGrpSpPr>
-        <p:cNvPr id="1" name="Shape 112"/>
-        <p:cNvGrpSpPr/>
-        <p:nvPr/>
-      </p:nvGrpSpPr>
-      <p:grpSpPr>
-        <a:xfrm>
-          <a:off x="0" y="0"/>
-          <a:ext cx="0" cy="0"/>
-          <a:chOff x="0" y="0"/>
-          <a:chExt cx="0" cy="0"/>
-        </a:xfrm>
-      </p:grpSpPr>
-      <p:sp>
-        <p:nvSpPr>
-          <p:cNvPr id="113" name="Shape 113"/>
-          <p:cNvSpPr txBox="1">
-            <a:spLocks noGrp="1"/>
-          </p:cNvSpPr>
-          <p:nvPr>
-            <p:ph type="title"/>
-          </p:nvPr>
-        </p:nvSpPr>
-        <p:spPr>
-          <a:xfrm>
-            <a:off x="1965000" y="248572"/>
-            <a:ext cx="8229600" cy="906000"/>
-          </a:xfrm>
-          <a:prstGeom prst="rect">
-            <a:avLst/>
-          </a:prstGeom>
-        </p:spPr>
-        <p:txBody>
-          <a:bodyPr vert="horz" lIns="91425" tIns="91425" rIns="91425" bIns="91425" rtlCol="0" anchor="b" anchorCtr="0">
-            <a:noAutofit/>
-          </a:bodyPr>
-          <a:lstStyle/>
-          <a:p>
-            <a:r>
-              <a:rPr lang="en"/>
-              <a:t>“Inconsistent”: the conventions</a:t>
-            </a:r>
-          </a:p>
-        </p:txBody>
-      </p:sp>
-      <p:sp>
-        <p:nvSpPr>
-          <p:cNvPr id="114" name="Shape 114"/>
-          <p:cNvSpPr txBox="1">
-            <a:spLocks noGrp="1"/>
-          </p:cNvSpPr>
-          <p:nvPr>
-            <p:ph type="body" idx="1"/>
-          </p:nvPr>
-        </p:nvSpPr>
-        <p:spPr>
-          <a:xfrm>
-            <a:off x="1981200" y="1308250"/>
-            <a:ext cx="8229600" cy="4804200"/>
-          </a:xfrm>
-          <a:prstGeom prst="rect">
-            <a:avLst/>
-          </a:prstGeom>
-        </p:spPr>
-        <p:txBody>
-          <a:bodyPr vert="horz" lIns="91425" tIns="91425" rIns="91425" bIns="91425" rtlCol="0" anchor="t" anchorCtr="0">
-            <a:noAutofit/>
-          </a:bodyPr>
-          <a:lstStyle/>
-          <a:p>
-            <a:pPr marL="457200" indent="-228600">
-              <a:buClr>
-                <a:srgbClr val="D89F39"/>
-              </a:buClr>
-            </a:pPr>
-            <a:r>
-              <a:rPr lang="en" b="1">
-                <a:solidFill>
-                  <a:srgbClr val="003262"/>
-                </a:solidFill>
-              </a:rPr>
-              <a:t>“Inconsistent”: </a:t>
-            </a:r>
-            <a:r>
-              <a:rPr lang="en">
-                <a:solidFill>
-                  <a:srgbClr val="000000"/>
-                </a:solidFill>
-              </a:rPr>
-              <a:t>The test statistic is in the tail of the null distribution.</a:t>
-            </a:r>
-          </a:p>
-          <a:p>
-            <a:endParaRPr sz="700">
-              <a:solidFill>
-                <a:srgbClr val="000000"/>
-              </a:solidFill>
-            </a:endParaRPr>
-          </a:p>
-          <a:p>
-            <a:pPr marL="457200" indent="-228600">
-              <a:buClr>
-                <a:srgbClr val="D89F39"/>
-              </a:buClr>
-            </a:pPr>
-            <a:r>
-              <a:rPr lang="en" b="1">
-                <a:solidFill>
-                  <a:srgbClr val="003262"/>
-                </a:solidFill>
-              </a:rPr>
-              <a:t>“In the tail,” first convention:</a:t>
-            </a:r>
-          </a:p>
-          <a:p>
-            <a:pPr marL="914400" lvl="1" indent="-228600">
-              <a:buClr>
-                <a:srgbClr val="D89F39"/>
-              </a:buClr>
-            </a:pPr>
-            <a:r>
-              <a:rPr lang="en" sz="3000">
-                <a:solidFill>
-                  <a:srgbClr val="000000"/>
-                </a:solidFill>
-              </a:rPr>
-              <a:t>The area in the tail is less than 5%.</a:t>
-            </a:r>
-          </a:p>
-          <a:p>
-            <a:pPr marL="914400" lvl="1" indent="-419100">
-              <a:buClr>
-                <a:srgbClr val="D89F39"/>
-              </a:buClr>
-              <a:buSzPct val="100000"/>
-            </a:pPr>
-            <a:r>
-              <a:rPr lang="en" sz="3000">
-                <a:solidFill>
-                  <a:srgbClr val="000000"/>
-                </a:solidFill>
-              </a:rPr>
-              <a:t>The result is “statistically significant.”</a:t>
-            </a:r>
-          </a:p>
-          <a:p>
-            <a:endParaRPr sz="800">
-              <a:solidFill>
-                <a:srgbClr val="003262"/>
-              </a:solidFill>
-            </a:endParaRPr>
-          </a:p>
-          <a:p>
-            <a:pPr marL="457200" indent="-228600">
-              <a:buClr>
-                <a:srgbClr val="D89F39"/>
-              </a:buClr>
-            </a:pPr>
-            <a:r>
-              <a:rPr lang="en" b="1">
-                <a:solidFill>
-                  <a:srgbClr val="003262"/>
-                </a:solidFill>
-              </a:rPr>
-              <a:t>“In the tail,” second convention:</a:t>
-            </a:r>
-          </a:p>
-          <a:p>
-            <a:pPr marL="914400" lvl="1" indent="-228600">
-              <a:buClr>
-                <a:srgbClr val="D89F39"/>
-              </a:buClr>
-            </a:pPr>
-            <a:r>
-              <a:rPr lang="en" sz="3000"/>
-              <a:t>The area in the tail is less than 1%.</a:t>
-            </a:r>
-          </a:p>
-          <a:p>
-            <a:pPr marL="914400" lvl="1" indent="-419100">
-              <a:buClr>
-                <a:srgbClr val="D89F39"/>
-              </a:buClr>
-              <a:buSzPct val="100000"/>
-            </a:pPr>
-            <a:r>
-              <a:rPr lang="en" sz="3000"/>
-              <a:t>The result is “highly statistically significant.”</a:t>
-            </a:r>
-          </a:p>
-        </p:txBody>
-      </p:sp>
-    </p:spTree>
-    <p:extLst>
-      <p:ext uri="{BB962C8B-B14F-4D97-AF65-F5344CB8AC3E}">
-        <p14:creationId xmlns:p14="http://schemas.microsoft.com/office/powerpoint/2010/main" val="2915246477"/>
-      </p:ext>
-    </p:extLst>
-  </p:cSld>
-  <p:clrMapOvr>
-    <a:masterClrMapping/>
-  </p:clrMapOvr>
-</p:sld>
-</file>
-
-<file path=ppt/slides/slide44.xml><?xml version="1.0" encoding="utf-8"?>
-<p:sld xmlns:a="http://schemas.openxmlformats.org/drawingml/2006/main" xmlns:r="http://schemas.openxmlformats.org/officeDocument/2006/relationships" xmlns:p="http://schemas.openxmlformats.org/presentationml/2006/main">
-  <p:cSld>
-    <p:spTree>
-      <p:nvGrpSpPr>
-        <p:cNvPr id="1" name="Shape 118"/>
-        <p:cNvGrpSpPr/>
-        <p:nvPr/>
-      </p:nvGrpSpPr>
-      <p:grpSpPr>
-        <a:xfrm>
-          <a:off x="0" y="0"/>
-          <a:ext cx="0" cy="0"/>
-          <a:chOff x="0" y="0"/>
-          <a:chExt cx="0" cy="0"/>
-        </a:xfrm>
-      </p:grpSpPr>
-      <p:sp>
-        <p:nvSpPr>
-          <p:cNvPr id="119" name="Shape 119"/>
-          <p:cNvSpPr txBox="1">
-            <a:spLocks noGrp="1"/>
-          </p:cNvSpPr>
-          <p:nvPr>
-            <p:ph type="title"/>
-          </p:nvPr>
-        </p:nvSpPr>
-        <p:spPr>
-          <a:xfrm>
-            <a:off x="1965000" y="248572"/>
-            <a:ext cx="8229600" cy="906000"/>
-          </a:xfrm>
-          <a:prstGeom prst="rect">
-            <a:avLst/>
-          </a:prstGeom>
-        </p:spPr>
-        <p:txBody>
-          <a:bodyPr vert="horz" lIns="91425" tIns="91425" rIns="91425" bIns="91425" rtlCol="0" anchor="b" anchorCtr="0">
-            <a:noAutofit/>
-          </a:bodyPr>
-          <a:lstStyle/>
-          <a:p>
-            <a:r>
-              <a:rPr lang="en"/>
-              <a:t>Sir Ronald Fisher, 1925</a:t>
-            </a:r>
-          </a:p>
-        </p:txBody>
-      </p:sp>
-      <p:sp>
-        <p:nvSpPr>
-          <p:cNvPr id="120" name="Shape 120"/>
-          <p:cNvSpPr txBox="1">
-            <a:spLocks noGrp="1"/>
-          </p:cNvSpPr>
-          <p:nvPr>
-            <p:ph type="body" idx="1"/>
-          </p:nvPr>
-        </p:nvSpPr>
-        <p:spPr>
-          <a:xfrm>
-            <a:off x="1244988" y="2492176"/>
-            <a:ext cx="9669624" cy="2377500"/>
-          </a:xfrm>
-          <a:prstGeom prst="rect">
-            <a:avLst/>
-          </a:prstGeom>
-        </p:spPr>
-        <p:txBody>
-          <a:bodyPr vert="horz" lIns="91425" tIns="91425" rIns="91425" bIns="91425" rtlCol="0" anchor="t" anchorCtr="0">
-            <a:noAutofit/>
-          </a:bodyPr>
-          <a:lstStyle/>
-          <a:p>
-            <a:r>
-              <a:rPr lang="en" sz="3600" dirty="0">
-                <a:solidFill>
-                  <a:srgbClr val="003262"/>
-                </a:solidFill>
-              </a:rPr>
-              <a:t>“It is convenient to take this point [5%] as a limit in judging whether a deviation is to be considered significant or not.”</a:t>
-            </a:r>
-          </a:p>
-          <a:p>
-            <a:r>
-              <a:rPr lang="en" sz="3600" dirty="0"/>
-              <a:t>–– </a:t>
-            </a:r>
-            <a:r>
-              <a:rPr lang="en" sz="3600" i="1" dirty="0"/>
-              <a:t>Statistical Methods for Research Workers</a:t>
-            </a:r>
-          </a:p>
-        </p:txBody>
-      </p:sp>
-    </p:spTree>
-    <p:extLst>
-      <p:ext uri="{BB962C8B-B14F-4D97-AF65-F5344CB8AC3E}">
-        <p14:creationId xmlns:p14="http://schemas.microsoft.com/office/powerpoint/2010/main" val="2216260313"/>
-      </p:ext>
-    </p:extLst>
-  </p:cSld>
-  <p:clrMapOvr>
-    <a:masterClrMapping/>
-  </p:clrMapOvr>
-</p:sld>
-</file>
-
-<file path=ppt/slides/slide45.xml><?xml version="1.0" encoding="utf-8"?>
-<p:sld xmlns:a="http://schemas.openxmlformats.org/drawingml/2006/main" xmlns:r="http://schemas.openxmlformats.org/officeDocument/2006/relationships" xmlns:p="http://schemas.openxmlformats.org/presentationml/2006/main">
-  <p:cSld>
-    <p:spTree>
-      <p:nvGrpSpPr>
-        <p:cNvPr id="1" name="Shape 124"/>
-        <p:cNvGrpSpPr/>
-        <p:nvPr/>
-      </p:nvGrpSpPr>
-      <p:grpSpPr>
-        <a:xfrm>
-          <a:off x="0" y="0"/>
-          <a:ext cx="0" cy="0"/>
-          <a:chOff x="0" y="0"/>
-          <a:chExt cx="0" cy="0"/>
-        </a:xfrm>
-      </p:grpSpPr>
-      <p:sp>
-        <p:nvSpPr>
-          <p:cNvPr id="125" name="Shape 125"/>
-          <p:cNvSpPr txBox="1">
-            <a:spLocks noGrp="1"/>
-          </p:cNvSpPr>
-          <p:nvPr>
-            <p:ph type="title"/>
-          </p:nvPr>
-        </p:nvSpPr>
-        <p:spPr>
-          <a:xfrm>
-            <a:off x="1965000" y="248572"/>
-            <a:ext cx="8229600" cy="906000"/>
-          </a:xfrm>
-          <a:prstGeom prst="rect">
-            <a:avLst/>
-          </a:prstGeom>
-        </p:spPr>
-        <p:txBody>
-          <a:bodyPr vert="horz" lIns="91425" tIns="91425" rIns="91425" bIns="91425" rtlCol="0" anchor="b" anchorCtr="0">
-            <a:noAutofit/>
-          </a:bodyPr>
-          <a:lstStyle/>
-          <a:p>
-            <a:r>
-              <a:rPr lang="en"/>
-              <a:t>Sir Ronald Fisher, 1926</a:t>
-            </a:r>
-          </a:p>
-        </p:txBody>
-      </p:sp>
-      <p:sp>
-        <p:nvSpPr>
-          <p:cNvPr id="126" name="Shape 126"/>
-          <p:cNvSpPr txBox="1">
-            <a:spLocks noGrp="1"/>
-          </p:cNvSpPr>
-          <p:nvPr>
-            <p:ph type="body" idx="1"/>
-          </p:nvPr>
-        </p:nvSpPr>
-        <p:spPr>
-          <a:xfrm>
-            <a:off x="1328963" y="1891922"/>
-            <a:ext cx="9501673" cy="3148800"/>
-          </a:xfrm>
-          <a:prstGeom prst="rect">
-            <a:avLst/>
-          </a:prstGeom>
-        </p:spPr>
-        <p:txBody>
-          <a:bodyPr vert="horz" lIns="91425" tIns="91425" rIns="91425" bIns="91425" rtlCol="0" anchor="t" anchorCtr="0">
-            <a:noAutofit/>
-          </a:bodyPr>
-          <a:lstStyle/>
-          <a:p>
-            <a:r>
-              <a:rPr lang="en" sz="3600" dirty="0">
-                <a:solidFill>
-                  <a:srgbClr val="003262"/>
-                </a:solidFill>
-              </a:rPr>
-              <a:t>“If one in twenty does not seem high enough odds, we may, if we prefer it, draw the line at one in fifty (the 2 percent point), or one in a hundred (the 1 percent point). Personally, the author prefers to set a low standard of significance at the 5 percent point …”</a:t>
-            </a:r>
-          </a:p>
-        </p:txBody>
-      </p:sp>
-    </p:spTree>
-    <p:extLst>
-      <p:ext uri="{BB962C8B-B14F-4D97-AF65-F5344CB8AC3E}">
-        <p14:creationId xmlns:p14="http://schemas.microsoft.com/office/powerpoint/2010/main" val="1690630087"/>
+        <p14:creationId xmlns:p14="http://schemas.microsoft.com/office/powerpoint/2010/main" val="1554901596"/>
       </p:ext>
     </p:extLst>
   </p:cSld>
@@ -15642,7 +15408,7 @@
           <p:cNvPr id="2" name="Title 1">
             <a:extLst>
               <a:ext uri="{FF2B5EF4-FFF2-40B4-BE49-F238E27FC236}">
-                <a16:creationId xmlns:a16="http://schemas.microsoft.com/office/drawing/2014/main" id="{39028F32-B754-7B49-A6C5-3EC6C1A3E94F}"/>
+                <a16:creationId xmlns:a16="http://schemas.microsoft.com/office/drawing/2014/main" id="{FC072471-79BC-3842-A776-D7FD05575D31}"/>
               </a:ext>
             </a:extLst>
           </p:cNvPr>
@@ -15660,61 +15426,376 @@
           <a:p>
             <a:r>
               <a:rPr lang="en-US" dirty="0"/>
-              <a:t>K. Gilbert case - references</a:t>
-            </a:r>
-          </a:p>
-        </p:txBody>
-      </p:sp>
-      <p:sp>
-        <p:nvSpPr>
-          <p:cNvPr id="3" name="Content Placeholder 2">
+              <a:t>P-values are a hot topic!</a:t>
+            </a:r>
+          </a:p>
+        </p:txBody>
+      </p:sp>
+      <p:sp>
+        <p:nvSpPr>
+          <p:cNvPr id="4" name="Rectangle 3">
             <a:extLst>
               <a:ext uri="{FF2B5EF4-FFF2-40B4-BE49-F238E27FC236}">
-                <a16:creationId xmlns:a16="http://schemas.microsoft.com/office/drawing/2014/main" id="{78DD041A-AB83-084F-BE48-4E12C27037AC}"/>
+                <a16:creationId xmlns:a16="http://schemas.microsoft.com/office/drawing/2014/main" id="{459669B0-6701-5A43-92F0-D401108046C1}"/>
               </a:ext>
             </a:extLst>
           </p:cNvPr>
-          <p:cNvSpPr>
-            <a:spLocks noGrp="1"/>
-          </p:cNvSpPr>
-          <p:nvPr>
-            <p:ph idx="1"/>
-          </p:nvPr>
-        </p:nvSpPr>
-        <p:spPr/>
-        <p:txBody>
-          <a:bodyPr/>
+          <p:cNvSpPr/>
+          <p:nvPr/>
+        </p:nvSpPr>
+        <p:spPr>
+          <a:xfrm>
+            <a:off x="808944" y="1646238"/>
+            <a:ext cx="10544856" cy="2923877"/>
+          </a:xfrm>
+          <a:prstGeom prst="rect">
+            <a:avLst/>
+          </a:prstGeom>
+        </p:spPr>
+        <p:txBody>
+          <a:bodyPr wrap="square">
+            <a:spAutoFit/>
+          </a:bodyPr>
           <a:lstStyle/>
           <a:p>
             <a:r>
-              <a:rPr lang="en-US" dirty="0"/>
-              <a:t>Statistics in the courtroom: United States v. Kristen Gilbert, by G. Cobb and S. </a:t>
-            </a:r>
-            <a:r>
-              <a:rPr lang="en-US" dirty="0" err="1"/>
-              <a:t>Gehlbach</a:t>
-            </a:r>
-            <a:r>
-              <a:rPr lang="en-US" dirty="0"/>
-              <a:t>. STATS: The magazine for students of statistics, 41:3-8.</a:t>
-            </a:r>
+              <a:rPr lang="en-US" sz="2800" dirty="0">
+                <a:solidFill>
+                  <a:srgbClr val="211E1E"/>
+                </a:solidFill>
+                <a:latin typeface="MinionPro" panose="02040503050306020203" pitchFamily="18" charset="0"/>
+              </a:rPr>
+              <a:t>In February 2014, George Cobb, Professor Emeritus of Mathematics and Statistics at Mount Holyoke College, posed these questions to an ASA discussion forum: </a:t>
+            </a:r>
+            <a:endParaRPr lang="en-US" sz="2000" dirty="0"/>
           </a:p>
           <a:p>
             <a:pPr lvl="1"/>
             <a:r>
               <a:rPr lang="en-US" sz="2000" dirty="0">
+                <a:solidFill>
+                  <a:srgbClr val="211E1E"/>
+                </a:solidFill>
+                <a:latin typeface="MinionPro" panose="02040503050306020203" pitchFamily="18" charset="0"/>
+              </a:rPr>
+              <a:t>Q: Why do so many colleges and grad schools teach </a:t>
+            </a:r>
+            <a:r>
+              <a:rPr lang="en-US" sz="2000" i="1" dirty="0">
+                <a:solidFill>
+                  <a:srgbClr val="211E1E"/>
+                </a:solidFill>
+                <a:latin typeface="MinionPro" panose="02040503050306020203" pitchFamily="18" charset="0"/>
+              </a:rPr>
+              <a:t>p </a:t>
+            </a:r>
+            <a:r>
+              <a:rPr lang="en-US" sz="2000" dirty="0">
+                <a:solidFill>
+                  <a:srgbClr val="211E1E"/>
+                </a:solidFill>
+                <a:latin typeface="MTSY"/>
+              </a:rPr>
+              <a:t>= </a:t>
+            </a:r>
+            <a:r>
+              <a:rPr lang="en-US" sz="2000" dirty="0">
+                <a:solidFill>
+                  <a:srgbClr val="211E1E"/>
+                </a:solidFill>
+                <a:latin typeface="MinionPro" panose="02040503050306020203" pitchFamily="18" charset="0"/>
+              </a:rPr>
+              <a:t>0.05?</a:t>
+            </a:r>
+            <a:br>
+              <a:rPr lang="en-US" sz="2000" dirty="0">
+                <a:solidFill>
+                  <a:srgbClr val="211E1E"/>
+                </a:solidFill>
+                <a:latin typeface="MinionPro" panose="02040503050306020203" pitchFamily="18" charset="0"/>
+              </a:rPr>
+            </a:br>
+            <a:r>
+              <a:rPr lang="en-US" sz="2000" dirty="0">
+                <a:solidFill>
+                  <a:srgbClr val="211E1E"/>
+                </a:solidFill>
+                <a:latin typeface="MinionPro" panose="02040503050306020203" pitchFamily="18" charset="0"/>
+              </a:rPr>
+              <a:t>A: Because that’s still what the scientific community and journal </a:t>
+            </a:r>
+            <a:endParaRPr lang="en-US" sz="2000" dirty="0"/>
+          </a:p>
+          <a:p>
+            <a:pPr lvl="1"/>
+            <a:r>
+              <a:rPr lang="en-US" sz="2000" dirty="0">
+                <a:solidFill>
+                  <a:srgbClr val="211E1E"/>
+                </a:solidFill>
+                <a:latin typeface="MinionPro" panose="02040503050306020203" pitchFamily="18" charset="0"/>
+              </a:rPr>
+              <a:t>editors use.</a:t>
+            </a:r>
+            <a:br>
+              <a:rPr lang="en-US" sz="2000" dirty="0">
+                <a:solidFill>
+                  <a:srgbClr val="211E1E"/>
+                </a:solidFill>
+                <a:latin typeface="MinionPro" panose="02040503050306020203" pitchFamily="18" charset="0"/>
+              </a:rPr>
+            </a:br>
+            <a:r>
+              <a:rPr lang="en-US" sz="2000" dirty="0">
+                <a:solidFill>
+                  <a:srgbClr val="211E1E"/>
+                </a:solidFill>
+                <a:latin typeface="MinionPro" panose="02040503050306020203" pitchFamily="18" charset="0"/>
+              </a:rPr>
+              <a:t>Q: Why do so many people still use </a:t>
+            </a:r>
+            <a:r>
+              <a:rPr lang="en-US" sz="2000" i="1" dirty="0">
+                <a:solidFill>
+                  <a:srgbClr val="211E1E"/>
+                </a:solidFill>
+                <a:latin typeface="MinionPro" panose="02040503050306020203" pitchFamily="18" charset="0"/>
+              </a:rPr>
+              <a:t>p </a:t>
+            </a:r>
+            <a:r>
+              <a:rPr lang="en-US" sz="2000" dirty="0">
+                <a:solidFill>
+                  <a:srgbClr val="211E1E"/>
+                </a:solidFill>
+                <a:latin typeface="MTSY"/>
+              </a:rPr>
+              <a:t>= </a:t>
+            </a:r>
+            <a:r>
+              <a:rPr lang="en-US" sz="2000" dirty="0">
+                <a:solidFill>
+                  <a:srgbClr val="211E1E"/>
+                </a:solidFill>
+                <a:latin typeface="MinionPro" panose="02040503050306020203" pitchFamily="18" charset="0"/>
+              </a:rPr>
+              <a:t>0.05?</a:t>
+            </a:r>
+            <a:br>
+              <a:rPr lang="en-US" sz="2000" dirty="0">
+                <a:solidFill>
+                  <a:srgbClr val="211E1E"/>
+                </a:solidFill>
+                <a:latin typeface="MinionPro" panose="02040503050306020203" pitchFamily="18" charset="0"/>
+              </a:rPr>
+            </a:br>
+            <a:r>
+              <a:rPr lang="en-US" sz="2000" dirty="0">
+                <a:solidFill>
+                  <a:srgbClr val="211E1E"/>
+                </a:solidFill>
+                <a:latin typeface="MinionPro" panose="02040503050306020203" pitchFamily="18" charset="0"/>
+              </a:rPr>
+              <a:t>A: Because that’s what they were taught in college or grad school. </a:t>
+            </a:r>
+            <a:endParaRPr lang="en-US" sz="2000" dirty="0"/>
+          </a:p>
+        </p:txBody>
+      </p:sp>
+      <p:sp>
+        <p:nvSpPr>
+          <p:cNvPr id="5" name="Rectangle 4">
+            <a:extLst>
+              <a:ext uri="{FF2B5EF4-FFF2-40B4-BE49-F238E27FC236}">
+                <a16:creationId xmlns:a16="http://schemas.microsoft.com/office/drawing/2014/main" id="{E9476CA3-BF9D-924A-8ECE-D22C61EAFA32}"/>
+              </a:ext>
+            </a:extLst>
+          </p:cNvPr>
+          <p:cNvSpPr/>
+          <p:nvPr/>
+        </p:nvSpPr>
+        <p:spPr>
+          <a:xfrm>
+            <a:off x="552450" y="4778374"/>
+            <a:ext cx="6357257" cy="369332"/>
+          </a:xfrm>
+          <a:prstGeom prst="rect">
+            <a:avLst/>
+          </a:prstGeom>
+        </p:spPr>
+        <p:txBody>
+          <a:bodyPr wrap="square">
+            <a:spAutoFit/>
+          </a:bodyPr>
+          <a:lstStyle/>
+          <a:p>
+            <a:r>
+              <a:rPr lang="en-US" b="1" dirty="0">
+                <a:solidFill>
+                  <a:srgbClr val="050A7F"/>
+                </a:solidFill>
+                <a:latin typeface="MyriadPro" panose="020B0503030403020204" pitchFamily="34" charset="0"/>
+              </a:rPr>
+              <a:t>The ASA’s Statement on </a:t>
+            </a:r>
+            <a:r>
+              <a:rPr lang="en-US" b="1" i="1" dirty="0">
+                <a:solidFill>
+                  <a:srgbClr val="050A7F"/>
+                </a:solidFill>
+                <a:latin typeface="MyriadPro" panose="020B0503030403020204" pitchFamily="34" charset="0"/>
+              </a:rPr>
+              <a:t>p</a:t>
+            </a:r>
+            <a:r>
+              <a:rPr lang="en-US" b="1" dirty="0">
+                <a:solidFill>
+                  <a:srgbClr val="050A7F"/>
+                </a:solidFill>
+                <a:latin typeface="MyriadPro" panose="020B0503030403020204" pitchFamily="34" charset="0"/>
+              </a:rPr>
+              <a:t>-Values: Context, Process, and Purpose </a:t>
+            </a:r>
+            <a:endParaRPr lang="en-US" dirty="0"/>
+          </a:p>
+        </p:txBody>
+      </p:sp>
+      <p:sp>
+        <p:nvSpPr>
+          <p:cNvPr id="6" name="Rectangle 5">
+            <a:extLst>
+              <a:ext uri="{FF2B5EF4-FFF2-40B4-BE49-F238E27FC236}">
+                <a16:creationId xmlns:a16="http://schemas.microsoft.com/office/drawing/2014/main" id="{38FE0F04-A7B6-464E-A22C-877808CC93BA}"/>
+              </a:ext>
+            </a:extLst>
+          </p:cNvPr>
+          <p:cNvSpPr/>
+          <p:nvPr/>
+        </p:nvSpPr>
+        <p:spPr>
+          <a:xfrm>
+            <a:off x="434262" y="5198763"/>
+            <a:ext cx="6475445" cy="307777"/>
+          </a:xfrm>
+          <a:prstGeom prst="rect">
+            <a:avLst/>
+          </a:prstGeom>
+        </p:spPr>
+        <p:txBody>
+          <a:bodyPr wrap="square">
+            <a:spAutoFit/>
+          </a:bodyPr>
+          <a:lstStyle/>
+          <a:p>
+            <a:r>
+              <a:rPr lang="en-US" sz="1400" dirty="0">
                 <a:hlinkClick r:id="rId2"/>
               </a:rPr>
-              <a:t>https://math.buffalostate.edu/~wilsondc/MED588/KristenGilbert.pdf</a:t>
-            </a:r>
-            <a:endParaRPr lang="en-US" sz="2000" dirty="0"/>
-          </a:p>
+              <a:t>https://amstat.tandfonline.com/doi/abs/10.1080/00031305.2016.1154108</a:t>
+            </a:r>
+            <a:r>
+              <a:rPr lang="en-US" sz="1400" dirty="0"/>
+              <a:t> </a:t>
+            </a:r>
+          </a:p>
+        </p:txBody>
+      </p:sp>
+      <p:sp>
+        <p:nvSpPr>
+          <p:cNvPr id="7" name="Rectangle 6">
+            <a:extLst>
+              <a:ext uri="{FF2B5EF4-FFF2-40B4-BE49-F238E27FC236}">
+                <a16:creationId xmlns:a16="http://schemas.microsoft.com/office/drawing/2014/main" id="{56615E50-668E-0444-9858-98DD7B9D97A1}"/>
+              </a:ext>
+            </a:extLst>
+          </p:cNvPr>
+          <p:cNvSpPr/>
+          <p:nvPr/>
+        </p:nvSpPr>
+        <p:spPr>
+          <a:xfrm>
+            <a:off x="6081372" y="5930391"/>
+            <a:ext cx="5993949" cy="369332"/>
+          </a:xfrm>
+          <a:prstGeom prst="rect">
+            <a:avLst/>
+          </a:prstGeom>
+        </p:spPr>
+        <p:txBody>
+          <a:bodyPr wrap="none">
+            <a:spAutoFit/>
+          </a:bodyPr>
+          <a:lstStyle/>
+          <a:p>
+            <a:r>
+              <a:rPr lang="en-US" b="1" dirty="0">
+                <a:solidFill>
+                  <a:srgbClr val="333333"/>
+                </a:solidFill>
+                <a:latin typeface="Georgia" panose="02040502050405020303" pitchFamily="18" charset="0"/>
+              </a:rPr>
+              <a:t>The Story Behind the ASA Statement on </a:t>
+            </a:r>
+            <a:r>
+              <a:rPr lang="en-US" b="1" i="1" dirty="0">
+                <a:solidFill>
+                  <a:srgbClr val="333333"/>
+                </a:solidFill>
+                <a:latin typeface="Georgia" panose="02040502050405020303" pitchFamily="18" charset="0"/>
+              </a:rPr>
+              <a:t>P</a:t>
+            </a:r>
+            <a:r>
+              <a:rPr lang="en-US" b="1" dirty="0">
+                <a:solidFill>
+                  <a:srgbClr val="333333"/>
+                </a:solidFill>
+                <a:latin typeface="Georgia" panose="02040502050405020303" pitchFamily="18" charset="0"/>
+              </a:rPr>
+              <a:t>-Values</a:t>
+            </a:r>
+            <a:endParaRPr lang="en-US" b="1" i="0" dirty="0">
+              <a:solidFill>
+                <a:srgbClr val="333333"/>
+              </a:solidFill>
+              <a:effectLst/>
+              <a:latin typeface="Georgia" panose="02040502050405020303" pitchFamily="18" charset="0"/>
+            </a:endParaRPr>
+          </a:p>
+        </p:txBody>
+      </p:sp>
+      <p:sp>
+        <p:nvSpPr>
+          <p:cNvPr id="8" name="Rectangle 7">
+            <a:extLst>
+              <a:ext uri="{FF2B5EF4-FFF2-40B4-BE49-F238E27FC236}">
+                <a16:creationId xmlns:a16="http://schemas.microsoft.com/office/drawing/2014/main" id="{A3D1BB74-F1F7-034D-AD66-2A29EEADEA49}"/>
+              </a:ext>
+            </a:extLst>
+          </p:cNvPr>
+          <p:cNvSpPr/>
+          <p:nvPr/>
+        </p:nvSpPr>
+        <p:spPr>
+          <a:xfrm>
+            <a:off x="5582817" y="6390211"/>
+            <a:ext cx="6954416" cy="369332"/>
+          </a:xfrm>
+          <a:prstGeom prst="rect">
+            <a:avLst/>
+          </a:prstGeom>
+        </p:spPr>
+        <p:txBody>
+          <a:bodyPr wrap="square">
+            <a:spAutoFit/>
+          </a:bodyPr>
+          <a:lstStyle/>
           <a:p>
             <a:r>
               <a:rPr lang="en-US" dirty="0">
                 <a:hlinkClick r:id="rId3"/>
               </a:rPr>
-              <a:t>https://en.wikipedia.org/wiki/Kristen_Gilbert</a:t>
+              <a:t>http://magazine.amstat.org/blog/2016/04/01/pres-apr16</a:t>
             </a:r>
             <a:r>
               <a:rPr lang="en-US" dirty="0"/>
@@ -15726,7 +15807,7 @@
     </p:spTree>
     <p:extLst>
       <p:ext uri="{BB962C8B-B14F-4D97-AF65-F5344CB8AC3E}">
-        <p14:creationId xmlns:p14="http://schemas.microsoft.com/office/powerpoint/2010/main" val="1554901596"/>
+        <p14:creationId xmlns:p14="http://schemas.microsoft.com/office/powerpoint/2010/main" val="3107119199"/>
       </p:ext>
     </p:extLst>
   </p:cSld>
@@ -15758,7 +15839,7 @@
           <p:cNvPr id="2" name="Title 1">
             <a:extLst>
               <a:ext uri="{FF2B5EF4-FFF2-40B4-BE49-F238E27FC236}">
-                <a16:creationId xmlns:a16="http://schemas.microsoft.com/office/drawing/2014/main" id="{FC072471-79BC-3842-A776-D7FD05575D31}"/>
+                <a16:creationId xmlns:a16="http://schemas.microsoft.com/office/drawing/2014/main" id="{327A1183-C27B-2E4C-8ACC-09C38660F8A5}"/>
               </a:ext>
             </a:extLst>
           </p:cNvPr>
@@ -15775,389 +15856,212 @@
           <a:lstStyle/>
           <a:p>
             <a:r>
+              <a:rPr lang="en-US" b="1" dirty="0"/>
+              <a:t>Very</a:t>
+            </a:r>
+            <a:r>
               <a:rPr lang="en-US" dirty="0"/>
-              <a:t>P-values are a hot topic!</a:t>
-            </a:r>
-          </a:p>
-        </p:txBody>
-      </p:sp>
-      <p:sp>
-        <p:nvSpPr>
-          <p:cNvPr id="4" name="Rectangle 3">
+              <a:t> active debate</a:t>
+            </a:r>
+          </a:p>
+        </p:txBody>
+      </p:sp>
+      <p:sp>
+        <p:nvSpPr>
+          <p:cNvPr id="3" name="Content Placeholder 2">
             <a:extLst>
               <a:ext uri="{FF2B5EF4-FFF2-40B4-BE49-F238E27FC236}">
-                <a16:creationId xmlns:a16="http://schemas.microsoft.com/office/drawing/2014/main" id="{459669B0-6701-5A43-92F0-D401108046C1}"/>
+                <a16:creationId xmlns:a16="http://schemas.microsoft.com/office/drawing/2014/main" id="{8B5B5157-2951-834D-9539-3CE374F1E652}"/>
               </a:ext>
             </a:extLst>
           </p:cNvPr>
-          <p:cNvSpPr/>
-          <p:nvPr/>
+          <p:cNvSpPr>
+            <a:spLocks noGrp="1"/>
+          </p:cNvSpPr>
+          <p:nvPr>
+            <p:ph idx="1"/>
+          </p:nvPr>
         </p:nvSpPr>
         <p:spPr>
           <a:xfrm>
-            <a:off x="808944" y="1646238"/>
-            <a:ext cx="10544856" cy="2923877"/>
+            <a:off x="838200" y="1646238"/>
+            <a:ext cx="10515600" cy="5032375"/>
           </a:xfrm>
-          <a:prstGeom prst="rect">
-            <a:avLst/>
-          </a:prstGeom>
         </p:spPr>
         <p:txBody>
-          <a:bodyPr wrap="square">
-            <a:spAutoFit/>
+          <a:bodyPr>
+            <a:normAutofit/>
           </a:bodyPr>
           <a:lstStyle/>
           <a:p>
-            <a:r>
-              <a:rPr lang="en-US" sz="2800" dirty="0">
-                <a:solidFill>
-                  <a:srgbClr val="211E1E"/>
-                </a:solidFill>
-                <a:latin typeface="MinionPro" panose="02040503050306020203" pitchFamily="18" charset="0"/>
-              </a:rPr>
-              <a:t>In February 2014, George Cobb, Professor Emeritus of Mathematics and Statistics at Mount Holyoke College, posed these questions to an ASA discussion forum: </a:t>
-            </a:r>
-            <a:endParaRPr lang="en-US" sz="2000" dirty="0"/>
-          </a:p>
-          <a:p>
-            <a:pPr lvl="1"/>
-            <a:r>
-              <a:rPr lang="en-US" sz="2000" dirty="0">
-                <a:solidFill>
-                  <a:srgbClr val="211E1E"/>
-                </a:solidFill>
-                <a:latin typeface="MinionPro" panose="02040503050306020203" pitchFamily="18" charset="0"/>
-              </a:rPr>
-              <a:t>Q: Why do so many colleges and grad schools teach </a:t>
-            </a:r>
-            <a:r>
-              <a:rPr lang="en-US" sz="2000" i="1" dirty="0">
-                <a:solidFill>
-                  <a:srgbClr val="211E1E"/>
-                </a:solidFill>
-                <a:latin typeface="MinionPro" panose="02040503050306020203" pitchFamily="18" charset="0"/>
-              </a:rPr>
-              <a:t>p </a:t>
-            </a:r>
-            <a:r>
-              <a:rPr lang="en-US" sz="2000" dirty="0">
-                <a:solidFill>
-                  <a:srgbClr val="211E1E"/>
-                </a:solidFill>
-                <a:latin typeface="MTSY"/>
-              </a:rPr>
-              <a:t>= </a:t>
-            </a:r>
-            <a:r>
-              <a:rPr lang="en-US" sz="2000" dirty="0">
-                <a:solidFill>
-                  <a:srgbClr val="211E1E"/>
-                </a:solidFill>
-                <a:latin typeface="MinionPro" panose="02040503050306020203" pitchFamily="18" charset="0"/>
-              </a:rPr>
-              <a:t>0.05?</a:t>
-            </a:r>
-            <a:br>
-              <a:rPr lang="en-US" sz="2000" dirty="0">
-                <a:solidFill>
-                  <a:srgbClr val="211E1E"/>
-                </a:solidFill>
-                <a:latin typeface="MinionPro" panose="02040503050306020203" pitchFamily="18" charset="0"/>
-              </a:rPr>
-            </a:br>
-            <a:r>
-              <a:rPr lang="en-US" sz="2000" dirty="0">
-                <a:solidFill>
-                  <a:srgbClr val="211E1E"/>
-                </a:solidFill>
-                <a:latin typeface="MinionPro" panose="02040503050306020203" pitchFamily="18" charset="0"/>
-              </a:rPr>
-              <a:t>A: Because that’s still what the scientific community and journal </a:t>
-            </a:r>
-            <a:endParaRPr lang="en-US" sz="2000" dirty="0"/>
-          </a:p>
-          <a:p>
-            <a:pPr lvl="1"/>
-            <a:r>
-              <a:rPr lang="en-US" sz="2000" dirty="0">
-                <a:solidFill>
-                  <a:srgbClr val="211E1E"/>
-                </a:solidFill>
-                <a:latin typeface="MinionPro" panose="02040503050306020203" pitchFamily="18" charset="0"/>
-              </a:rPr>
-              <a:t>editors use.</a:t>
-            </a:r>
-            <a:br>
-              <a:rPr lang="en-US" sz="2000" dirty="0">
-                <a:solidFill>
-                  <a:srgbClr val="211E1E"/>
-                </a:solidFill>
-                <a:latin typeface="MinionPro" panose="02040503050306020203" pitchFamily="18" charset="0"/>
-              </a:rPr>
-            </a:br>
-            <a:r>
-              <a:rPr lang="en-US" sz="2000" dirty="0">
-                <a:solidFill>
-                  <a:srgbClr val="211E1E"/>
-                </a:solidFill>
-                <a:latin typeface="MinionPro" panose="02040503050306020203" pitchFamily="18" charset="0"/>
-              </a:rPr>
-              <a:t>Q: Why do so many people still use </a:t>
-            </a:r>
-            <a:r>
-              <a:rPr lang="en-US" sz="2000" i="1" dirty="0">
-                <a:solidFill>
-                  <a:srgbClr val="211E1E"/>
-                </a:solidFill>
-                <a:latin typeface="MinionPro" panose="02040503050306020203" pitchFamily="18" charset="0"/>
-              </a:rPr>
-              <a:t>p </a:t>
-            </a:r>
-            <a:r>
-              <a:rPr lang="en-US" sz="2000" dirty="0">
-                <a:solidFill>
-                  <a:srgbClr val="211E1E"/>
-                </a:solidFill>
-                <a:latin typeface="MTSY"/>
-              </a:rPr>
-              <a:t>= </a:t>
-            </a:r>
-            <a:r>
-              <a:rPr lang="en-US" sz="2000" dirty="0">
-                <a:solidFill>
-                  <a:srgbClr val="211E1E"/>
-                </a:solidFill>
-                <a:latin typeface="MinionPro" panose="02040503050306020203" pitchFamily="18" charset="0"/>
-              </a:rPr>
-              <a:t>0.05?</a:t>
-            </a:r>
-            <a:br>
-              <a:rPr lang="en-US" sz="2000" dirty="0">
-                <a:solidFill>
-                  <a:srgbClr val="211E1E"/>
-                </a:solidFill>
-                <a:latin typeface="MinionPro" panose="02040503050306020203" pitchFamily="18" charset="0"/>
-              </a:rPr>
-            </a:br>
-            <a:r>
-              <a:rPr lang="en-US" sz="2000" dirty="0">
-                <a:solidFill>
-                  <a:srgbClr val="211E1E"/>
-                </a:solidFill>
-                <a:latin typeface="MinionPro" panose="02040503050306020203" pitchFamily="18" charset="0"/>
-              </a:rPr>
-              <a:t>A: Because that’s what they were taught in college or grad school. </a:t>
-            </a:r>
-            <a:endParaRPr lang="en-US" sz="2000" dirty="0"/>
-          </a:p>
-        </p:txBody>
-      </p:sp>
-      <p:sp>
-        <p:nvSpPr>
-          <p:cNvPr id="5" name="Rectangle 4">
-            <a:extLst>
-              <a:ext uri="{FF2B5EF4-FFF2-40B4-BE49-F238E27FC236}">
-                <a16:creationId xmlns:a16="http://schemas.microsoft.com/office/drawing/2014/main" id="{E9476CA3-BF9D-924A-8ECE-D22C61EAFA32}"/>
-              </a:ext>
-            </a:extLst>
-          </p:cNvPr>
-          <p:cNvSpPr/>
-          <p:nvPr/>
-        </p:nvSpPr>
-        <p:spPr>
-          <a:xfrm>
-            <a:off x="552450" y="4778374"/>
-            <a:ext cx="6357257" cy="369332"/>
-          </a:xfrm>
-          <a:prstGeom prst="rect">
-            <a:avLst/>
-          </a:prstGeom>
-        </p:spPr>
-        <p:txBody>
-          <a:bodyPr wrap="square">
-            <a:spAutoFit/>
-          </a:bodyPr>
-          <a:lstStyle/>
-          <a:p>
-            <a:r>
-              <a:rPr lang="en-US" b="1" dirty="0">
-                <a:solidFill>
-                  <a:srgbClr val="050A7F"/>
-                </a:solidFill>
-                <a:latin typeface="MyriadPro" panose="020B0503030403020204" pitchFamily="34" charset="0"/>
-              </a:rPr>
-              <a:t>The ASA’s Statement on </a:t>
-            </a:r>
-            <a:r>
-              <a:rPr lang="en-US" b="1" i="1" dirty="0">
-                <a:solidFill>
-                  <a:srgbClr val="050A7F"/>
-                </a:solidFill>
-                <a:latin typeface="MyriadPro" panose="020B0503030403020204" pitchFamily="34" charset="0"/>
-              </a:rPr>
-              <a:t>p</a:t>
-            </a:r>
-            <a:r>
-              <a:rPr lang="en-US" b="1" dirty="0">
-                <a:solidFill>
-                  <a:srgbClr val="050A7F"/>
-                </a:solidFill>
-                <a:latin typeface="MyriadPro" panose="020B0503030403020204" pitchFamily="34" charset="0"/>
-              </a:rPr>
-              <a:t>-Values: Context, Process, and Purpose </a:t>
-            </a:r>
-            <a:endParaRPr lang="en-US" dirty="0"/>
-          </a:p>
-        </p:txBody>
-      </p:sp>
-      <p:sp>
-        <p:nvSpPr>
-          <p:cNvPr id="6" name="Rectangle 5">
-            <a:extLst>
-              <a:ext uri="{FF2B5EF4-FFF2-40B4-BE49-F238E27FC236}">
-                <a16:creationId xmlns:a16="http://schemas.microsoft.com/office/drawing/2014/main" id="{38FE0F04-A7B6-464E-A22C-877808CC93BA}"/>
-              </a:ext>
-            </a:extLst>
-          </p:cNvPr>
-          <p:cNvSpPr/>
-          <p:nvPr/>
-        </p:nvSpPr>
-        <p:spPr>
-          <a:xfrm>
-            <a:off x="434262" y="5198763"/>
-            <a:ext cx="6475445" cy="307777"/>
-          </a:xfrm>
-          <a:prstGeom prst="rect">
-            <a:avLst/>
-          </a:prstGeom>
-        </p:spPr>
-        <p:txBody>
-          <a:bodyPr wrap="square">
-            <a:spAutoFit/>
-          </a:bodyPr>
-          <a:lstStyle/>
-          <a:p>
-            <a:r>
-              <a:rPr lang="en-US" sz="1400" dirty="0">
-                <a:hlinkClick r:id="rId2"/>
-              </a:rPr>
-              <a:t>https://amstat.tandfonline.com/doi/abs/10.1080/00031305.2016.1154108</a:t>
-            </a:r>
-            <a:r>
-              <a:rPr lang="en-US" sz="1400" dirty="0"/>
-              <a:t> </a:t>
-            </a:r>
-          </a:p>
-        </p:txBody>
-      </p:sp>
-      <p:sp>
-        <p:nvSpPr>
-          <p:cNvPr id="7" name="Rectangle 6">
-            <a:extLst>
-              <a:ext uri="{FF2B5EF4-FFF2-40B4-BE49-F238E27FC236}">
-                <a16:creationId xmlns:a16="http://schemas.microsoft.com/office/drawing/2014/main" id="{56615E50-668E-0444-9858-98DD7B9D97A1}"/>
-              </a:ext>
-            </a:extLst>
-          </p:cNvPr>
-          <p:cNvSpPr/>
-          <p:nvPr/>
-        </p:nvSpPr>
-        <p:spPr>
-          <a:xfrm>
-            <a:off x="6081372" y="5930391"/>
-            <a:ext cx="5993949" cy="369332"/>
-          </a:xfrm>
-          <a:prstGeom prst="rect">
-            <a:avLst/>
-          </a:prstGeom>
-        </p:spPr>
-        <p:txBody>
-          <a:bodyPr wrap="none">
-            <a:spAutoFit/>
-          </a:bodyPr>
-          <a:lstStyle/>
-          <a:p>
-            <a:r>
-              <a:rPr lang="en-US" b="1" dirty="0">
-                <a:solidFill>
-                  <a:srgbClr val="333333"/>
-                </a:solidFill>
-                <a:latin typeface="Georgia" panose="02040502050405020303" pitchFamily="18" charset="0"/>
-              </a:rPr>
-              <a:t>The Story Behind the ASA Statement on </a:t>
-            </a:r>
-            <a:r>
-              <a:rPr lang="en-US" b="1" i="1" dirty="0">
-                <a:solidFill>
-                  <a:srgbClr val="333333"/>
-                </a:solidFill>
-                <a:latin typeface="Georgia" panose="02040502050405020303" pitchFamily="18" charset="0"/>
-              </a:rPr>
+            <a:pPr marL="14287" indent="0">
+              <a:buNone/>
+            </a:pPr>
+            <a:r>
+              <a:rPr lang="en-US" b="1" dirty="0"/>
+              <a:t>Redefine statistical significance</a:t>
+            </a:r>
+          </a:p>
+          <a:p>
+            <a:pPr marL="471487" lvl="1" indent="0">
+              <a:buNone/>
+            </a:pPr>
+            <a:r>
+              <a:rPr lang="en-US" sz="2200" dirty="0"/>
+              <a:t>Benjamin et al. (72 authors)</a:t>
+            </a:r>
+          </a:p>
+          <a:p>
+            <a:pPr marL="471487" lvl="1" indent="0">
+              <a:buNone/>
+            </a:pPr>
+            <a:r>
+              <a:rPr lang="en-US" sz="2200" i="1" dirty="0"/>
+              <a:t>Nature Human </a:t>
+            </a:r>
+            <a:r>
+              <a:rPr lang="en-US" sz="2200" i="1" dirty="0" err="1"/>
+              <a:t>Behaviour</a:t>
+            </a:r>
+            <a:r>
+              <a:rPr lang="en-US" sz="2200" b="1" dirty="0"/>
+              <a:t> 2</a:t>
+            </a:r>
+            <a:r>
+              <a:rPr lang="en-US" sz="2200" dirty="0"/>
+              <a:t>, 6–10(2018), doi:10.1038/s41562-017-0189-z</a:t>
+            </a:r>
+          </a:p>
+          <a:p>
+            <a:pPr marL="930275" lvl="2" indent="0">
+              <a:lnSpc>
+                <a:spcPct val="120000"/>
+              </a:lnSpc>
+              <a:buNone/>
+            </a:pPr>
+            <a:r>
+              <a:rPr lang="en-US" b="1" dirty="0"/>
+              <a:t>We propose to change the default </a:t>
+            </a:r>
+            <a:r>
+              <a:rPr lang="en-US" b="1" i="1" dirty="0"/>
               <a:t>P</a:t>
             </a:r>
             <a:r>
-              <a:rPr lang="en-US" b="1" dirty="0">
-                <a:solidFill>
-                  <a:srgbClr val="333333"/>
-                </a:solidFill>
-                <a:latin typeface="Georgia" panose="02040502050405020303" pitchFamily="18" charset="0"/>
-              </a:rPr>
-              <a:t>-Values</a:t>
-            </a:r>
-            <a:endParaRPr lang="en-US" b="1" i="0" dirty="0">
-              <a:solidFill>
-                <a:srgbClr val="333333"/>
-              </a:solidFill>
-              <a:effectLst/>
-              <a:latin typeface="Georgia" panose="02040502050405020303" pitchFamily="18" charset="0"/>
-            </a:endParaRPr>
-          </a:p>
-        </p:txBody>
-      </p:sp>
-      <p:sp>
-        <p:nvSpPr>
-          <p:cNvPr id="8" name="Rectangle 7">
-            <a:extLst>
-              <a:ext uri="{FF2B5EF4-FFF2-40B4-BE49-F238E27FC236}">
-                <a16:creationId xmlns:a16="http://schemas.microsoft.com/office/drawing/2014/main" id="{A3D1BB74-F1F7-034D-AD66-2A29EEADEA49}"/>
-              </a:ext>
-            </a:extLst>
-          </p:cNvPr>
-          <p:cNvSpPr/>
-          <p:nvPr/>
-        </p:nvSpPr>
-        <p:spPr>
-          <a:xfrm>
-            <a:off x="5582817" y="6390211"/>
-            <a:ext cx="6954416" cy="369332"/>
-          </a:xfrm>
-          <a:prstGeom prst="rect">
-            <a:avLst/>
-          </a:prstGeom>
-        </p:spPr>
-        <p:txBody>
-          <a:bodyPr wrap="square">
-            <a:spAutoFit/>
-          </a:bodyPr>
-          <a:lstStyle/>
-          <a:p>
+              <a:rPr lang="en-US" b="1" dirty="0"/>
+              <a:t>-value threshold for statistical significance from 0.05 to 0.005 for claims of new discoveries.</a:t>
+            </a:r>
+          </a:p>
+          <a:p>
+            <a:pPr marL="14287" indent="0">
+              <a:buNone/>
+            </a:pPr>
+            <a:r>
+              <a:rPr lang="en-US" b="1" dirty="0"/>
+              <a:t>The Proposal to Lower </a:t>
+            </a:r>
+            <a:r>
+              <a:rPr lang="en-US" b="1" i="1" dirty="0"/>
+              <a:t>P</a:t>
+            </a:r>
+            <a:r>
+              <a:rPr lang="en-US" b="1" dirty="0"/>
+              <a:t> Value Thresholds to .005</a:t>
+            </a:r>
+          </a:p>
+          <a:p>
+            <a:pPr marL="471487" lvl="1" indent="0">
+              <a:buNone/>
+            </a:pPr>
             <a:r>
               <a:rPr lang="en-US" dirty="0">
                 <a:hlinkClick r:id="rId3"/>
               </a:rPr>
-              <a:t>http://magazine.amstat.org/blog/2016/04/01/pres-apr16</a:t>
-            </a:r>
+              <a:t>John P. A. Ioannidis, MD, DSc</a:t>
+            </a:r>
+            <a:endParaRPr lang="en-US" dirty="0"/>
+          </a:p>
+          <a:p>
+            <a:pPr marL="471487" lvl="1" indent="0">
+              <a:buNone/>
+            </a:pPr>
+            <a:r>
+              <a:rPr lang="en-US" sz="2000" i="1" dirty="0"/>
+              <a:t>JAMA. </a:t>
+            </a:r>
+            <a:r>
+              <a:rPr lang="en-US" sz="2000" dirty="0"/>
+              <a:t>2018;319(14):1429-1430. doi:10.1001/jama.2018.1536 </a:t>
+            </a:r>
+            <a:r>
+              <a:rPr lang="en-US" sz="2000" b="1" dirty="0"/>
+              <a:t> </a:t>
+            </a:r>
+            <a:r>
+              <a:rPr lang="en-US" b="1" dirty="0"/>
+              <a:t>– April 10, 2018!</a:t>
+            </a:r>
+            <a:endParaRPr lang="en-US" dirty="0"/>
+          </a:p>
+          <a:p>
+            <a:pPr marL="14287" indent="0">
+              <a:buNone/>
+            </a:pPr>
+            <a:r>
+              <a:rPr lang="en-US" b="1" dirty="0"/>
+              <a:t>Abandon Statistical Significance</a:t>
+            </a:r>
+          </a:p>
+          <a:p>
+            <a:pPr marL="471487" lvl="1" indent="0">
+              <a:buNone/>
+            </a:pPr>
             <a:r>
               <a:rPr lang="en-US" dirty="0"/>
-              <a:t> </a:t>
-            </a:r>
+              <a:t>B. McShane, D. Gal, A. </a:t>
+            </a:r>
+            <a:r>
+              <a:rPr lang="en-US" dirty="0" err="1"/>
+              <a:t>Gelman</a:t>
+            </a:r>
+            <a:r>
+              <a:rPr lang="en-US" dirty="0"/>
+              <a:t>, C. Robert, J. L. Tackett</a:t>
+            </a:r>
+          </a:p>
+          <a:p>
+            <a:pPr marL="471487" lvl="1" indent="0">
+              <a:buNone/>
+            </a:pPr>
+            <a:r>
+              <a:rPr lang="en-US" dirty="0">
+                <a:hlinkClick r:id="rId4"/>
+              </a:rPr>
+              <a:t>https://arxiv.org/abs/1709.07588</a:t>
+            </a:r>
+            <a:r>
+              <a:rPr lang="en-US" b="1" dirty="0"/>
+              <a:t> – April 10, 2018!</a:t>
+            </a:r>
+          </a:p>
+          <a:p>
+            <a:pPr marL="14287" indent="0">
+              <a:buNone/>
+            </a:pPr>
+            <a:endParaRPr lang="en-US" dirty="0"/>
+          </a:p>
+          <a:p>
+            <a:pPr marL="14287" indent="0">
+              <a:buNone/>
+            </a:pPr>
+            <a:endParaRPr lang="en-US" dirty="0"/>
           </a:p>
         </p:txBody>
       </p:sp>
     </p:spTree>
     <p:extLst>
       <p:ext uri="{BB962C8B-B14F-4D97-AF65-F5344CB8AC3E}">
-        <p14:creationId xmlns:p14="http://schemas.microsoft.com/office/powerpoint/2010/main" val="3107119199"/>
+        <p14:creationId xmlns:p14="http://schemas.microsoft.com/office/powerpoint/2010/main" val="3640409598"/>
       </p:ext>
     </p:extLst>
   </p:cSld>
@@ -16186,260 +16090,6 @@
       </p:grpSpPr>
       <p:sp>
         <p:nvSpPr>
-          <p:cNvPr id="2" name="Title 1">
-            <a:extLst>
-              <a:ext uri="{FF2B5EF4-FFF2-40B4-BE49-F238E27FC236}">
-                <a16:creationId xmlns:a16="http://schemas.microsoft.com/office/drawing/2014/main" id="{327A1183-C27B-2E4C-8ACC-09C38660F8A5}"/>
-              </a:ext>
-            </a:extLst>
-          </p:cNvPr>
-          <p:cNvSpPr>
-            <a:spLocks noGrp="1"/>
-          </p:cNvSpPr>
-          <p:nvPr>
-            <p:ph type="title"/>
-          </p:nvPr>
-        </p:nvSpPr>
-        <p:spPr/>
-        <p:txBody>
-          <a:bodyPr/>
-          <a:lstStyle/>
-          <a:p>
-            <a:r>
-              <a:rPr lang="en-US" b="1" dirty="0"/>
-              <a:t>Very</a:t>
-            </a:r>
-            <a:r>
-              <a:rPr lang="en-US" dirty="0"/>
-              <a:t> active debate</a:t>
-            </a:r>
-          </a:p>
-        </p:txBody>
-      </p:sp>
-      <p:sp>
-        <p:nvSpPr>
-          <p:cNvPr id="3" name="Content Placeholder 2">
-            <a:extLst>
-              <a:ext uri="{FF2B5EF4-FFF2-40B4-BE49-F238E27FC236}">
-                <a16:creationId xmlns:a16="http://schemas.microsoft.com/office/drawing/2014/main" id="{8B5B5157-2951-834D-9539-3CE374F1E652}"/>
-              </a:ext>
-            </a:extLst>
-          </p:cNvPr>
-          <p:cNvSpPr>
-            <a:spLocks noGrp="1"/>
-          </p:cNvSpPr>
-          <p:nvPr>
-            <p:ph idx="1"/>
-          </p:nvPr>
-        </p:nvSpPr>
-        <p:spPr>
-          <a:xfrm>
-            <a:off x="838200" y="1646238"/>
-            <a:ext cx="10515600" cy="5032375"/>
-          </a:xfrm>
-        </p:spPr>
-        <p:txBody>
-          <a:bodyPr>
-            <a:normAutofit/>
-          </a:bodyPr>
-          <a:lstStyle/>
-          <a:p>
-            <a:pPr marL="14287" indent="0">
-              <a:buNone/>
-            </a:pPr>
-            <a:r>
-              <a:rPr lang="en-US" b="1" dirty="0"/>
-              <a:t>Redefine statistical significance</a:t>
-            </a:r>
-          </a:p>
-          <a:p>
-            <a:pPr marL="471487" lvl="1" indent="0">
-              <a:buNone/>
-            </a:pPr>
-            <a:r>
-              <a:rPr lang="en-US" sz="2200" dirty="0"/>
-              <a:t>Benjamin et al. (72 authors)</a:t>
-            </a:r>
-          </a:p>
-          <a:p>
-            <a:pPr marL="471487" lvl="1" indent="0">
-              <a:buNone/>
-            </a:pPr>
-            <a:r>
-              <a:rPr lang="en-US" sz="2200" i="1" dirty="0"/>
-              <a:t>Nature Human </a:t>
-            </a:r>
-            <a:r>
-              <a:rPr lang="en-US" sz="2200" i="1" dirty="0" err="1"/>
-              <a:t>Behaviour</a:t>
-            </a:r>
-            <a:r>
-              <a:rPr lang="en-US" sz="2200" b="1" dirty="0"/>
-              <a:t> 2</a:t>
-            </a:r>
-            <a:r>
-              <a:rPr lang="en-US" sz="2200" dirty="0"/>
-              <a:t>, 6–10(2018), doi:10.1038/s41562-017-0189-z</a:t>
-            </a:r>
-          </a:p>
-          <a:p>
-            <a:pPr marL="930275" lvl="2" indent="0">
-              <a:lnSpc>
-                <a:spcPct val="120000"/>
-              </a:lnSpc>
-              <a:buNone/>
-            </a:pPr>
-            <a:r>
-              <a:rPr lang="en-US" b="1" dirty="0"/>
-              <a:t>We propose to change the default </a:t>
-            </a:r>
-            <a:r>
-              <a:rPr lang="en-US" b="1" i="1" dirty="0"/>
-              <a:t>P</a:t>
-            </a:r>
-            <a:r>
-              <a:rPr lang="en-US" b="1" dirty="0"/>
-              <a:t>-value threshold for statistical significance from 0.05 to 0.005 for claims of new discoveries.</a:t>
-            </a:r>
-          </a:p>
-          <a:p>
-            <a:pPr marL="14287" indent="0">
-              <a:buNone/>
-            </a:pPr>
-            <a:r>
-              <a:rPr lang="en-US" b="1" dirty="0"/>
-              <a:t>The Proposal to Lower </a:t>
-            </a:r>
-            <a:r>
-              <a:rPr lang="en-US" b="1" i="1" dirty="0"/>
-              <a:t>P</a:t>
-            </a:r>
-            <a:r>
-              <a:rPr lang="en-US" b="1" dirty="0"/>
-              <a:t> Value Thresholds to .005</a:t>
-            </a:r>
-          </a:p>
-          <a:p>
-            <a:pPr marL="471487" lvl="1" indent="0">
-              <a:buNone/>
-            </a:pPr>
-            <a:r>
-              <a:rPr lang="en-US" dirty="0">
-                <a:hlinkClick r:id="rId3"/>
-              </a:rPr>
-              <a:t>John P. A. Ioannidis, MD, DSc</a:t>
-            </a:r>
-            <a:endParaRPr lang="en-US" dirty="0"/>
-          </a:p>
-          <a:p>
-            <a:pPr marL="471487" lvl="1" indent="0">
-              <a:buNone/>
-            </a:pPr>
-            <a:r>
-              <a:rPr lang="en-US" sz="2000" i="1" dirty="0"/>
-              <a:t>JAMA. </a:t>
-            </a:r>
-            <a:r>
-              <a:rPr lang="en-US" sz="2000" dirty="0"/>
-              <a:t>2018;319(14):1429-1430. doi:10.1001/jama.2018.1536 </a:t>
-            </a:r>
-            <a:r>
-              <a:rPr lang="en-US" sz="2000" b="1" dirty="0"/>
-              <a:t> </a:t>
-            </a:r>
-            <a:r>
-              <a:rPr lang="en-US" b="1" dirty="0"/>
-              <a:t>– April 10, 2018!</a:t>
-            </a:r>
-            <a:endParaRPr lang="en-US" dirty="0"/>
-          </a:p>
-          <a:p>
-            <a:pPr marL="14287" indent="0">
-              <a:buNone/>
-            </a:pPr>
-            <a:r>
-              <a:rPr lang="en-US" b="1" dirty="0"/>
-              <a:t>Abandon Statistical Significance</a:t>
-            </a:r>
-          </a:p>
-          <a:p>
-            <a:pPr marL="471487" lvl="1" indent="0">
-              <a:buNone/>
-            </a:pPr>
-            <a:r>
-              <a:rPr lang="en-US" dirty="0"/>
-              <a:t>B. McShane, D. Gal, A. </a:t>
-            </a:r>
-            <a:r>
-              <a:rPr lang="en-US" dirty="0" err="1"/>
-              <a:t>Gelman</a:t>
-            </a:r>
-            <a:r>
-              <a:rPr lang="en-US" dirty="0"/>
-              <a:t>, C. Robert, J. L. Tackett</a:t>
-            </a:r>
-          </a:p>
-          <a:p>
-            <a:pPr marL="471487" lvl="1" indent="0">
-              <a:buNone/>
-            </a:pPr>
-            <a:r>
-              <a:rPr lang="en-US" dirty="0">
-                <a:hlinkClick r:id="rId4"/>
-              </a:rPr>
-              <a:t>https://arxiv.org/abs/1709.07588</a:t>
-            </a:r>
-            <a:r>
-              <a:rPr lang="en-US" b="1" dirty="0"/>
-              <a:t> – April 10, 2018!</a:t>
-            </a:r>
-          </a:p>
-          <a:p>
-            <a:pPr marL="14287" indent="0">
-              <a:buNone/>
-            </a:pPr>
-            <a:endParaRPr lang="en-US" dirty="0"/>
-          </a:p>
-          <a:p>
-            <a:pPr marL="14287" indent="0">
-              <a:buNone/>
-            </a:pPr>
-            <a:endParaRPr lang="en-US" dirty="0"/>
-          </a:p>
-        </p:txBody>
-      </p:sp>
-    </p:spTree>
-    <p:extLst>
-      <p:ext uri="{BB962C8B-B14F-4D97-AF65-F5344CB8AC3E}">
-        <p14:creationId xmlns:p14="http://schemas.microsoft.com/office/powerpoint/2010/main" val="3640409598"/>
-      </p:ext>
-    </p:extLst>
-  </p:cSld>
-  <p:clrMapOvr>
-    <a:masterClrMapping/>
-  </p:clrMapOvr>
-</p:sld>
-</file>
-
-<file path=ppt/slides/slide49.xml><?xml version="1.0" encoding="utf-8"?>
-<p:sld xmlns:a="http://schemas.openxmlformats.org/drawingml/2006/main" xmlns:r="http://schemas.openxmlformats.org/officeDocument/2006/relationships" xmlns:p="http://schemas.openxmlformats.org/presentationml/2006/main">
-  <p:cSld>
-    <p:spTree>
-      <p:nvGrpSpPr>
-        <p:cNvPr id="1" name=""/>
-        <p:cNvGrpSpPr/>
-        <p:nvPr/>
-      </p:nvGrpSpPr>
-      <p:grpSpPr>
-        <a:xfrm>
-          <a:off x="0" y="0"/>
-          <a:ext cx="0" cy="0"/>
-          <a:chOff x="0" y="0"/>
-          <a:chExt cx="0" cy="0"/>
-        </a:xfrm>
-      </p:grpSpPr>
-      <p:sp>
-        <p:nvSpPr>
           <p:cNvPr id="4" name="Title 3"/>
           <p:cNvSpPr>
             <a:spLocks noGrp="1"/>
@@ -16495,165 +16145,7 @@
 </p:sld>
 </file>
 
-<file path=ppt/slides/slide5.xml><?xml version="1.0" encoding="utf-8"?>
-<p:sld xmlns:a="http://schemas.openxmlformats.org/drawingml/2006/main" xmlns:r="http://schemas.openxmlformats.org/officeDocument/2006/relationships" xmlns:p="http://schemas.openxmlformats.org/presentationml/2006/main">
-  <p:cSld>
-    <p:spTree>
-      <p:nvGrpSpPr>
-        <p:cNvPr id="1" name=""/>
-        <p:cNvGrpSpPr/>
-        <p:nvPr/>
-      </p:nvGrpSpPr>
-      <p:grpSpPr>
-        <a:xfrm>
-          <a:off x="0" y="0"/>
-          <a:ext cx="0" cy="0"/>
-          <a:chOff x="0" y="0"/>
-          <a:chExt cx="0" cy="0"/>
-        </a:xfrm>
-      </p:grpSpPr>
-      <p:sp>
-        <p:nvSpPr>
-          <p:cNvPr id="2" name="Title 1"/>
-          <p:cNvSpPr>
-            <a:spLocks noGrp="1"/>
-          </p:cNvSpPr>
-          <p:nvPr>
-            <p:ph type="title"/>
-          </p:nvPr>
-        </p:nvSpPr>
-        <p:spPr/>
-        <p:txBody>
-          <a:bodyPr/>
-          <a:lstStyle/>
-          <a:p>
-            <a:r>
-              <a:rPr lang="en-US" dirty="0"/>
-              <a:t>VA Medical Clinic</a:t>
-            </a:r>
-          </a:p>
-        </p:txBody>
-      </p:sp>
-      <p:sp>
-        <p:nvSpPr>
-          <p:cNvPr id="3" name="Content Placeholder 2"/>
-          <p:cNvSpPr>
-            <a:spLocks noGrp="1"/>
-          </p:cNvSpPr>
-          <p:nvPr>
-            <p:ph sz="half" idx="1"/>
-          </p:nvPr>
-        </p:nvSpPr>
-        <p:spPr>
-          <a:xfrm>
-            <a:off x="374650" y="4303303"/>
-            <a:ext cx="10534650" cy="2171603"/>
-          </a:xfrm>
-        </p:spPr>
-        <p:txBody>
-          <a:bodyPr>
-            <a:noAutofit/>
-          </a:bodyPr>
-          <a:lstStyle/>
-          <a:p>
-            <a:pPr>
-              <a:buNone/>
-            </a:pPr>
-            <a:r>
-              <a:rPr lang="en-US" sz="3200" dirty="0"/>
-              <a:t>When a patient went into cardiac arrest, she would: </a:t>
-            </a:r>
-          </a:p>
-          <a:p>
-            <a:pPr lvl="1"/>
-            <a:r>
-              <a:rPr lang="en-US" sz="2800" dirty="0"/>
-              <a:t>Sound the code blue alarm</a:t>
-            </a:r>
-          </a:p>
-          <a:p>
-            <a:pPr lvl="1"/>
-            <a:r>
-              <a:rPr lang="en-US" sz="2800" dirty="0"/>
-              <a:t>Stay calm</a:t>
-            </a:r>
-          </a:p>
-          <a:p>
-            <a:pPr lvl="1"/>
-            <a:r>
-              <a:rPr lang="en-US" sz="2800" dirty="0"/>
-              <a:t>Administer a shot of epinephrine to restart the heart</a:t>
-            </a:r>
-          </a:p>
-        </p:txBody>
-      </p:sp>
-      <p:pic>
-        <p:nvPicPr>
-          <p:cNvPr id="5" name="Content Placeholder 4" descr="nhmentrance_sm.jpg"/>
-          <p:cNvPicPr>
-            <a:picLocks noGrp="1" noChangeAspect="1"/>
-          </p:cNvPicPr>
-          <p:nvPr>
-            <p:ph sz="half" idx="2"/>
-          </p:nvPr>
-        </p:nvPicPr>
-        <p:blipFill>
-          <a:blip r:embed="rId2"/>
-          <a:srcRect t="-41692" b="-41692"/>
-          <a:stretch>
-            <a:fillRect/>
-          </a:stretch>
-        </p:blipFill>
-        <p:spPr>
-          <a:xfrm>
-            <a:off x="6172200" y="452439"/>
-            <a:ext cx="4038600" cy="4525963"/>
-          </a:xfrm>
-        </p:spPr>
-      </p:pic>
-      <p:sp>
-        <p:nvSpPr>
-          <p:cNvPr id="7" name="TextBox 6"/>
-          <p:cNvSpPr txBox="1"/>
-          <p:nvPr/>
-        </p:nvSpPr>
-        <p:spPr>
-          <a:xfrm>
-            <a:off x="622300" y="1982279"/>
-            <a:ext cx="4851400" cy="1754326"/>
-          </a:xfrm>
-          <a:prstGeom prst="rect">
-            <a:avLst/>
-          </a:prstGeom>
-          <a:noFill/>
-        </p:spPr>
-        <p:txBody>
-          <a:bodyPr wrap="square" rtlCol="0">
-            <a:spAutoFit/>
-          </a:bodyPr>
-          <a:lstStyle/>
-          <a:p>
-            <a:r>
-              <a:rPr lang="en-US" sz="3600" dirty="0"/>
-              <a:t>Gilbert established a reputation of being good in crisis</a:t>
-            </a:r>
-          </a:p>
-        </p:txBody>
-      </p:sp>
-    </p:spTree>
-    <p:extLst>
-      <p:ext uri="{BB962C8B-B14F-4D97-AF65-F5344CB8AC3E}">
-        <p14:creationId xmlns:p14="http://schemas.microsoft.com/office/powerpoint/2010/main" val="2109174754"/>
-      </p:ext>
-    </p:extLst>
-  </p:cSld>
-  <p:clrMapOvr>
-    <a:masterClrMapping/>
-  </p:clrMapOvr>
-</p:sld>
-</file>
-
-<file path=ppt/slides/slide50.xml><?xml version="1.0" encoding="utf-8"?>
+<file path=ppt/slides/slide49.xml><?xml version="1.0" encoding="utf-8"?>
 <p:sld xmlns:a="http://schemas.openxmlformats.org/drawingml/2006/main" xmlns:r="http://schemas.openxmlformats.org/officeDocument/2006/relationships" xmlns:p="http://schemas.openxmlformats.org/presentationml/2006/main">
   <p:cSld>
     <p:spTree>
@@ -16852,6 +16344,250 @@
 </p:sld>
 </file>
 
+<file path=ppt/slides/slide5.xml><?xml version="1.0" encoding="utf-8"?>
+<p:sld xmlns:a="http://schemas.openxmlformats.org/drawingml/2006/main" xmlns:r="http://schemas.openxmlformats.org/officeDocument/2006/relationships" xmlns:p="http://schemas.openxmlformats.org/presentationml/2006/main">
+  <p:cSld>
+    <p:spTree>
+      <p:nvGrpSpPr>
+        <p:cNvPr id="1" name=""/>
+        <p:cNvGrpSpPr/>
+        <p:nvPr/>
+      </p:nvGrpSpPr>
+      <p:grpSpPr>
+        <a:xfrm>
+          <a:off x="0" y="0"/>
+          <a:ext cx="0" cy="0"/>
+          <a:chOff x="0" y="0"/>
+          <a:chExt cx="0" cy="0"/>
+        </a:xfrm>
+      </p:grpSpPr>
+      <p:sp>
+        <p:nvSpPr>
+          <p:cNvPr id="2" name="Title 1"/>
+          <p:cNvSpPr>
+            <a:spLocks noGrp="1"/>
+          </p:cNvSpPr>
+          <p:nvPr>
+            <p:ph type="title"/>
+          </p:nvPr>
+        </p:nvSpPr>
+        <p:spPr/>
+        <p:txBody>
+          <a:bodyPr/>
+          <a:lstStyle/>
+          <a:p>
+            <a:r>
+              <a:rPr lang="en-US" dirty="0"/>
+              <a:t>VA Medical Clinic</a:t>
+            </a:r>
+          </a:p>
+        </p:txBody>
+      </p:sp>
+      <p:sp>
+        <p:nvSpPr>
+          <p:cNvPr id="3" name="Content Placeholder 2"/>
+          <p:cNvSpPr>
+            <a:spLocks noGrp="1"/>
+          </p:cNvSpPr>
+          <p:nvPr>
+            <p:ph sz="half" idx="1"/>
+          </p:nvPr>
+        </p:nvSpPr>
+        <p:spPr>
+          <a:xfrm>
+            <a:off x="374650" y="4303303"/>
+            <a:ext cx="10534650" cy="2171603"/>
+          </a:xfrm>
+        </p:spPr>
+        <p:txBody>
+          <a:bodyPr>
+            <a:noAutofit/>
+          </a:bodyPr>
+          <a:lstStyle/>
+          <a:p>
+            <a:pPr>
+              <a:buNone/>
+            </a:pPr>
+            <a:r>
+              <a:rPr lang="en-US" sz="3200" dirty="0"/>
+              <a:t>When a patient went into cardiac arrest, she would: </a:t>
+            </a:r>
+          </a:p>
+          <a:p>
+            <a:pPr lvl="1"/>
+            <a:r>
+              <a:rPr lang="en-US" sz="2800" dirty="0"/>
+              <a:t>Sound the code blue alarm</a:t>
+            </a:r>
+          </a:p>
+          <a:p>
+            <a:pPr lvl="1"/>
+            <a:r>
+              <a:rPr lang="en-US" sz="2800" dirty="0"/>
+              <a:t>Stay calm</a:t>
+            </a:r>
+          </a:p>
+          <a:p>
+            <a:pPr lvl="1"/>
+            <a:r>
+              <a:rPr lang="en-US" sz="2800" dirty="0"/>
+              <a:t>Administer a shot of epinephrine to restart the heart</a:t>
+            </a:r>
+          </a:p>
+        </p:txBody>
+      </p:sp>
+      <p:pic>
+        <p:nvPicPr>
+          <p:cNvPr id="5" name="Content Placeholder 4" descr="nhmentrance_sm.jpg"/>
+          <p:cNvPicPr>
+            <a:picLocks noGrp="1" noChangeAspect="1"/>
+          </p:cNvPicPr>
+          <p:nvPr>
+            <p:ph sz="half" idx="2"/>
+          </p:nvPr>
+        </p:nvPicPr>
+        <p:blipFill>
+          <a:blip r:embed="rId2"/>
+          <a:srcRect t="-41692" b="-41692"/>
+          <a:stretch>
+            <a:fillRect/>
+          </a:stretch>
+        </p:blipFill>
+        <p:spPr>
+          <a:xfrm>
+            <a:off x="6172200" y="452439"/>
+            <a:ext cx="4038600" cy="4525963"/>
+          </a:xfrm>
+        </p:spPr>
+      </p:pic>
+      <p:sp>
+        <p:nvSpPr>
+          <p:cNvPr id="7" name="TextBox 6"/>
+          <p:cNvSpPr txBox="1"/>
+          <p:nvPr/>
+        </p:nvSpPr>
+        <p:spPr>
+          <a:xfrm>
+            <a:off x="622300" y="1982279"/>
+            <a:ext cx="4851400" cy="1754326"/>
+          </a:xfrm>
+          <a:prstGeom prst="rect">
+            <a:avLst/>
+          </a:prstGeom>
+          <a:noFill/>
+        </p:spPr>
+        <p:txBody>
+          <a:bodyPr wrap="square" rtlCol="0">
+            <a:spAutoFit/>
+          </a:bodyPr>
+          <a:lstStyle/>
+          <a:p>
+            <a:r>
+              <a:rPr lang="en-US" sz="3600" dirty="0"/>
+              <a:t>Gilbert established a reputation of being good in crisis</a:t>
+            </a:r>
+          </a:p>
+        </p:txBody>
+      </p:sp>
+    </p:spTree>
+    <p:extLst>
+      <p:ext uri="{BB962C8B-B14F-4D97-AF65-F5344CB8AC3E}">
+        <p14:creationId xmlns:p14="http://schemas.microsoft.com/office/powerpoint/2010/main" val="2109174754"/>
+      </p:ext>
+    </p:extLst>
+  </p:cSld>
+  <p:clrMapOvr>
+    <a:masterClrMapping/>
+  </p:clrMapOvr>
+</p:sld>
+</file>
+
+<file path=ppt/slides/slide50.xml><?xml version="1.0" encoding="utf-8"?>
+<p:sld xmlns:a="http://schemas.openxmlformats.org/drawingml/2006/main" xmlns:r="http://schemas.openxmlformats.org/officeDocument/2006/relationships" xmlns:p="http://schemas.openxmlformats.org/presentationml/2006/main">
+  <p:cSld>
+    <p:spTree>
+      <p:nvGrpSpPr>
+        <p:cNvPr id="1" name=""/>
+        <p:cNvGrpSpPr/>
+        <p:nvPr/>
+      </p:nvGrpSpPr>
+      <p:grpSpPr>
+        <a:xfrm>
+          <a:off x="0" y="0"/>
+          <a:ext cx="0" cy="0"/>
+          <a:chOff x="0" y="0"/>
+          <a:chExt cx="0" cy="0"/>
+        </a:xfrm>
+      </p:grpSpPr>
+      <p:sp>
+        <p:nvSpPr>
+          <p:cNvPr id="2" name="Title 1"/>
+          <p:cNvSpPr>
+            <a:spLocks noGrp="1"/>
+          </p:cNvSpPr>
+          <p:nvPr>
+            <p:ph type="title"/>
+          </p:nvPr>
+        </p:nvSpPr>
+        <p:spPr/>
+        <p:txBody>
+          <a:bodyPr/>
+          <a:lstStyle/>
+          <a:p>
+            <a:r>
+              <a:rPr lang="en-US" dirty="0"/>
+              <a:t>Simulation was problematic </a:t>
+            </a:r>
+          </a:p>
+        </p:txBody>
+      </p:sp>
+      <p:sp>
+        <p:nvSpPr>
+          <p:cNvPr id="3" name="Content Placeholder 2"/>
+          <p:cNvSpPr>
+            <a:spLocks noGrp="1"/>
+          </p:cNvSpPr>
+          <p:nvPr>
+            <p:ph idx="1"/>
+          </p:nvPr>
+        </p:nvSpPr>
+        <p:spPr/>
+        <p:txBody>
+          <a:bodyPr/>
+          <a:lstStyle/>
+          <a:p>
+            <a:r>
+              <a:rPr lang="en-US" dirty="0"/>
+              <a:t>100,000 replications of 257 draws produced nothing larger than 26. </a:t>
+            </a:r>
+          </a:p>
+          <a:p>
+            <a:r>
+              <a:rPr lang="en-US" dirty="0"/>
+              <a:t>We can’t estimate this chance as 0 – that’s not useful. We know it is possible.</a:t>
+            </a:r>
+          </a:p>
+          <a:p>
+            <a:r>
+              <a:rPr lang="en-US" dirty="0"/>
+              <a:t>Simulating rare events is hard to do</a:t>
+            </a:r>
+          </a:p>
+        </p:txBody>
+      </p:sp>
+    </p:spTree>
+    <p:extLst>
+      <p:ext uri="{BB962C8B-B14F-4D97-AF65-F5344CB8AC3E}">
+        <p14:creationId xmlns:p14="http://schemas.microsoft.com/office/powerpoint/2010/main" val="1534717397"/>
+      </p:ext>
+    </p:extLst>
+  </p:cSld>
+  <p:clrMapOvr>
+    <a:masterClrMapping/>
+  </p:clrMapOvr>
+</p:sld>
+</file>
+
 <file path=ppt/slides/slide51.xml><?xml version="1.0" encoding="utf-8"?>
 <p:sld xmlns:a="http://schemas.openxmlformats.org/drawingml/2006/main" xmlns:r="http://schemas.openxmlformats.org/officeDocument/2006/relationships" xmlns:p="http://schemas.openxmlformats.org/presentationml/2006/main">
   <p:cSld>
@@ -16879,14 +16615,39 @@
             <p:ph type="title"/>
           </p:nvPr>
         </p:nvSpPr>
-        <p:spPr/>
+        <p:spPr>
+          <a:xfrm>
+            <a:off x="552450" y="101303"/>
+            <a:ext cx="10801350" cy="1325563"/>
+          </a:xfrm>
+        </p:spPr>
         <p:txBody>
           <a:bodyPr/>
           <a:lstStyle/>
           <a:p>
             <a:r>
+              <a:rPr lang="en-US" dirty="0" err="1"/>
+              <a:t>Scipy.stats</a:t>
+            </a:r>
+            <a:r>
               <a:rPr lang="en-US" dirty="0"/>
-              <a:t>Simulation was problematic </a:t>
+              <a:t>: distributions with </a:t>
+            </a:r>
+            <a:r>
+              <a:rPr lang="en-US" dirty="0" err="1"/>
+              <a:t>pmf</a:t>
+            </a:r>
+            <a:r>
+              <a:rPr lang="en-US" dirty="0"/>
+              <a:t>/</a:t>
+            </a:r>
+            <a:r>
+              <a:rPr lang="en-US" dirty="0" err="1"/>
+              <a:t>cdf</a:t>
+            </a:r>
+            <a:r>
+              <a:rPr lang="en-US" dirty="0"/>
+              <a:t>/sf</a:t>
             </a:r>
           </a:p>
         </p:txBody>
@@ -16901,122 +16662,29 @@
             <p:ph idx="1"/>
           </p:nvPr>
         </p:nvSpPr>
-        <p:spPr/>
-        <p:txBody>
-          <a:bodyPr/>
-          <a:lstStyle/>
-          <a:p>
-            <a:r>
-              <a:rPr lang="en-US" dirty="0"/>
-              <a:t>100,000 replications of 257 draws produced nothing larger than 26. </a:t>
-            </a:r>
-          </a:p>
-          <a:p>
-            <a:r>
-              <a:rPr lang="en-US" dirty="0"/>
-              <a:t>We can’t estimate this chance as 0 – that’s not useful. We know it is possible.</a:t>
-            </a:r>
-          </a:p>
-          <a:p>
-            <a:r>
-              <a:rPr lang="en-US" dirty="0"/>
-              <a:t>Simulating rare events is hard to do</a:t>
-            </a:r>
-          </a:p>
-        </p:txBody>
-      </p:sp>
-    </p:spTree>
-    <p:extLst>
-      <p:ext uri="{BB962C8B-B14F-4D97-AF65-F5344CB8AC3E}">
-        <p14:creationId xmlns:p14="http://schemas.microsoft.com/office/powerpoint/2010/main" val="1534717397"/>
-      </p:ext>
-    </p:extLst>
-  </p:cSld>
-  <p:clrMapOvr>
-    <a:masterClrMapping/>
-  </p:clrMapOvr>
-</p:sld>
-</file>
-
-<file path=ppt/slides/slide52.xml><?xml version="1.0" encoding="utf-8"?>
-<p:sld xmlns:a="http://schemas.openxmlformats.org/drawingml/2006/main" xmlns:r="http://schemas.openxmlformats.org/officeDocument/2006/relationships" xmlns:p="http://schemas.openxmlformats.org/presentationml/2006/main">
-  <p:cSld>
-    <p:spTree>
-      <p:nvGrpSpPr>
-        <p:cNvPr id="1" name=""/>
-        <p:cNvGrpSpPr/>
-        <p:nvPr/>
-      </p:nvGrpSpPr>
-      <p:grpSpPr>
-        <a:xfrm>
-          <a:off x="0" y="0"/>
-          <a:ext cx="0" cy="0"/>
-          <a:chOff x="0" y="0"/>
-          <a:chExt cx="0" cy="0"/>
-        </a:xfrm>
-      </p:grpSpPr>
-      <p:sp>
-        <p:nvSpPr>
-          <p:cNvPr id="2" name="Title 1"/>
-          <p:cNvSpPr>
-            <a:spLocks noGrp="1"/>
-          </p:cNvSpPr>
-          <p:nvPr>
-            <p:ph type="title"/>
-          </p:nvPr>
-        </p:nvSpPr>
-        <p:spPr/>
-        <p:txBody>
-          <a:bodyPr/>
-          <a:lstStyle/>
-          <a:p>
-            <a:r>
-              <a:rPr lang="en-US" dirty="0" err="1"/>
-              <a:t>Scipy.stats</a:t>
-            </a:r>
-            <a:r>
-              <a:rPr lang="en-US" dirty="0"/>
-              <a:t>: distributions with </a:t>
-            </a:r>
-            <a:r>
-              <a:rPr lang="en-US" dirty="0" err="1"/>
-              <a:t>pmf</a:t>
-            </a:r>
-            <a:r>
-              <a:rPr lang="en-US" dirty="0"/>
-              <a:t>/</a:t>
-            </a:r>
-            <a:r>
-              <a:rPr lang="en-US" dirty="0" err="1"/>
-              <a:t>cdf</a:t>
-            </a:r>
-            <a:r>
-              <a:rPr lang="en-US" dirty="0"/>
-              <a:t>/sf</a:t>
-            </a:r>
-          </a:p>
-        </p:txBody>
-      </p:sp>
-      <p:sp>
-        <p:nvSpPr>
-          <p:cNvPr id="3" name="Content Placeholder 2"/>
-          <p:cNvSpPr>
-            <a:spLocks noGrp="1"/>
-          </p:cNvSpPr>
-          <p:nvPr>
-            <p:ph idx="1"/>
-          </p:nvPr>
-        </p:nvSpPr>
-        <p:spPr/>
+        <p:spPr>
+          <a:xfrm>
+            <a:off x="838200" y="1426866"/>
+            <a:ext cx="10515600" cy="5606980"/>
+          </a:xfrm>
+        </p:spPr>
         <p:txBody>
           <a:bodyPr>
-            <a:normAutofit fontScale="77500" lnSpcReduction="20000"/>
+            <a:normAutofit fontScale="85000" lnSpcReduction="20000"/>
           </a:bodyPr>
           <a:lstStyle/>
           <a:p>
             <a:r>
               <a:rPr lang="en-US" dirty="0"/>
-              <a:t>This probability distribution is so common that it has been given a name: the hypergeometric.</a:t>
+              <a:t>This probability distribution is so common that it has been given a name: the </a:t>
+            </a:r>
+            <a:r>
+              <a:rPr lang="en-US" b="1" dirty="0"/>
+              <a:t>hypergeometric</a:t>
+            </a:r>
+            <a:r>
+              <a:rPr lang="en-US" dirty="0"/>
+              <a:t>.</a:t>
             </a:r>
           </a:p>
           <a:p>
@@ -17101,6 +16769,11 @@
               </a:rPr>
               <a:t># careful with calling convention</a:t>
             </a:r>
+          </a:p>
+          <a:p>
+            <a:pPr marL="471487" lvl="1" indent="0">
+              <a:buNone/>
+            </a:pPr>
             <a:endParaRPr lang="en-US" dirty="0">
               <a:latin typeface="Consolas" panose="020B0609020204030204" pitchFamily="49" charset="0"/>
               <a:cs typeface="Consolas" panose="020B0609020204030204" pitchFamily="49" charset="0"/>
@@ -17186,6 +16859,18 @@
             <a:pPr marL="471487" lvl="1" indent="0">
               <a:buNone/>
             </a:pPr>
+            <a:endParaRPr lang="en-US" dirty="0">
+              <a:solidFill>
+                <a:srgbClr val="FF0000"/>
+              </a:solidFill>
+              <a:latin typeface="Consolas" panose="020B0609020204030204" pitchFamily="49" charset="0"/>
+              <a:cs typeface="Consolas" panose="020B0609020204030204" pitchFamily="49" charset="0"/>
+            </a:endParaRPr>
+          </a:p>
+          <a:p>
+            <a:pPr marL="471487" lvl="1" indent="0">
+              <a:buNone/>
+            </a:pPr>
             <a:r>
               <a:rPr lang="en-US" dirty="0">
                 <a:latin typeface="Consolas" panose="020B0609020204030204" pitchFamily="49" charset="0"/>
@@ -17247,6 +16932,15 @@
               </a:rPr>
               <a:t>]: 0.9999999999980699</a:t>
             </a:r>
+          </a:p>
+          <a:p>
+            <a:pPr marL="471487" lvl="1" indent="0">
+              <a:buNone/>
+            </a:pPr>
+            <a:endParaRPr lang="en-US" dirty="0">
+              <a:latin typeface="Consolas" panose="020B0609020204030204" pitchFamily="49" charset="0"/>
+              <a:cs typeface="Consolas" panose="020B0609020204030204" pitchFamily="49" charset="0"/>
+            </a:endParaRPr>
           </a:p>
           <a:p>
             <a:pPr marL="471487" lvl="1" indent="0">
@@ -17341,7 +17035,7 @@
 </p:sld>
 </file>
 
-<file path=ppt/slides/slide53.xml><?xml version="1.0" encoding="utf-8"?>
+<file path=ppt/slides/slide52.xml><?xml version="1.0" encoding="utf-8"?>
 <p:sld xmlns:a="http://schemas.openxmlformats.org/drawingml/2006/main" xmlns:r="http://schemas.openxmlformats.org/officeDocument/2006/relationships" xmlns:p="http://schemas.openxmlformats.org/presentationml/2006/main">
   <p:cSld>
     <p:spTree>
@@ -17477,7 +17171,7 @@
 </p:sld>
 </file>
 
-<file path=ppt/slides/slide54.xml><?xml version="1.0" encoding="utf-8"?>
+<file path=ppt/slides/slide53.xml><?xml version="1.0" encoding="utf-8"?>
 <p:sld xmlns:a="http://schemas.openxmlformats.org/drawingml/2006/main" xmlns:r="http://schemas.openxmlformats.org/officeDocument/2006/relationships" xmlns:p="http://schemas.openxmlformats.org/presentationml/2006/main">
   <p:cSld>
     <p:spTree>
@@ -17567,7 +17261,7 @@
 </p:sld>
 </file>
 
-<file path=ppt/slides/slide55.xml><?xml version="1.0" encoding="utf-8"?>
+<file path=ppt/slides/slide54.xml><?xml version="1.0" encoding="utf-8"?>
 <p:sld xmlns:a="http://schemas.openxmlformats.org/drawingml/2006/main" xmlns:r="http://schemas.openxmlformats.org/officeDocument/2006/relationships" xmlns:p="http://schemas.openxmlformats.org/presentationml/2006/main">
   <p:cSld>
     <p:spTree>
@@ -17686,7 +17380,7 @@
 </p:sld>
 </file>
 
-<file path=ppt/slides/slide56.xml><?xml version="1.0" encoding="utf-8"?>
+<file path=ppt/slides/slide55.xml><?xml version="1.0" encoding="utf-8"?>
 <p:sld xmlns:a="http://schemas.openxmlformats.org/drawingml/2006/main" xmlns:r="http://schemas.openxmlformats.org/officeDocument/2006/relationships" xmlns:p="http://schemas.openxmlformats.org/presentationml/2006/main">
   <p:cSld>
     <p:spTree>
@@ -17992,7 +17686,7 @@
 </p:sld>
 </file>
 
-<file path=ppt/slides/slide57.xml><?xml version="1.0" encoding="utf-8"?>
+<file path=ppt/slides/slide56.xml><?xml version="1.0" encoding="utf-8"?>
 <p:sld xmlns:a="http://schemas.openxmlformats.org/drawingml/2006/main" xmlns:r="http://schemas.openxmlformats.org/officeDocument/2006/relationships" xmlns:p="http://schemas.openxmlformats.org/presentationml/2006/main">
   <p:cSld>
     <p:spTree>
@@ -18482,7 +18176,7 @@
 </p:sld>
 </file>
 
-<file path=ppt/slides/slide58.xml><?xml version="1.0" encoding="utf-8"?>
+<file path=ppt/slides/slide57.xml><?xml version="1.0" encoding="utf-8"?>
 <p:sld xmlns:a="http://schemas.openxmlformats.org/drawingml/2006/main" xmlns:r="http://schemas.openxmlformats.org/officeDocument/2006/relationships" xmlns:p="http://schemas.openxmlformats.org/presentationml/2006/main">
   <p:cSld>
     <p:spTree>
@@ -19101,6 +18795,95 @@
 </p:sld>
 </file>
 
+<file path=ppt/slides/slide58.xml><?xml version="1.0" encoding="utf-8"?>
+<p:sld xmlns:a="http://schemas.openxmlformats.org/drawingml/2006/main" xmlns:r="http://schemas.openxmlformats.org/officeDocument/2006/relationships" xmlns:p="http://schemas.openxmlformats.org/presentationml/2006/main">
+  <p:cSld>
+    <p:spTree>
+      <p:nvGrpSpPr>
+        <p:cNvPr id="1" name=""/>
+        <p:cNvGrpSpPr/>
+        <p:nvPr/>
+      </p:nvGrpSpPr>
+      <p:grpSpPr>
+        <a:xfrm>
+          <a:off x="0" y="0"/>
+          <a:ext cx="0" cy="0"/>
+          <a:chOff x="0" y="0"/>
+          <a:chExt cx="0" cy="0"/>
+        </a:xfrm>
+      </p:grpSpPr>
+      <p:sp>
+        <p:nvSpPr>
+          <p:cNvPr id="2" name="Title 1"/>
+          <p:cNvSpPr>
+            <a:spLocks noGrp="1"/>
+          </p:cNvSpPr>
+          <p:nvPr>
+            <p:ph type="title"/>
+          </p:nvPr>
+        </p:nvSpPr>
+        <p:spPr/>
+        <p:txBody>
+          <a:bodyPr/>
+          <a:lstStyle/>
+          <a:p>
+            <a:endParaRPr lang="en-US"/>
+          </a:p>
+        </p:txBody>
+      </p:sp>
+      <p:sp>
+        <p:nvSpPr>
+          <p:cNvPr id="3" name="Content Placeholder 2"/>
+          <p:cNvSpPr>
+            <a:spLocks noGrp="1"/>
+          </p:cNvSpPr>
+          <p:nvPr>
+            <p:ph idx="1"/>
+          </p:nvPr>
+        </p:nvSpPr>
+        <p:spPr/>
+        <p:txBody>
+          <a:bodyPr/>
+          <a:lstStyle/>
+          <a:p>
+            <a:r>
+              <a:rPr lang="en-US" dirty="0"/>
+              <a:t>Students never meet TA face to face</a:t>
+            </a:r>
+          </a:p>
+          <a:p>
+            <a:r>
+              <a:rPr lang="en-US" dirty="0"/>
+              <a:t>Grading of HW is shared</a:t>
+            </a:r>
+          </a:p>
+          <a:p>
+            <a:r>
+              <a:rPr lang="en-US" dirty="0"/>
+              <a:t>HW returns are coordinated</a:t>
+            </a:r>
+          </a:p>
+          <a:p>
+            <a:r>
+              <a:rPr lang="en-US" dirty="0"/>
+              <a:t>The 2 TAs had comparable levels of experience</a:t>
+            </a:r>
+          </a:p>
+        </p:txBody>
+      </p:sp>
+    </p:spTree>
+    <p:extLst>
+      <p:ext uri="{BB962C8B-B14F-4D97-AF65-F5344CB8AC3E}">
+        <p14:creationId xmlns:p14="http://schemas.microsoft.com/office/powerpoint/2010/main" val="2091836280"/>
+      </p:ext>
+    </p:extLst>
+  </p:cSld>
+  <p:clrMapOvr>
+    <a:masterClrMapping/>
+  </p:clrMapOvr>
+</p:sld>
+</file>
+
 <file path=ppt/slides/slide59.xml><?xml version="1.0" encoding="utf-8"?>
 <p:sld xmlns:a="http://schemas.openxmlformats.org/drawingml/2006/main" xmlns:r="http://schemas.openxmlformats.org/officeDocument/2006/relationships" xmlns:p="http://schemas.openxmlformats.org/presentationml/2006/main">
   <p:cSld>
@@ -19120,12 +18903,36 @@
       </p:grpSpPr>
       <p:sp>
         <p:nvSpPr>
-          <p:cNvPr id="2" name="Title 1"/>
+          <p:cNvPr id="4" name="Title 3"/>
           <p:cNvSpPr>
             <a:spLocks noGrp="1"/>
           </p:cNvSpPr>
           <p:nvPr>
-            <p:ph type="title"/>
+            <p:ph type="ctrTitle"/>
+          </p:nvPr>
+        </p:nvSpPr>
+        <p:spPr/>
+        <p:txBody>
+          <a:bodyPr>
+            <a:normAutofit fontScale="90000"/>
+          </a:bodyPr>
+          <a:lstStyle/>
+          <a:p>
+            <a:r>
+              <a:rPr lang="en-US" dirty="0"/>
+              <a:t>Evaluate the TA on promptness in returning assignment</a:t>
+            </a:r>
+          </a:p>
+        </p:txBody>
+      </p:sp>
+      <p:sp>
+        <p:nvSpPr>
+          <p:cNvPr id="7" name="Subtitle 6"/>
+          <p:cNvSpPr>
+            <a:spLocks noGrp="1"/>
+          </p:cNvSpPr>
+          <p:nvPr>
+            <p:ph type="subTitle" idx="1"/>
           </p:nvPr>
         </p:nvSpPr>
         <p:spPr/>
@@ -19134,53 +18941,13 @@
           <a:lstStyle/>
           <a:p>
             <a:endParaRPr lang="en-US"/>
-          </a:p>
-        </p:txBody>
-      </p:sp>
-      <p:sp>
-        <p:nvSpPr>
-          <p:cNvPr id="3" name="Content Placeholder 2"/>
-          <p:cNvSpPr>
-            <a:spLocks noGrp="1"/>
-          </p:cNvSpPr>
-          <p:nvPr>
-            <p:ph idx="1"/>
-          </p:nvPr>
-        </p:nvSpPr>
-        <p:spPr/>
-        <p:txBody>
-          <a:bodyPr/>
-          <a:lstStyle/>
-          <a:p>
-            <a:r>
-              <a:rPr lang="en-US" dirty="0"/>
-              <a:t>Students never meet TA face to face</a:t>
-            </a:r>
-          </a:p>
-          <a:p>
-            <a:r>
-              <a:rPr lang="en-US" dirty="0"/>
-              <a:t>Grading of HW is shared</a:t>
-            </a:r>
-          </a:p>
-          <a:p>
-            <a:r>
-              <a:rPr lang="en-US" dirty="0"/>
-              <a:t>HW returns are coordinated</a:t>
-            </a:r>
-          </a:p>
-          <a:p>
-            <a:r>
-              <a:rPr lang="en-US" dirty="0"/>
-              <a:t>The 2 TAs had comparable levels of experience</a:t>
-            </a:r>
           </a:p>
         </p:txBody>
       </p:sp>
     </p:spTree>
     <p:extLst>
       <p:ext uri="{BB962C8B-B14F-4D97-AF65-F5344CB8AC3E}">
-        <p14:creationId xmlns:p14="http://schemas.microsoft.com/office/powerpoint/2010/main" val="2091836280"/>
+        <p14:creationId xmlns:p14="http://schemas.microsoft.com/office/powerpoint/2010/main" val="1037572923"/>
       </p:ext>
     </p:extLst>
   </p:cSld>
@@ -19305,79 +19072,6 @@
       </p:grpSpPr>
       <p:sp>
         <p:nvSpPr>
-          <p:cNvPr id="4" name="Title 3"/>
-          <p:cNvSpPr>
-            <a:spLocks noGrp="1"/>
-          </p:cNvSpPr>
-          <p:nvPr>
-            <p:ph type="ctrTitle"/>
-          </p:nvPr>
-        </p:nvSpPr>
-        <p:spPr/>
-        <p:txBody>
-          <a:bodyPr>
-            <a:normAutofit fontScale="90000"/>
-          </a:bodyPr>
-          <a:lstStyle/>
-          <a:p>
-            <a:r>
-              <a:rPr lang="en-US" dirty="0"/>
-              <a:t>Evaluate the TA on promptness in returning assignment</a:t>
-            </a:r>
-          </a:p>
-        </p:txBody>
-      </p:sp>
-      <p:sp>
-        <p:nvSpPr>
-          <p:cNvPr id="7" name="Subtitle 6"/>
-          <p:cNvSpPr>
-            <a:spLocks noGrp="1"/>
-          </p:cNvSpPr>
-          <p:nvPr>
-            <p:ph type="subTitle" idx="1"/>
-          </p:nvPr>
-        </p:nvSpPr>
-        <p:spPr/>
-        <p:txBody>
-          <a:bodyPr/>
-          <a:lstStyle/>
-          <a:p>
-            <a:endParaRPr lang="en-US"/>
-          </a:p>
-        </p:txBody>
-      </p:sp>
-    </p:spTree>
-    <p:extLst>
-      <p:ext uri="{BB962C8B-B14F-4D97-AF65-F5344CB8AC3E}">
-        <p14:creationId xmlns:p14="http://schemas.microsoft.com/office/powerpoint/2010/main" val="1037572923"/>
-      </p:ext>
-    </p:extLst>
-  </p:cSld>
-  <p:clrMapOvr>
-    <a:masterClrMapping/>
-  </p:clrMapOvr>
-</p:sld>
-</file>
-
-<file path=ppt/slides/slide61.xml><?xml version="1.0" encoding="utf-8"?>
-<p:sld xmlns:a="http://schemas.openxmlformats.org/drawingml/2006/main" xmlns:r="http://schemas.openxmlformats.org/officeDocument/2006/relationships" xmlns:p="http://schemas.openxmlformats.org/presentationml/2006/main">
-  <p:cSld>
-    <p:spTree>
-      <p:nvGrpSpPr>
-        <p:cNvPr id="1" name=""/>
-        <p:cNvGrpSpPr/>
-        <p:nvPr/>
-      </p:nvGrpSpPr>
-      <p:grpSpPr>
-        <a:xfrm>
-          <a:off x="0" y="0"/>
-          <a:ext cx="0" cy="0"/>
-          <a:chOff x="0" y="0"/>
-          <a:chExt cx="0" cy="0"/>
-        </a:xfrm>
-      </p:grpSpPr>
-      <p:sp>
-        <p:nvSpPr>
           <p:cNvPr id="2" name="Title 1"/>
           <p:cNvSpPr>
             <a:spLocks noGrp="1"/>
@@ -19395,13 +19089,8 @@
           <a:p>
             <a:r>
               <a:rPr lang="en-US" dirty="0"/>
-              <a:t>Evaluations of the 4 </a:t>
-            </a:r>
-            <a:r>
-              <a:rPr lang="en-US" dirty="0" err="1"/>
-              <a:t>Tas</a:t>
-            </a:r>
-            <a:endParaRPr lang="en-US" dirty="0"/>
+              <a:t>Evaluations of the 4 TAs</a:t>
+            </a:r>
           </a:p>
         </p:txBody>
       </p:sp>
@@ -19717,7 +19406,7 @@
         </p:nvSpPr>
         <p:spPr>
           <a:xfrm>
-            <a:off x="4478051" y="1924186"/>
+            <a:off x="4468003" y="1934234"/>
             <a:ext cx="3648740" cy="4801314"/>
           </a:xfrm>
           <a:prstGeom prst="rect">
@@ -19796,7 +19485,7 @@
 </p:sld>
 </file>
 
-<file path=ppt/slides/slide62.xml><?xml version="1.0" encoding="utf-8"?>
+<file path=ppt/slides/slide61.xml><?xml version="1.0" encoding="utf-8"?>
 <p:sld xmlns:a="http://schemas.openxmlformats.org/drawingml/2006/main" xmlns:r="http://schemas.openxmlformats.org/officeDocument/2006/relationships" xmlns:p="http://schemas.openxmlformats.org/presentationml/2006/main">
   <p:cSld>
     <p:spTree>
@@ -19935,7 +19624,7 @@
 </p:sld>
 </file>
 
-<file path=ppt/slides/slide63.xml><?xml version="1.0" encoding="utf-8"?>
+<file path=ppt/slides/slide62.xml><?xml version="1.0" encoding="utf-8"?>
 <p:sld xmlns:a="http://schemas.openxmlformats.org/drawingml/2006/main" xmlns:r="http://schemas.openxmlformats.org/officeDocument/2006/relationships" xmlns:p="http://schemas.openxmlformats.org/presentationml/2006/main">
   <p:cSld>
     <p:spTree>
@@ -20295,7 +19984,7 @@
 </p:sld>
 </file>
 
-<file path=ppt/slides/slide64.xml><?xml version="1.0" encoding="utf-8"?>
+<file path=ppt/slides/slide63.xml><?xml version="1.0" encoding="utf-8"?>
 <p:sld xmlns:a="http://schemas.openxmlformats.org/drawingml/2006/main" xmlns:r="http://schemas.openxmlformats.org/officeDocument/2006/relationships" xmlns:p="http://schemas.openxmlformats.org/presentationml/2006/main">
   <p:cSld>
     <p:spTree>
@@ -20542,7 +20231,7 @@
 </p:sld>
 </file>
 
-<file path=ppt/slides/slide65.xml><?xml version="1.0" encoding="utf-8"?>
+<file path=ppt/slides/slide64.xml><?xml version="1.0" encoding="utf-8"?>
 <p:sld xmlns:a="http://schemas.openxmlformats.org/drawingml/2006/main" xmlns:r="http://schemas.openxmlformats.org/officeDocument/2006/relationships" xmlns:p="http://schemas.openxmlformats.org/presentationml/2006/main">
   <p:cSld>
     <p:spTree>
@@ -21085,7 +20774,7 @@
 </p:sld>
 </file>
 
-<file path=ppt/slides/slide66.xml><?xml version="1.0" encoding="utf-8"?>
+<file path=ppt/slides/slide65.xml><?xml version="1.0" encoding="utf-8"?>
 <p:sld xmlns:a="http://schemas.openxmlformats.org/drawingml/2006/main" xmlns:r="http://schemas.openxmlformats.org/officeDocument/2006/relationships" xmlns:p="http://schemas.openxmlformats.org/presentationml/2006/main">
   <p:cSld>
     <p:spTree>
@@ -21406,7 +21095,7 @@
 </p:sld>
 </file>
 
-<file path=ppt/slides/slide67.xml><?xml version="1.0" encoding="utf-8"?>
+<file path=ppt/slides/slide66.xml><?xml version="1.0" encoding="utf-8"?>
 <p:sld xmlns:a="http://schemas.openxmlformats.org/drawingml/2006/main" xmlns:r="http://schemas.openxmlformats.org/officeDocument/2006/relationships" xmlns:p="http://schemas.openxmlformats.org/presentationml/2006/main">
   <p:cSld>
     <p:spTree>
@@ -21506,7 +21195,7 @@
 </p:sld>
 </file>
 
-<file path=ppt/slides/slide68.xml><?xml version="1.0" encoding="utf-8"?>
+<file path=ppt/slides/slide67.xml><?xml version="1.0" encoding="utf-8"?>
 <p:sld xmlns:a="http://schemas.openxmlformats.org/drawingml/2006/main" xmlns:r="http://schemas.openxmlformats.org/officeDocument/2006/relationships" xmlns:p="http://schemas.openxmlformats.org/presentationml/2006/main">
   <p:cSld>
     <p:spTree>
@@ -22118,6 +21807,103 @@
 </p:sld>
 </file>
 
+<file path=ppt/slides/slide68.xml><?xml version="1.0" encoding="utf-8"?>
+<p:sld xmlns:a="http://schemas.openxmlformats.org/drawingml/2006/main" xmlns:r="http://schemas.openxmlformats.org/officeDocument/2006/relationships" xmlns:p="http://schemas.openxmlformats.org/presentationml/2006/main">
+  <p:cSld>
+    <p:spTree>
+      <p:nvGrpSpPr>
+        <p:cNvPr id="1" name=""/>
+        <p:cNvGrpSpPr/>
+        <p:nvPr/>
+      </p:nvGrpSpPr>
+      <p:grpSpPr>
+        <a:xfrm>
+          <a:off x="0" y="0"/>
+          <a:ext cx="0" cy="0"/>
+          <a:chOff x="0" y="0"/>
+          <a:chExt cx="0" cy="0"/>
+        </a:xfrm>
+      </p:grpSpPr>
+      <p:sp>
+        <p:nvSpPr>
+          <p:cNvPr id="6" name="Title 5"/>
+          <p:cNvSpPr>
+            <a:spLocks noGrp="1"/>
+          </p:cNvSpPr>
+          <p:nvPr>
+            <p:ph type="title"/>
+          </p:nvPr>
+        </p:nvSpPr>
+        <p:spPr/>
+        <p:txBody>
+          <a:bodyPr/>
+          <a:lstStyle/>
+          <a:p>
+            <a:endParaRPr lang="en-US"/>
+          </a:p>
+        </p:txBody>
+      </p:sp>
+      <p:sp>
+        <p:nvSpPr>
+          <p:cNvPr id="3" name="Content Placeholder 2"/>
+          <p:cNvSpPr>
+            <a:spLocks noGrp="1"/>
+          </p:cNvSpPr>
+          <p:nvPr>
+            <p:ph idx="1"/>
+          </p:nvPr>
+        </p:nvSpPr>
+        <p:spPr/>
+        <p:txBody>
+          <a:bodyPr>
+            <a:normAutofit/>
+          </a:bodyPr>
+          <a:lstStyle/>
+          <a:p>
+            <a:r>
+              <a:rPr lang="en-US" dirty="0"/>
+              <a:t>Compute the difference in average scores for identified-female and identified-male groups. </a:t>
+            </a:r>
+            <a:endParaRPr lang="en-US" dirty="0">
+              <a:effectLst/>
+            </a:endParaRPr>
+          </a:p>
+          <a:p>
+            <a:r>
+              <a:rPr lang="en-US" dirty="0"/>
+              <a:t>Repeat many times to create an approximate sampling distribution for the difference in average scores for the 2 groups. </a:t>
+            </a:r>
+            <a:endParaRPr lang="en-US" dirty="0">
+              <a:effectLst/>
+            </a:endParaRPr>
+          </a:p>
+          <a:p>
+            <a:r>
+              <a:rPr lang="en-US" dirty="0"/>
+              <a:t>Use the approximate distribution to estimate the chance of observing -0.8 or lower</a:t>
+            </a:r>
+            <a:endParaRPr lang="en-US" dirty="0">
+              <a:effectLst/>
+            </a:endParaRPr>
+          </a:p>
+          <a:p>
+            <a:endParaRPr lang="en-US" dirty="0"/>
+          </a:p>
+        </p:txBody>
+      </p:sp>
+    </p:spTree>
+    <p:extLst>
+      <p:ext uri="{BB962C8B-B14F-4D97-AF65-F5344CB8AC3E}">
+        <p14:creationId xmlns:p14="http://schemas.microsoft.com/office/powerpoint/2010/main" val="319243527"/>
+      </p:ext>
+    </p:extLst>
+  </p:cSld>
+  <p:clrMapOvr>
+    <a:masterClrMapping/>
+  </p:clrMapOvr>
+</p:sld>
+</file>
+
 <file path=ppt/slides/slide69.xml><?xml version="1.0" encoding="utf-8"?>
 <p:sld xmlns:a="http://schemas.openxmlformats.org/drawingml/2006/main" xmlns:r="http://schemas.openxmlformats.org/officeDocument/2006/relationships" xmlns:p="http://schemas.openxmlformats.org/presentationml/2006/main">
   <p:cSld>
@@ -22137,7 +21923,13 @@
       </p:grpSpPr>
       <p:sp>
         <p:nvSpPr>
-          <p:cNvPr id="6" name="Title 5"/>
+          <p:cNvPr id="4" name="Title 3">
+            <a:extLst>
+              <a:ext uri="{FF2B5EF4-FFF2-40B4-BE49-F238E27FC236}">
+                <a16:creationId xmlns:a16="http://schemas.microsoft.com/office/drawing/2014/main" id="{584D8B43-ACF3-094E-9DA9-8442D088B534}"/>
+              </a:ext>
+            </a:extLst>
+          </p:cNvPr>
           <p:cNvSpPr>
             <a:spLocks noGrp="1"/>
           </p:cNvSpPr>
@@ -22150,62 +21942,121 @@
           <a:bodyPr/>
           <a:lstStyle/>
           <a:p>
-            <a:endParaRPr lang="en-US"/>
-          </a:p>
-        </p:txBody>
-      </p:sp>
-      <p:sp>
-        <p:nvSpPr>
-          <p:cNvPr id="3" name="Content Placeholder 2"/>
-          <p:cNvSpPr>
-            <a:spLocks noGrp="1"/>
-          </p:cNvSpPr>
-          <p:nvPr>
-            <p:ph idx="1"/>
-          </p:nvPr>
-        </p:nvSpPr>
-        <p:spPr/>
-        <p:txBody>
-          <a:bodyPr>
-            <a:normAutofit/>
+            <a:r>
+              <a:rPr lang="en-US" dirty="0"/>
+              <a:t>From Boring, </a:t>
+            </a:r>
+            <a:r>
+              <a:rPr lang="en-US" dirty="0" err="1"/>
+              <a:t>Ottoboni</a:t>
+            </a:r>
+            <a:r>
+              <a:rPr lang="en-US" dirty="0"/>
+              <a:t> &amp; Stark 2016</a:t>
+            </a:r>
+          </a:p>
+        </p:txBody>
+      </p:sp>
+      <p:sp>
+        <p:nvSpPr>
+          <p:cNvPr id="6" name="Rectangle 5">
+            <a:extLst>
+              <a:ext uri="{FF2B5EF4-FFF2-40B4-BE49-F238E27FC236}">
+                <a16:creationId xmlns:a16="http://schemas.microsoft.com/office/drawing/2014/main" id="{4194444D-DAD1-0B49-81DF-D6AB9F4AA476}"/>
+              </a:ext>
+            </a:extLst>
+          </p:cNvPr>
+          <p:cNvSpPr/>
+          <p:nvPr/>
+        </p:nvSpPr>
+        <p:spPr>
+          <a:xfrm>
+            <a:off x="1017317" y="2151584"/>
+            <a:ext cx="9871616" cy="3970318"/>
+          </a:xfrm>
+          <a:prstGeom prst="rect">
+            <a:avLst/>
+          </a:prstGeom>
+        </p:spPr>
+        <p:txBody>
+          <a:bodyPr wrap="square">
+            <a:spAutoFit/>
           </a:bodyPr>
           <a:lstStyle/>
           <a:p>
             <a:r>
+              <a:rPr lang="en-US" b="1" dirty="0"/>
+              <a:t>METHODS </a:t>
+            </a:r>
+            <a:r>
               <a:rPr lang="en-US" dirty="0"/>
-              <a:t>Compute the difference in average scores for identified-female and identified-male groups. </a:t>
-            </a:r>
-            <a:endParaRPr lang="en-US" dirty="0">
-              <a:effectLst/>
-            </a:endParaRPr>
-          </a:p>
-          <a:p>
+              <a:t>(</a:t>
+            </a:r>
+            <a:r>
+              <a:rPr lang="en-US" dirty="0" err="1"/>
+              <a:t>emph</a:t>
+            </a:r>
             <a:r>
               <a:rPr lang="en-US" dirty="0"/>
-              <a:t>Repeat many times to create an approximate sampling distribution for the difference in average scores for the 2 groups. </a:t>
-            </a:r>
-            <a:endParaRPr lang="en-US" dirty="0">
-              <a:effectLst/>
-            </a:endParaRPr>
+              <a:t>. mine)</a:t>
+            </a:r>
+          </a:p>
+          <a:p>
+            <a:endParaRPr lang="en-US" dirty="0"/>
           </a:p>
           <a:p>
             <a:r>
               <a:rPr lang="en-US" dirty="0"/>
-              <a:t>Use the approximate distribution to estimate the chance of observing -0.8 or lower</a:t>
-            </a:r>
-            <a:endParaRPr lang="en-US" dirty="0">
-              <a:effectLst/>
-            </a:endParaRPr>
+              <a:t>Previous analyses of these data relied on parametric tests </a:t>
+            </a:r>
+            <a:r>
+              <a:rPr lang="en-US" b="1" dirty="0"/>
+              <a:t>based on null hypotheses that do not match the experimental design</a:t>
+            </a:r>
+            <a:r>
+              <a:rPr lang="en-US" dirty="0"/>
+              <a:t>. For example, the tests assumed that SET of male and female instructors are independent random samples from normally distributed populations with equal variances and possibly different means. </a:t>
+            </a:r>
+            <a:r>
+              <a:rPr lang="en-US" b="1" dirty="0"/>
+              <a:t>As a result, the p-values reported in those studies are for unrealistic null hypotheses and might be misleading</a:t>
+            </a:r>
+            <a:r>
+              <a:rPr lang="en-US" dirty="0"/>
+              <a:t>. </a:t>
+            </a:r>
           </a:p>
           <a:p>
             <a:endParaRPr lang="en-US" dirty="0"/>
+          </a:p>
+          <a:p>
+            <a:r>
+              <a:rPr lang="en-US" dirty="0"/>
+              <a:t>In contrast, </a:t>
+            </a:r>
+            <a:r>
+              <a:rPr lang="en-US" b="1" dirty="0"/>
+              <a:t>we use permutation tests </a:t>
+            </a:r>
+            <a:r>
+              <a:rPr lang="en-US" dirty="0"/>
+              <a:t>based on the as-if random (French natural experiment) or truly random (US experiment) assignment of students to class sections, </a:t>
+            </a:r>
+            <a:r>
+              <a:rPr lang="en-US" b="1" dirty="0"/>
+              <a:t>with no counterfactual assumption that the students, SET scores, grades, or any other variables comprise random samples from any populations, much less populations with normal distributions</a:t>
+            </a:r>
+            <a:r>
+              <a:rPr lang="en-US" dirty="0"/>
+              <a:t>.</a:t>
+            </a:r>
           </a:p>
         </p:txBody>
       </p:sp>
     </p:spTree>
     <p:extLst>
       <p:ext uri="{BB962C8B-B14F-4D97-AF65-F5344CB8AC3E}">
-        <p14:creationId xmlns:p14="http://schemas.microsoft.com/office/powerpoint/2010/main" val="319243527"/>
+        <p14:creationId xmlns:p14="http://schemas.microsoft.com/office/powerpoint/2010/main" val="540762600"/>
       </p:ext>
     </p:extLst>
   </p:cSld>
@@ -22330,134 +22181,61 @@
           <a:chExt cx="0" cy="0"/>
         </a:xfrm>
       </p:grpSpPr>
-      <p:sp>
-        <p:nvSpPr>
-          <p:cNvPr id="4" name="Title 3">
+      <p:pic>
+        <p:nvPicPr>
+          <p:cNvPr id="4" name="Content Placeholder 3" descr="samplingDistribution.tiff"/>
+          <p:cNvPicPr>
+            <a:picLocks noGrp="1" noChangeAspect="1"/>
+          </p:cNvPicPr>
+          <p:nvPr>
+            <p:ph idx="1"/>
+          </p:nvPr>
+        </p:nvPicPr>
+        <p:blipFill>
+          <a:blip r:embed="rId2">
             <a:extLst>
-              <a:ext uri="{FF2B5EF4-FFF2-40B4-BE49-F238E27FC236}">
-                <a16:creationId xmlns:a16="http://schemas.microsoft.com/office/drawing/2014/main" id="{584D8B43-ACF3-094E-9DA9-8442D088B534}"/>
+              <a:ext uri="{28A0092B-C50C-407E-A947-70E740481C1C}">
+                <a14:useLocalDpi xmlns:a14="http://schemas.microsoft.com/office/drawing/2010/main" val="0"/>
               </a:ext>
             </a:extLst>
-          </p:cNvPr>
-          <p:cNvSpPr>
-            <a:spLocks noGrp="1"/>
-          </p:cNvSpPr>
-          <p:nvPr>
-            <p:ph type="title"/>
-          </p:nvPr>
-        </p:nvSpPr>
-        <p:spPr/>
-        <p:txBody>
-          <a:bodyPr/>
-          <a:lstStyle/>
-          <a:p>
-            <a:r>
-              <a:rPr lang="en-US" dirty="0"/>
-              <a:t>From Boring, </a:t>
-            </a:r>
-            <a:r>
-              <a:rPr lang="en-US" dirty="0" err="1"/>
-              <a:t>Ottoboni</a:t>
-            </a:r>
-            <a:r>
-              <a:rPr lang="en-US" dirty="0"/>
-              <a:t> &amp; Stark 2016</a:t>
-            </a:r>
-          </a:p>
-        </p:txBody>
-      </p:sp>
-      <p:sp>
-        <p:nvSpPr>
-          <p:cNvPr id="6" name="Rectangle 5">
-            <a:extLst>
-              <a:ext uri="{FF2B5EF4-FFF2-40B4-BE49-F238E27FC236}">
-                <a16:creationId xmlns:a16="http://schemas.microsoft.com/office/drawing/2014/main" id="{4194444D-DAD1-0B49-81DF-D6AB9F4AA476}"/>
-              </a:ext>
-            </a:extLst>
-          </p:cNvPr>
-          <p:cNvSpPr/>
-          <p:nvPr/>
-        </p:nvSpPr>
+          </a:blip>
+          <a:srcRect l="-12371" r="-12371"/>
+          <a:stretch>
+            <a:fillRect/>
+          </a:stretch>
+        </p:blipFill>
         <p:spPr>
           <a:xfrm>
-            <a:off x="1017317" y="2151584"/>
-            <a:ext cx="9871616" cy="3970318"/>
+            <a:off x="1981200" y="1928386"/>
+            <a:ext cx="8229600" cy="4525963"/>
           </a:xfrm>
-          <a:prstGeom prst="rect">
-            <a:avLst/>
-          </a:prstGeom>
         </p:spPr>
-        <p:txBody>
-          <a:bodyPr wrap="square">
-            <a:spAutoFit/>
+      </p:pic>
+      <p:sp>
+        <p:nvSpPr>
+          <p:cNvPr id="2" name="Title 1"/>
+          <p:cNvSpPr>
+            <a:spLocks noGrp="1"/>
+          </p:cNvSpPr>
+          <p:nvPr>
+            <p:ph type="title"/>
+          </p:nvPr>
+        </p:nvSpPr>
+        <p:spPr>
+          <a:xfrm>
+            <a:off x="762000" y="563897"/>
+            <a:ext cx="10668000" cy="1143000"/>
+          </a:xfrm>
+        </p:spPr>
+        <p:txBody>
+          <a:bodyPr>
+            <a:normAutofit fontScale="90000"/>
           </a:bodyPr>
           <a:lstStyle/>
           <a:p>
             <a:r>
-              <a:rPr lang="en-US" b="1" dirty="0"/>
-              <a:t>METHODS </a:t>
-            </a:r>
-            <a:r>
               <a:rPr lang="en-US" dirty="0"/>
-              <a:t>(</a:t>
-            </a:r>
-            <a:r>
-              <a:rPr lang="en-US" dirty="0" err="1"/>
-              <a:t>emph</a:t>
-            </a:r>
-            <a:r>
-              <a:rPr lang="en-US" dirty="0"/>
-              <a:t>. mine)</a:t>
-            </a:r>
-          </a:p>
-          <a:p>
-            <a:endParaRPr lang="en-US" dirty="0"/>
-          </a:p>
-          <a:p>
-            <a:r>
-              <a:rPr lang="en-US" dirty="0"/>
-              <a:t>Previous analyses of these data relied on parametric tests </a:t>
-            </a:r>
-            <a:r>
-              <a:rPr lang="en-US" b="1" dirty="0"/>
-              <a:t>based on null hypotheses that do not match the experimental design</a:t>
-            </a:r>
-            <a:r>
-              <a:rPr lang="en-US" dirty="0"/>
-              <a:t>. For example, the tests assumed that SET of male and female instructors are independent random samples from normally distributed populations with equal variances and possibly different means. </a:t>
-            </a:r>
-            <a:r>
-              <a:rPr lang="en-US" b="1" dirty="0"/>
-              <a:t>As a result, the p-values reported in those studies are for unrealistic null hypotheses and might be misleading</a:t>
-            </a:r>
-            <a:r>
-              <a:rPr lang="en-US" dirty="0"/>
-              <a:t>. </a:t>
-            </a:r>
-          </a:p>
-          <a:p>
-            <a:endParaRPr lang="en-US" dirty="0"/>
-          </a:p>
-          <a:p>
-            <a:r>
-              <a:rPr lang="en-US" dirty="0"/>
-              <a:t>In contrast, </a:t>
-            </a:r>
-            <a:r>
-              <a:rPr lang="en-US" b="1" dirty="0"/>
-              <a:t>we use permutation tests </a:t>
-            </a:r>
-            <a:r>
-              <a:rPr lang="en-US" dirty="0"/>
-              <a:t>based on the as-if random (French natural experiment) or truly random (US experiment) assignment of students to class sections, </a:t>
-            </a:r>
-            <a:r>
-              <a:rPr lang="en-US" b="1" dirty="0"/>
-              <a:t>with no counterfactual assumption that the students, SET scores, grades, or any other variables comprise random samples from any populations, much less populations with normal distributions</a:t>
-            </a:r>
-            <a:r>
-              <a:rPr lang="en-US" dirty="0"/>
-              <a:t>.</a:t>
+              <a:t>Fewer than 5 in the 1000 simulations had a difference as large as the one observed</a:t>
             </a:r>
           </a:p>
         </p:txBody>
@@ -22465,7 +22243,7 @@
     </p:spTree>
     <p:extLst>
       <p:ext uri="{BB962C8B-B14F-4D97-AF65-F5344CB8AC3E}">
-        <p14:creationId xmlns:p14="http://schemas.microsoft.com/office/powerpoint/2010/main" val="540762600"/>
+        <p14:creationId xmlns:p14="http://schemas.microsoft.com/office/powerpoint/2010/main" val="903238434"/>
       </p:ext>
     </p:extLst>
   </p:cSld>
@@ -22492,36 +22270,6 @@
           <a:chExt cx="0" cy="0"/>
         </a:xfrm>
       </p:grpSpPr>
-      <p:pic>
-        <p:nvPicPr>
-          <p:cNvPr id="4" name="Content Placeholder 3" descr="samplingDistribution.tiff"/>
-          <p:cNvPicPr>
-            <a:picLocks noGrp="1" noChangeAspect="1"/>
-          </p:cNvPicPr>
-          <p:nvPr>
-            <p:ph idx="1"/>
-          </p:nvPr>
-        </p:nvPicPr>
-        <p:blipFill>
-          <a:blip r:embed="rId2">
-            <a:extLst>
-              <a:ext uri="{28A0092B-C50C-407E-A947-70E740481C1C}">
-                <a14:useLocalDpi xmlns:a14="http://schemas.microsoft.com/office/drawing/2010/main" val="0"/>
-              </a:ext>
-            </a:extLst>
-          </a:blip>
-          <a:srcRect l="-12371" r="-12371"/>
-          <a:stretch>
-            <a:fillRect/>
-          </a:stretch>
-        </p:blipFill>
-        <p:spPr>
-          <a:xfrm>
-            <a:off x="1981200" y="1928386"/>
-            <a:ext cx="8229600" cy="4525963"/>
-          </a:xfrm>
-        </p:spPr>
-      </p:pic>
       <p:sp>
         <p:nvSpPr>
           <p:cNvPr id="2" name="Title 1"/>
@@ -22532,21 +22280,48 @@
             <p:ph type="title"/>
           </p:nvPr>
         </p:nvSpPr>
-        <p:spPr>
-          <a:xfrm>
-            <a:off x="762000" y="563897"/>
-            <a:ext cx="10668000" cy="1143000"/>
-          </a:xfrm>
-        </p:spPr>
-        <p:txBody>
-          <a:bodyPr>
-            <a:normAutofit fontScale="90000"/>
-          </a:bodyPr>
+        <p:spPr/>
+        <p:txBody>
+          <a:bodyPr/>
           <a:lstStyle/>
           <a:p>
             <a:r>
               <a:rPr lang="en-US" dirty="0"/>
-              <a:t>Fewer than 5 in the 1000 simulations had a difference as large as the one observed</a:t>
+              <a:t>T/F Statements</a:t>
+            </a:r>
+          </a:p>
+        </p:txBody>
+      </p:sp>
+      <p:sp>
+        <p:nvSpPr>
+          <p:cNvPr id="4" name="Content Placeholder 3"/>
+          <p:cNvSpPr>
+            <a:spLocks noGrp="1"/>
+          </p:cNvSpPr>
+          <p:nvPr>
+            <p:ph idx="1"/>
+          </p:nvPr>
+        </p:nvSpPr>
+        <p:spPr/>
+        <p:txBody>
+          <a:bodyPr/>
+          <a:lstStyle/>
+          <a:p>
+            <a:r>
+              <a:rPr lang="en-US" dirty="0"/>
+              <a:t>The chance is 1 in 200 that the students are biased.</a:t>
+            </a:r>
+          </a:p>
+          <a:p>
+            <a:r>
+              <a:rPr lang="en-US" dirty="0"/>
+              <a:t>The students were assigned to sections at random so this probability calculation is valid </a:t>
+            </a:r>
+          </a:p>
+          <a:p>
+            <a:r>
+              <a:rPr lang="en-US" dirty="0"/>
+              <a:t>Given the protocol for the experimental design, it is reasonable to conclude that the students are gender biased. </a:t>
             </a:r>
           </a:p>
         </p:txBody>
@@ -22554,7 +22329,7 @@
     </p:spTree>
     <p:extLst>
       <p:ext uri="{BB962C8B-B14F-4D97-AF65-F5344CB8AC3E}">
-        <p14:creationId xmlns:p14="http://schemas.microsoft.com/office/powerpoint/2010/main" val="903238434"/>
+        <p14:creationId xmlns:p14="http://schemas.microsoft.com/office/powerpoint/2010/main" val="68451747"/>
       </p:ext>
     </p:extLst>
   </p:cSld>
@@ -22596,92 +22371,6 @@
           <a:bodyPr/>
           <a:lstStyle/>
           <a:p>
-            <a:r>
-              <a:rPr lang="en-US" dirty="0"/>
-              <a:t>T/F Statements</a:t>
-            </a:r>
-          </a:p>
-        </p:txBody>
-      </p:sp>
-      <p:sp>
-        <p:nvSpPr>
-          <p:cNvPr id="4" name="Content Placeholder 3"/>
-          <p:cNvSpPr>
-            <a:spLocks noGrp="1"/>
-          </p:cNvSpPr>
-          <p:nvPr>
-            <p:ph idx="1"/>
-          </p:nvPr>
-        </p:nvSpPr>
-        <p:spPr/>
-        <p:txBody>
-          <a:bodyPr/>
-          <a:lstStyle/>
-          <a:p>
-            <a:r>
-              <a:rPr lang="en-US" dirty="0"/>
-              <a:t>The chance is 1 in 200 that the students are biased.</a:t>
-            </a:r>
-          </a:p>
-          <a:p>
-            <a:r>
-              <a:rPr lang="en-US" dirty="0"/>
-              <a:t>The students were assigned to sections at random so this probability calculation is valid </a:t>
-            </a:r>
-          </a:p>
-          <a:p>
-            <a:r>
-              <a:rPr lang="en-US" dirty="0"/>
-              <a:t>Given the protocol for the experimental design, it is reasonable to conclude that the students are gender biased. </a:t>
-            </a:r>
-          </a:p>
-        </p:txBody>
-      </p:sp>
-    </p:spTree>
-    <p:extLst>
-      <p:ext uri="{BB962C8B-B14F-4D97-AF65-F5344CB8AC3E}">
-        <p14:creationId xmlns:p14="http://schemas.microsoft.com/office/powerpoint/2010/main" val="68451747"/>
-      </p:ext>
-    </p:extLst>
-  </p:cSld>
-  <p:clrMapOvr>
-    <a:masterClrMapping/>
-  </p:clrMapOvr>
-</p:sld>
-</file>
-
-<file path=ppt/slides/slide73.xml><?xml version="1.0" encoding="utf-8"?>
-<p:sld xmlns:a="http://schemas.openxmlformats.org/drawingml/2006/main" xmlns:r="http://schemas.openxmlformats.org/officeDocument/2006/relationships" xmlns:p="http://schemas.openxmlformats.org/presentationml/2006/main">
-  <p:cSld>
-    <p:spTree>
-      <p:nvGrpSpPr>
-        <p:cNvPr id="1" name=""/>
-        <p:cNvGrpSpPr/>
-        <p:nvPr/>
-      </p:nvGrpSpPr>
-      <p:grpSpPr>
-        <a:xfrm>
-          <a:off x="0" y="0"/>
-          <a:ext cx="0" cy="0"/>
-          <a:chOff x="0" y="0"/>
-          <a:chExt cx="0" cy="0"/>
-        </a:xfrm>
-      </p:grpSpPr>
-      <p:sp>
-        <p:nvSpPr>
-          <p:cNvPr id="2" name="Title 1"/>
-          <p:cNvSpPr>
-            <a:spLocks noGrp="1"/>
-          </p:cNvSpPr>
-          <p:nvPr>
-            <p:ph type="title"/>
-          </p:nvPr>
-        </p:nvSpPr>
-        <p:spPr/>
-        <p:txBody>
-          <a:bodyPr/>
-          <a:lstStyle/>
-          <a:p>
             <a:endParaRPr lang="en-US"/>
           </a:p>
         </p:txBody>
@@ -22739,7 +22428,7 @@
 </p:sld>
 </file>
 
-<file path=ppt/slides/slide74.xml><?xml version="1.0" encoding="utf-8"?>
+<file path=ppt/slides/slide73.xml><?xml version="1.0" encoding="utf-8"?>
 <p:sld xmlns:a="http://schemas.openxmlformats.org/drawingml/2006/main" xmlns:r="http://schemas.openxmlformats.org/officeDocument/2006/relationships" xmlns:p="http://schemas.openxmlformats.org/presentationml/2006/main">
   <p:cSld>
     <p:spTree>
